--- a/Multicultural Menu_Project Presentation.pptx
+++ b/Multicultural Menu_Project Presentation.pptx
@@ -13,6 +13,10 @@
     <p:sldId id="262" r:id="rId7"/>
     <p:sldId id="263" r:id="rId8"/>
     <p:sldId id="264" r:id="rId9"/>
+    <p:sldId id="265" r:id="rId10"/>
+    <p:sldId id="267" r:id="rId11"/>
+    <p:sldId id="269" r:id="rId12"/>
+    <p:sldId id="266" r:id="rId13"/>
   </p:sldIdLst>
   <p:sldSz cx="12192000" cy="6858000"/>
   <p:notesSz cx="6858000" cy="9144000"/>
@@ -119,6 +123,102 @@
 </p:presentation>
 </file>
 
+<file path=ppt/authors.xml><?xml version="1.0" encoding="utf-8"?>
+<p188:authorLst xmlns:a="http://schemas.openxmlformats.org/drawingml/2006/main" xmlns:r="http://schemas.openxmlformats.org/officeDocument/2006/relationships" xmlns:p188="http://schemas.microsoft.com/office/powerpoint/2018/8/main">
+  <p188:author id="{A5D6DC52-D0A1-404F-A16E-1884AF0F9811}" name="Lnu, Shwetha" initials="LS" userId="S::slnu2@luc.edu::27020afa-27b2-40a4-9dd5-156b41d266e9" providerId="AD"/>
+</p188:authorLst>
+</file>
+
+<file path=ppt/revisionInfo.xml><?xml version="1.0" encoding="utf-8"?>
+<p1510:revInfo xmlns:a="http://schemas.openxmlformats.org/drawingml/2006/main" xmlns:r="http://schemas.openxmlformats.org/officeDocument/2006/relationships" xmlns:p1510="http://schemas.microsoft.com/office/powerpoint/2015/10/main">
+  <p1510:revLst>
+    <p1510:client id="{3AF65F3B-3CD0-A572-2ED2-E33A04268F5D}" v="562" dt="2023-12-03T19:07:38.861"/>
+    <p1510:client id="{599D8583-A19E-0301-53AE-C2F36A9ADB6B}" v="271" dt="2023-12-03T20:00:18.992"/>
+    <p1510:client id="{A02BD68D-0A87-E644-8BF3-EF0E2C832A34}" v="322" dt="2023-12-04T00:32:08.043"/>
+    <p1510:client id="{B8355D64-B052-6020-7AD7-F216889712F6}" v="145" dt="2023-12-04T00:31:04.489"/>
+    <p1510:client id="{C8A10C35-2898-2339-7DF4-B70585CCED50}" v="396" dt="2023-12-03T19:17:31.683"/>
+  </p1510:revLst>
+</p1510:revInfo>
+</file>
+
+<file path=ppt/comments/modernComment_101_5E63566.xml><?xml version="1.0" encoding="utf-8"?>
+<p188:cmLst xmlns:a="http://schemas.openxmlformats.org/drawingml/2006/main" xmlns:r="http://schemas.openxmlformats.org/officeDocument/2006/relationships" xmlns:p188="http://schemas.microsoft.com/office/powerpoint/2018/8/main">
+  <p188:cm id="{4C026F1B-D01A-4508-B656-B4567C1D49AE}" authorId="{A5D6DC52-D0A1-404F-A16E-1884AF0F9811}" created="2023-12-03T18:28:34.329">
+    <ac:txMkLst xmlns:ac="http://schemas.microsoft.com/office/drawing/2013/main/command">
+      <pc:docMk xmlns:pc="http://schemas.microsoft.com/office/powerpoint/2013/main/command"/>
+      <pc:sldMk xmlns:pc="http://schemas.microsoft.com/office/powerpoint/2013/main/command" cId="98973030" sldId="257"/>
+      <ac:spMk id="3" creationId="{AC7F3F12-AC84-33E3-5BF8-3A7730799740}"/>
+      <ac:txMk cp="18" len="12">
+        <ac:context len="141" hash="2630788336"/>
+      </ac:txMk>
+    </ac:txMkLst>
+    <p188:pos x="2618912" y="1020932"/>
+    <p188:txBody>
+      <a:bodyPr/>
+      <a:lstStyle/>
+      <a:p>
+        <a:r>
+          <a:rPr lang="en-US"/>
+          <a:t>To add what we all did here/were responsible for, I am adding content from our proposal plan here</a:t>
+        </a:r>
+      </a:p>
+    </p188:txBody>
+  </p188:cm>
+</p188:cmLst>
+</file>
+
+<file path=ppt/comments/modernComment_105_AF186C9A.xml><?xml version="1.0" encoding="utf-8"?>
+<p188:cmLst xmlns:a="http://schemas.openxmlformats.org/drawingml/2006/main" xmlns:r="http://schemas.openxmlformats.org/officeDocument/2006/relationships" xmlns:p188="http://schemas.microsoft.com/office/powerpoint/2018/8/main">
+  <p188:cm id="{61C8689C-B5DA-4E16-8452-D28CBC0601C4}" authorId="{A5D6DC52-D0A1-404F-A16E-1884AF0F9811}" created="2023-12-03T18:27:56.077">
+    <ac:txMkLst xmlns:ac="http://schemas.microsoft.com/office/drawing/2013/main/command">
+      <pc:docMk xmlns:pc="http://schemas.microsoft.com/office/powerpoint/2013/main/command"/>
+      <pc:sldMk xmlns:pc="http://schemas.microsoft.com/office/powerpoint/2013/main/command" cId="2937613466" sldId="261"/>
+      <ac:spMk id="3" creationId="{728EF550-AFA6-0706-AA5E-01B470EC7F62}"/>
+      <ac:txMk cp="429" len="56">
+        <ac:context len="488" hash="1533434448"/>
+      </ac:txMk>
+    </ac:txMkLst>
+    <p188:pos x="8123067" y="3299533"/>
+    <p188:txBody>
+      <a:bodyPr/>
+      <a:lstStyle/>
+      <a:p>
+        <a:r>
+          <a:rPr lang="en-US"/>
+          <a:t>We all can add our points here</a:t>
+        </a:r>
+      </a:p>
+    </p188:txBody>
+  </p188:cm>
+</p188:cmLst>
+</file>
+
+<file path=ppt/comments/modernComment_107_9A4F0910.xml><?xml version="1.0" encoding="utf-8"?>
+<p188:cmLst xmlns:a="http://schemas.openxmlformats.org/drawingml/2006/main" xmlns:r="http://schemas.openxmlformats.org/officeDocument/2006/relationships" xmlns:p188="http://schemas.microsoft.com/office/powerpoint/2018/8/main">
+  <p188:cm id="{BC85A990-6546-49DD-94C3-A50C23EE93B1}" authorId="{A5D6DC52-D0A1-404F-A16E-1884AF0F9811}" created="2023-12-03T19:32:33.684">
+    <ac:txMkLst xmlns:ac="http://schemas.microsoft.com/office/drawing/2013/main/command">
+      <pc:docMk xmlns:pc="http://schemas.microsoft.com/office/powerpoint/2013/main/command"/>
+      <pc:sldMk xmlns:pc="http://schemas.microsoft.com/office/powerpoint/2013/main/command" cId="2588870928" sldId="263"/>
+      <ac:spMk id="3" creationId="{75AC7F22-A134-A7B7-F50B-84FA3E1DFA5E}"/>
+      <ac:txMk cp="0">
+        <ac:context len="879" hash="3290413014"/>
+      </ac:txMk>
+    </ac:txMkLst>
+    <p188:pos x="2663300" y="747203"/>
+    <p188:txBody>
+      <a:bodyPr/>
+      <a:lstStyle/>
+      <a:p>
+        <a:r>
+          <a:rPr lang="en-US"/>
+          <a:t>[@Lateef, Jeremiah] , would be good if you can add your thoughts esp with regard to JSON</a:t>
+        </a:r>
+      </a:p>
+    </p188:txBody>
+  </p188:cm>
+</p188:cmLst>
+</file>
+
 <file path=ppt/slideLayouts/slideLayout1.xml><?xml version="1.0" encoding="utf-8"?>
 <p:sldLayout xmlns:a="http://schemas.openxmlformats.org/drawingml/2006/main" xmlns:r="http://schemas.openxmlformats.org/officeDocument/2006/relationships" xmlns:p="http://schemas.openxmlformats.org/presentationml/2006/main" showMasterSp="0" type="title" preserve="1">
   <p:cSld name="Title Slide">
@@ -269,7 +369,7 @@
           <a:lstStyle/>
           <a:p>
             <a:pPr algn="ctr"/>
-            <a:endParaRPr lang="en-US" dirty="0"/>
+            <a:endParaRPr lang="en-US"/>
           </a:p>
         </p:txBody>
       </p:sp>
@@ -313,7 +413,6 @@
               <a:rPr lang="en-US"/>
               <a:t>Click to edit Master title style</a:t>
             </a:r>
-            <a:endParaRPr lang="en-US" dirty="0"/>
           </a:p>
         </p:txBody>
       </p:sp>
@@ -390,7 +489,6 @@
               <a:rPr lang="en-US"/>
               <a:t>Click to edit Master subtitle style</a:t>
             </a:r>
-            <a:endParaRPr lang="en-US" dirty="0"/>
           </a:p>
         </p:txBody>
       </p:sp>
@@ -426,9 +524,9 @@
           <a:p>
             <a:fld id="{12241623-A064-4BED-B073-BA4D61433402}" type="datetime1">
               <a:rPr lang="en-US" smtClean="0"/>
-              <a:t>12/2/23</a:t>
+              <a:t>12/3/2023</a:t>
             </a:fld>
-            <a:endParaRPr lang="en-US" dirty="0"/>
+            <a:endParaRPr lang="en-US"/>
           </a:p>
         </p:txBody>
       </p:sp>
@@ -458,7 +556,7 @@
           <a:bodyPr/>
           <a:lstStyle/>
           <a:p>
-            <a:endParaRPr lang="en-US" dirty="0"/>
+            <a:endParaRPr lang="en-US"/>
           </a:p>
         </p:txBody>
       </p:sp>
@@ -497,7 +595,7 @@
               <a:pPr/>
               <a:t>‹#›</a:t>
             </a:fld>
-            <a:endParaRPr lang="en-US" dirty="0"/>
+            <a:endParaRPr lang="en-US"/>
           </a:p>
         </p:txBody>
       </p:sp>
@@ -686,7 +784,7 @@
               <a:tabLst/>
               <a:defRPr/>
             </a:pPr>
-            <a:endParaRPr kumimoji="0" lang="en-US" sz="1800" b="0" i="0" u="none" strike="noStrike" kern="1200" cap="none" spc="0" normalizeH="0" baseline="0" noProof="0" dirty="0">
+            <a:endParaRPr kumimoji="0" lang="en-US" sz="1800" b="0" i="0" u="none" strike="noStrike" kern="1200" cap="none" spc="0" normalizeH="0" baseline="0" noProof="0">
               <a:ln>
                 <a:noFill/>
               </a:ln>
@@ -888,7 +986,7 @@
               <a:tabLst/>
               <a:defRPr/>
             </a:pPr>
-            <a:endParaRPr kumimoji="0" lang="en-US" sz="1800" b="0" i="0" u="none" strike="noStrike" kern="1200" cap="none" spc="0" normalizeH="0" baseline="0" noProof="0" dirty="0">
+            <a:endParaRPr kumimoji="0" lang="en-US" sz="1800" b="0" i="0" u="none" strike="noStrike" kern="1200" cap="none" spc="0" normalizeH="0" baseline="0" noProof="0">
               <a:ln>
                 <a:noFill/>
               </a:ln>
@@ -1158,7 +1256,6 @@
               <a:rPr lang="en-US"/>
               <a:t>Click to edit Master title style</a:t>
             </a:r>
-            <a:endParaRPr lang="en-US" dirty="0"/>
           </a:p>
         </p:txBody>
       </p:sp>
@@ -1210,7 +1307,6 @@
               <a:rPr lang="en-US"/>
               <a:t>Fifth level</a:t>
             </a:r>
-            <a:endParaRPr lang="en-US" dirty="0"/>
           </a:p>
         </p:txBody>
       </p:sp>
@@ -1237,9 +1333,9 @@
           <a:p>
             <a:fld id="{6F86ED0C-1DA7-41F0-94CF-6218B1FEDFF1}" type="datetime1">
               <a:rPr lang="en-US" smtClean="0"/>
-              <a:t>12/2/23</a:t>
+              <a:t>12/3/2023</a:t>
             </a:fld>
-            <a:endParaRPr lang="en-US" dirty="0"/>
+            <a:endParaRPr lang="en-US"/>
           </a:p>
         </p:txBody>
       </p:sp>
@@ -1264,7 +1360,7 @@
           <a:bodyPr/>
           <a:lstStyle/>
           <a:p>
-            <a:endParaRPr lang="en-US" dirty="0"/>
+            <a:endParaRPr lang="en-US"/>
           </a:p>
         </p:txBody>
       </p:sp>
@@ -1295,7 +1391,7 @@
               <a:pPr algn="l"/>
               <a:t>‹#›</a:t>
             </a:fld>
-            <a:endParaRPr lang="en-US" dirty="0"/>
+            <a:endParaRPr lang="en-US"/>
           </a:p>
         </p:txBody>
       </p:sp>
@@ -1353,7 +1449,6 @@
               <a:rPr lang="en-US"/>
               <a:t>Click to edit Master title style</a:t>
             </a:r>
-            <a:endParaRPr lang="en-US" dirty="0"/>
           </a:p>
         </p:txBody>
       </p:sp>
@@ -1410,7 +1505,6 @@
               <a:rPr lang="en-US"/>
               <a:t>Fifth level</a:t>
             </a:r>
-            <a:endParaRPr lang="en-US" dirty="0"/>
           </a:p>
         </p:txBody>
       </p:sp>
@@ -1436,9 +1530,9 @@
           <a:p>
             <a:fld id="{EECF02AB-6034-4B88-BC5A-7C17CB0EF809}" type="datetime1">
               <a:rPr lang="en-US" smtClean="0"/>
-              <a:t>12/2/23</a:t>
+              <a:t>12/3/2023</a:t>
             </a:fld>
-            <a:endParaRPr lang="en-US" dirty="0"/>
+            <a:endParaRPr lang="en-US"/>
           </a:p>
         </p:txBody>
       </p:sp>
@@ -1462,7 +1556,7 @@
           <a:bodyPr/>
           <a:lstStyle/>
           <a:p>
-            <a:endParaRPr lang="en-US" dirty="0"/>
+            <a:endParaRPr lang="en-US"/>
           </a:p>
         </p:txBody>
       </p:sp>
@@ -1495,7 +1589,7 @@
               <a:pPr/>
               <a:t>‹#›</a:t>
             </a:fld>
-            <a:endParaRPr lang="en-US" dirty="0"/>
+            <a:endParaRPr lang="en-US"/>
           </a:p>
         </p:txBody>
       </p:sp>
@@ -1592,7 +1686,6 @@
               <a:rPr lang="en-US"/>
               <a:t>Click to edit Master title style</a:t>
             </a:r>
-            <a:endParaRPr lang="en-US" dirty="0"/>
           </a:p>
         </p:txBody>
       </p:sp>
@@ -1644,7 +1737,6 @@
               <a:rPr lang="en-US"/>
               <a:t>Fifth level</a:t>
             </a:r>
-            <a:endParaRPr lang="en-US" dirty="0"/>
           </a:p>
         </p:txBody>
       </p:sp>
@@ -1671,9 +1763,9 @@
           <a:p>
             <a:fld id="{22F3E5F3-28EE-488F-BD53-B744C06C3DEC}" type="datetime1">
               <a:rPr lang="en-US" smtClean="0"/>
-              <a:t>12/2/23</a:t>
+              <a:t>12/3/2023</a:t>
             </a:fld>
-            <a:endParaRPr lang="en-US" dirty="0"/>
+            <a:endParaRPr lang="en-US"/>
           </a:p>
         </p:txBody>
       </p:sp>
@@ -1698,7 +1790,7 @@
           <a:bodyPr/>
           <a:lstStyle/>
           <a:p>
-            <a:endParaRPr lang="en-US" dirty="0"/>
+            <a:endParaRPr lang="en-US"/>
           </a:p>
         </p:txBody>
       </p:sp>
@@ -1729,7 +1821,7 @@
               <a:pPr algn="l"/>
               <a:t>‹#›</a:t>
             </a:fld>
-            <a:endParaRPr lang="en-US" dirty="0"/>
+            <a:endParaRPr lang="en-US"/>
           </a:p>
         </p:txBody>
       </p:sp>
@@ -3009,7 +3101,7 @@
             <a:lstStyle/>
             <a:p>
               <a:pPr algn="ctr"/>
-              <a:endParaRPr lang="en-US" dirty="0"/>
+              <a:endParaRPr lang="en-US"/>
             </a:p>
           </p:txBody>
         </p:sp>
@@ -3204,7 +3296,7 @@
             <a:lstStyle/>
             <a:p>
               <a:pPr algn="ctr"/>
-              <a:endParaRPr lang="en-US" dirty="0"/>
+              <a:endParaRPr lang="en-US"/>
             </a:p>
           </p:txBody>
         </p:sp>
@@ -3361,7 +3453,7 @@
             <a:lstStyle/>
             <a:p>
               <a:pPr algn="ctr"/>
-              <a:endParaRPr lang="en-US" dirty="0"/>
+              <a:endParaRPr lang="en-US"/>
             </a:p>
           </p:txBody>
         </p:sp>
@@ -3905,7 +3997,7 @@
                 <a:tabLst/>
                 <a:defRPr/>
               </a:pPr>
-              <a:endParaRPr kumimoji="0" lang="en-US" sz="1800" b="0" i="0" u="none" strike="noStrike" kern="1200" cap="none" spc="0" normalizeH="0" baseline="0" noProof="0" dirty="0">
+              <a:endParaRPr kumimoji="0" lang="en-US" sz="1800" b="0" i="0" u="none" strike="noStrike" kern="1200" cap="none" spc="0" normalizeH="0" baseline="0" noProof="0">
                 <a:ln>
                   <a:noFill/>
                 </a:ln>
@@ -4081,7 +4173,7 @@
                 <a:tabLst/>
                 <a:defRPr/>
               </a:pPr>
-              <a:endParaRPr kumimoji="0" lang="en-US" sz="1800" b="0" i="0" u="none" strike="noStrike" kern="1200" cap="none" spc="0" normalizeH="0" baseline="0" noProof="0" dirty="0">
+              <a:endParaRPr kumimoji="0" lang="en-US" sz="1800" b="0" i="0" u="none" strike="noStrike" kern="1200" cap="none" spc="0" normalizeH="0" baseline="0" noProof="0">
                 <a:ln>
                   <a:noFill/>
                 </a:ln>
@@ -4139,7 +4231,6 @@
               <a:rPr lang="en-US"/>
               <a:t>Click to edit Master title style</a:t>
             </a:r>
-            <a:endParaRPr lang="en-US" dirty="0"/>
           </a:p>
         </p:txBody>
       </p:sp>
@@ -4169,7 +4260,7 @@
           <a:bodyPr/>
           <a:lstStyle/>
           <a:p>
-            <a:endParaRPr lang="en-US" dirty="0"/>
+            <a:endParaRPr lang="en-US"/>
           </a:p>
         </p:txBody>
       </p:sp>
@@ -4200,7 +4291,7 @@
               <a:pPr algn="l"/>
               <a:t>‹#›</a:t>
             </a:fld>
-            <a:endParaRPr lang="en-US" dirty="0"/>
+            <a:endParaRPr lang="en-US"/>
           </a:p>
         </p:txBody>
       </p:sp>
@@ -4364,9 +4455,9 @@
           <a:p>
             <a:fld id="{E72EB70D-CD01-44DA-83B3-8FEB3383D307}" type="datetime1">
               <a:rPr lang="en-US" smtClean="0"/>
-              <a:t>12/2/23</a:t>
+              <a:t>12/3/2023</a:t>
             </a:fld>
-            <a:endParaRPr lang="en-US" dirty="0"/>
+            <a:endParaRPr lang="en-US"/>
           </a:p>
         </p:txBody>
       </p:sp>
@@ -4419,7 +4510,6 @@
               <a:rPr lang="en-US"/>
               <a:t>Click to edit Master title style</a:t>
             </a:r>
-            <a:endParaRPr lang="en-US" dirty="0"/>
           </a:p>
         </p:txBody>
       </p:sp>
@@ -4476,7 +4566,6 @@
               <a:rPr lang="en-US"/>
               <a:t>Fifth level</a:t>
             </a:r>
-            <a:endParaRPr lang="en-US" dirty="0"/>
           </a:p>
         </p:txBody>
       </p:sp>
@@ -4533,7 +4622,6 @@
               <a:rPr lang="en-US"/>
               <a:t>Fifth level</a:t>
             </a:r>
-            <a:endParaRPr lang="en-US" dirty="0"/>
           </a:p>
         </p:txBody>
       </p:sp>
@@ -4560,9 +4648,9 @@
           <a:p>
             <a:fld id="{D0158CFD-9357-46BE-A189-D637A67C8730}" type="datetime1">
               <a:rPr lang="en-US" smtClean="0"/>
-              <a:t>12/2/23</a:t>
+              <a:t>12/3/2023</a:t>
             </a:fld>
-            <a:endParaRPr lang="en-US" dirty="0"/>
+            <a:endParaRPr lang="en-US"/>
           </a:p>
         </p:txBody>
       </p:sp>
@@ -4587,7 +4675,7 @@
           <a:bodyPr/>
           <a:lstStyle/>
           <a:p>
-            <a:endParaRPr lang="en-US" dirty="0"/>
+            <a:endParaRPr lang="en-US"/>
           </a:p>
         </p:txBody>
       </p:sp>
@@ -4618,7 +4706,7 @@
               <a:pPr algn="l"/>
               <a:t>‹#›</a:t>
             </a:fld>
-            <a:endParaRPr lang="en-US" dirty="0"/>
+            <a:endParaRPr lang="en-US"/>
           </a:p>
         </p:txBody>
       </p:sp>
@@ -4779,7 +4867,6 @@
               <a:rPr lang="en-US"/>
               <a:t>Fifth level</a:t>
             </a:r>
-            <a:endParaRPr lang="en-US" dirty="0"/>
           </a:p>
         </p:txBody>
       </p:sp>
@@ -4922,7 +5009,6 @@
               <a:rPr lang="en-US"/>
               <a:t>Fifth level</a:t>
             </a:r>
-            <a:endParaRPr lang="en-US" dirty="0"/>
           </a:p>
         </p:txBody>
       </p:sp>
@@ -4949,9 +5035,9 @@
           <a:p>
             <a:fld id="{7B4742EE-B331-4632-BD10-A82FED6B6FC0}" type="datetime1">
               <a:rPr lang="en-US" smtClean="0"/>
-              <a:t>12/2/23</a:t>
+              <a:t>12/3/2023</a:t>
             </a:fld>
-            <a:endParaRPr lang="en-US" dirty="0"/>
+            <a:endParaRPr lang="en-US"/>
           </a:p>
         </p:txBody>
       </p:sp>
@@ -4976,7 +5062,7 @@
           <a:bodyPr/>
           <a:lstStyle/>
           <a:p>
-            <a:endParaRPr lang="en-US" dirty="0"/>
+            <a:endParaRPr lang="en-US"/>
           </a:p>
         </p:txBody>
       </p:sp>
@@ -5007,7 +5093,7 @@
               <a:pPr algn="l"/>
               <a:t>‹#›</a:t>
             </a:fld>
-            <a:endParaRPr lang="en-US" dirty="0"/>
+            <a:endParaRPr lang="en-US"/>
           </a:p>
         </p:txBody>
       </p:sp>
@@ -5088,7 +5174,6 @@
               <a:rPr lang="en-US"/>
               <a:t>Click to edit Master title style</a:t>
             </a:r>
-            <a:endParaRPr lang="en-US" dirty="0"/>
           </a:p>
         </p:txBody>
       </p:sp>
@@ -5115,9 +5200,9 @@
           <a:p>
             <a:fld id="{451BA835-D13F-49F4-8F11-5D576AC65FAD}" type="datetime1">
               <a:rPr lang="en-US" smtClean="0"/>
-              <a:t>12/2/23</a:t>
+              <a:t>12/3/2023</a:t>
             </a:fld>
-            <a:endParaRPr lang="en-US" dirty="0"/>
+            <a:endParaRPr lang="en-US"/>
           </a:p>
         </p:txBody>
       </p:sp>
@@ -5142,7 +5227,7 @@
           <a:bodyPr/>
           <a:lstStyle/>
           <a:p>
-            <a:endParaRPr lang="en-US" dirty="0"/>
+            <a:endParaRPr lang="en-US"/>
           </a:p>
         </p:txBody>
       </p:sp>
@@ -5173,7 +5258,7 @@
               <a:pPr algn="l"/>
               <a:t>‹#›</a:t>
             </a:fld>
-            <a:endParaRPr lang="en-US" dirty="0"/>
+            <a:endParaRPr lang="en-US"/>
           </a:p>
         </p:txBody>
       </p:sp>
@@ -5238,9 +5323,9 @@
           <a:p>
             <a:fld id="{ADBD1799-ACB5-4CB2-86A2-5C574F1C8706}" type="datetime1">
               <a:rPr lang="en-US" smtClean="0"/>
-              <a:t>12/2/23</a:t>
+              <a:t>12/3/2023</a:t>
             </a:fld>
-            <a:endParaRPr lang="en-US" dirty="0"/>
+            <a:endParaRPr lang="en-US"/>
           </a:p>
         </p:txBody>
       </p:sp>
@@ -5265,7 +5350,7 @@
           <a:bodyPr/>
           <a:lstStyle/>
           <a:p>
-            <a:endParaRPr lang="en-US" dirty="0"/>
+            <a:endParaRPr lang="en-US"/>
           </a:p>
         </p:txBody>
       </p:sp>
@@ -5296,7 +5381,7 @@
               <a:pPr algn="l"/>
               <a:t>‹#›</a:t>
             </a:fld>
-            <a:endParaRPr lang="en-US" dirty="0"/>
+            <a:endParaRPr lang="en-US"/>
           </a:p>
         </p:txBody>
       </p:sp>
@@ -5363,7 +5448,6 @@
               <a:rPr lang="en-US"/>
               <a:t>Click to edit Master title style</a:t>
             </a:r>
-            <a:endParaRPr lang="en-US" dirty="0"/>
           </a:p>
         </p:txBody>
       </p:sp>
@@ -5448,7 +5532,6 @@
               <a:rPr lang="en-US"/>
               <a:t>Fifth level</a:t>
             </a:r>
-            <a:endParaRPr lang="en-US" dirty="0"/>
           </a:p>
         </p:txBody>
       </p:sp>
@@ -5548,9 +5631,9 @@
           <a:p>
             <a:fld id="{ED5DD0D6-7A82-473E-879B-C6ECD6CCCFEC}" type="datetime1">
               <a:rPr lang="en-US" smtClean="0"/>
-              <a:t>12/2/23</a:t>
+              <a:t>12/3/2023</a:t>
             </a:fld>
-            <a:endParaRPr lang="en-US" dirty="0"/>
+            <a:endParaRPr lang="en-US"/>
           </a:p>
         </p:txBody>
       </p:sp>
@@ -5580,7 +5663,7 @@
           <a:bodyPr/>
           <a:lstStyle/>
           <a:p>
-            <a:endParaRPr lang="en-US" dirty="0"/>
+            <a:endParaRPr lang="en-US"/>
           </a:p>
         </p:txBody>
       </p:sp>
@@ -5611,7 +5694,7 @@
               <a:pPr algn="l"/>
               <a:t>‹#›</a:t>
             </a:fld>
-            <a:endParaRPr lang="en-US" dirty="0"/>
+            <a:endParaRPr lang="en-US"/>
           </a:p>
         </p:txBody>
       </p:sp>
@@ -5711,7 +5794,6 @@
               <a:rPr lang="en-US"/>
               <a:t>Click icon to add picture</a:t>
             </a:r>
-            <a:endParaRPr lang="en-US" dirty="0"/>
           </a:p>
         </p:txBody>
       </p:sp>
@@ -5748,7 +5830,6 @@
               <a:rPr lang="en-US"/>
               <a:t>Click to edit Master title style</a:t>
             </a:r>
-            <a:endParaRPr lang="en-US" dirty="0"/>
           </a:p>
         </p:txBody>
       </p:sp>
@@ -5848,9 +5929,9 @@
           <a:p>
             <a:fld id="{D4605E03-BC17-41A7-854C-DFAB672737DC}" type="datetime1">
               <a:rPr lang="en-US" smtClean="0"/>
-              <a:t>12/2/23</a:t>
+              <a:t>12/3/2023</a:t>
             </a:fld>
-            <a:endParaRPr lang="en-US" dirty="0"/>
+            <a:endParaRPr lang="en-US"/>
           </a:p>
         </p:txBody>
       </p:sp>
@@ -5895,7 +5976,7 @@
             </a:lvl1pPr>
           </a:lstStyle>
           <a:p>
-            <a:endParaRPr lang="en-US" dirty="0"/>
+            <a:endParaRPr lang="en-US"/>
           </a:p>
         </p:txBody>
       </p:sp>
@@ -5926,7 +6007,7 @@
               <a:pPr algn="l"/>
               <a:t>‹#›</a:t>
             </a:fld>
-            <a:endParaRPr lang="en-US" dirty="0"/>
+            <a:endParaRPr lang="en-US"/>
           </a:p>
         </p:txBody>
       </p:sp>
@@ -5997,7 +6078,6 @@
               <a:rPr lang="en-US"/>
               <a:t>Click to edit Master title style</a:t>
             </a:r>
-            <a:endParaRPr lang="en-US" dirty="0"/>
           </a:p>
         </p:txBody>
       </p:sp>
@@ -6059,7 +6139,6 @@
               <a:rPr lang="en-US"/>
               <a:t>Fifth level</a:t>
             </a:r>
-            <a:endParaRPr lang="en-US" dirty="0"/>
           </a:p>
         </p:txBody>
       </p:sp>
@@ -6100,9 +6179,9 @@
           <a:p>
             <a:fld id="{C4408324-A84C-4A45-93B6-78D079CCE772}" type="datetime1">
               <a:rPr lang="en-US" smtClean="0"/>
-              <a:t>12/2/23</a:t>
+              <a:t>12/3/2023</a:t>
             </a:fld>
-            <a:endParaRPr lang="en-US" dirty="0"/>
+            <a:endParaRPr lang="en-US"/>
           </a:p>
         </p:txBody>
       </p:sp>
@@ -6141,7 +6220,7 @@
             </a:lvl1pPr>
           </a:lstStyle>
           <a:p>
-            <a:endParaRPr lang="en-US" dirty="0"/>
+            <a:endParaRPr lang="en-US"/>
           </a:p>
         </p:txBody>
       </p:sp>
@@ -6186,7 +6265,7 @@
               <a:pPr algn="l"/>
               <a:t>‹#›</a:t>
             </a:fld>
-            <a:endParaRPr lang="en-US" dirty="0"/>
+            <a:endParaRPr lang="en-US"/>
           </a:p>
         </p:txBody>
       </p:sp>
@@ -6695,13 +6774,13 @@
         </p:nvPicPr>
         <p:blipFill rotWithShape="1">
           <a:blip r:embed="rId2"/>
-          <a:srcRect r="-1" b="11742"/>
+          <a:srcRect l="971" t="-190" r="-1032" b="11905"/>
           <a:stretch/>
         </p:blipFill>
         <p:spPr>
           <a:xfrm>
             <a:off x="1524" y="10"/>
-            <a:ext cx="12188952" cy="6857990"/>
+            <a:ext cx="12196241" cy="6860150"/>
           </a:xfrm>
           <a:prstGeom prst="rect">
             <a:avLst/>
@@ -6959,7 +7038,7 @@
             <a:lstStyle/>
             <a:p>
               <a:pPr algn="ctr"/>
-              <a:endParaRPr lang="en-US" dirty="0"/>
+              <a:endParaRPr lang="en-US"/>
             </a:p>
           </p:txBody>
         </p:sp>
@@ -7181,7 +7260,7 @@
             <a:lstStyle/>
             <a:p>
               <a:pPr algn="ctr"/>
-              <a:endParaRPr lang="en-US" dirty="0"/>
+              <a:endParaRPr lang="en-US"/>
             </a:p>
           </p:txBody>
         </p:sp>
@@ -7405,7 +7484,7 @@
             <a:lstStyle/>
             <a:p>
               <a:pPr algn="ctr"/>
-              <a:endParaRPr lang="en-US" dirty="0"/>
+              <a:endParaRPr lang="en-US"/>
             </a:p>
           </p:txBody>
         </p:sp>
@@ -7428,8 +7507,8 @@
         </p:nvSpPr>
         <p:spPr>
           <a:xfrm>
-            <a:off x="1314450" y="1685677"/>
-            <a:ext cx="4596649" cy="2362673"/>
+            <a:off x="1314450" y="1700473"/>
+            <a:ext cx="4596649" cy="3191255"/>
           </a:xfrm>
         </p:spPr>
         <p:txBody>
@@ -7440,7 +7519,7 @@
           <a:p>
             <a:pPr algn="ctr"/>
             <a:r>
-              <a:rPr lang="en-US" sz="4800" dirty="0">
+              <a:rPr lang="en-US" sz="4800">
                 <a:solidFill>
                   <a:schemeClr val="tx1">
                     <a:lumMod val="75000"/>
@@ -7450,6 +7529,44 @@
               </a:rPr>
               <a:t>Multicultural Menu</a:t>
             </a:r>
+            <a:br>
+              <a:rPr lang="en-US" sz="4800">
+                <a:solidFill>
+                  <a:schemeClr val="tx1">
+                    <a:lumMod val="75000"/>
+                    <a:lumOff val="25000"/>
+                  </a:schemeClr>
+                </a:solidFill>
+              </a:rPr>
+            </a:br>
+            <a:r>
+              <a:rPr lang="en-US" sz="2200">
+                <a:solidFill>
+                  <a:schemeClr val="tx1">
+                    <a:lumMod val="75000"/>
+                    <a:lumOff val="25000"/>
+                  </a:schemeClr>
+                </a:solidFill>
+                <a:ea typeface="Meiryo"/>
+                <a:hlinkClick r:id="rId3">
+                  <a:extLst>
+                    <a:ext uri="{A12FA001-AC4F-418D-AE19-62706E023703}">
+                      <ahyp:hlinkClr xmlns:ahyp="http://schemas.microsoft.com/office/drawing/2018/hyperlinkcolor" val="tx"/>
+                    </a:ext>
+                  </a:extLst>
+                </a:hlinkClick>
+              </a:rPr>
+              <a:t>GitHubLink</a:t>
+            </a:r>
+            <a:endParaRPr lang="en-US" sz="2200">
+              <a:solidFill>
+                <a:schemeClr val="tx1">
+                  <a:lumMod val="75000"/>
+                  <a:lumOff val="25000"/>
+                </a:schemeClr>
+              </a:solidFill>
+              <a:ea typeface="Meiryo"/>
+            </a:endParaRPr>
           </a:p>
         </p:txBody>
       </p:sp>
@@ -7457,6 +7574,2568 @@
     <p:extLst>
       <p:ext uri="{BB962C8B-B14F-4D97-AF65-F5344CB8AC3E}">
         <p14:creationId xmlns:p14="http://schemas.microsoft.com/office/powerpoint/2010/main" val="2668401320"/>
+      </p:ext>
+    </p:extLst>
+  </p:cSld>
+  <p:clrMapOvr>
+    <a:masterClrMapping/>
+  </p:clrMapOvr>
+</p:sld>
+</file>
+
+<file path=ppt/slides/slide10.xml><?xml version="1.0" encoding="utf-8"?>
+<p:sld xmlns:a="http://schemas.openxmlformats.org/drawingml/2006/main" xmlns:r="http://schemas.openxmlformats.org/officeDocument/2006/relationships" xmlns:p="http://schemas.openxmlformats.org/presentationml/2006/main">
+  <p:cSld>
+    <p:bg>
+      <p:bgPr>
+        <a:solidFill>
+          <a:schemeClr val="bg2"/>
+        </a:solidFill>
+        <a:effectLst/>
+      </p:bgPr>
+    </p:bg>
+    <p:spTree>
+      <p:nvGrpSpPr>
+        <p:cNvPr id="1" name=""/>
+        <p:cNvGrpSpPr/>
+        <p:nvPr/>
+      </p:nvGrpSpPr>
+      <p:grpSpPr>
+        <a:xfrm>
+          <a:off x="0" y="0"/>
+          <a:ext cx="0" cy="0"/>
+          <a:chOff x="0" y="0"/>
+          <a:chExt cx="0" cy="0"/>
+        </a:xfrm>
+      </p:grpSpPr>
+      <p:sp useBgFill="1">
+        <p:nvSpPr>
+          <p:cNvPr id="60" name="Rectangle 59">
+            <a:extLst>
+              <a:ext uri="{FF2B5EF4-FFF2-40B4-BE49-F238E27FC236}">
+                <a16:creationId xmlns:a16="http://schemas.microsoft.com/office/drawing/2014/main" id="{8181FC64-B306-4821-98E2-780662EFC486}"/>
+              </a:ext>
+              <a:ext uri="{C183D7F6-B498-43B3-948B-1728B52AA6E4}">
+                <adec:decorative xmlns:adec="http://schemas.microsoft.com/office/drawing/2017/decorative" val="1"/>
+              </a:ext>
+            </a:extLst>
+          </p:cNvPr>
+          <p:cNvSpPr>
+            <a:spLocks noGrp="1" noRot="1" noChangeAspect="1" noMove="1" noResize="1" noEditPoints="1" noAdjustHandles="1" noChangeArrowheads="1" noChangeShapeType="1" noTextEdit="1"/>
+          </p:cNvSpPr>
+          <p:nvPr>
+            <p:extLst>
+              <p:ext uri="{386F3935-93C4-4BCD-93E2-E3B085C9AB24}">
+                <p16:designElem xmlns:p16="http://schemas.microsoft.com/office/powerpoint/2015/main" val="1"/>
+              </p:ext>
+            </p:extLst>
+          </p:nvPr>
+        </p:nvSpPr>
+        <p:spPr>
+          <a:xfrm>
+            <a:off x="305" y="0"/>
+            <a:ext cx="12191695" cy="6858000"/>
+          </a:xfrm>
+          <a:prstGeom prst="rect">
+            <a:avLst/>
+          </a:prstGeom>
+          <a:ln>
+            <a:noFill/>
+          </a:ln>
+        </p:spPr>
+        <p:style>
+          <a:lnRef idx="2">
+            <a:schemeClr val="accent1">
+              <a:shade val="50000"/>
+            </a:schemeClr>
+          </a:lnRef>
+          <a:fillRef idx="1">
+            <a:schemeClr val="accent1"/>
+          </a:fillRef>
+          <a:effectRef idx="0">
+            <a:schemeClr val="accent1"/>
+          </a:effectRef>
+          <a:fontRef idx="minor">
+            <a:schemeClr val="lt1"/>
+          </a:fontRef>
+        </p:style>
+        <p:txBody>
+          <a:bodyPr rtlCol="0" anchor="ctr"/>
+          <a:lstStyle/>
+          <a:p>
+            <a:pPr marL="0" marR="0" lvl="0" indent="0" algn="ctr" defTabSz="457200" rtl="0" eaLnBrk="1" fontAlgn="auto" latinLnBrk="0" hangingPunct="1">
+              <a:lnSpc>
+                <a:spcPct val="100000"/>
+              </a:lnSpc>
+              <a:spcBef>
+                <a:spcPts val="0"/>
+              </a:spcBef>
+              <a:spcAft>
+                <a:spcPts val="0"/>
+              </a:spcAft>
+              <a:buClrTx/>
+              <a:buSzTx/>
+              <a:buFontTx/>
+              <a:buNone/>
+              <a:tabLst/>
+              <a:defRPr/>
+            </a:pPr>
+            <a:endParaRPr kumimoji="0" lang="en-US" sz="1800" b="0" i="0" u="none" strike="noStrike" kern="1200" cap="none" spc="0" normalizeH="0" baseline="0" noProof="0">
+              <a:ln>
+                <a:noFill/>
+              </a:ln>
+              <a:solidFill>
+                <a:prstClr val="white"/>
+              </a:solidFill>
+              <a:effectLst/>
+              <a:uLnTx/>
+              <a:uFillTx/>
+              <a:latin typeface="Meiryo"/>
+              <a:ea typeface="+mn-ea"/>
+              <a:cs typeface="+mn-cs"/>
+            </a:endParaRPr>
+          </a:p>
+        </p:txBody>
+      </p:sp>
+      <p:sp>
+        <p:nvSpPr>
+          <p:cNvPr id="62" name="Freeform: Shape 61">
+            <a:extLst>
+              <a:ext uri="{FF2B5EF4-FFF2-40B4-BE49-F238E27FC236}">
+                <a16:creationId xmlns:a16="http://schemas.microsoft.com/office/drawing/2014/main" id="{BC0385E9-02B2-4941-889A-EAD43F5BB0A3}"/>
+              </a:ext>
+              <a:ext uri="{C183D7F6-B498-43B3-948B-1728B52AA6E4}">
+                <adec:decorative xmlns:adec="http://schemas.microsoft.com/office/drawing/2017/decorative" val="1"/>
+              </a:ext>
+            </a:extLst>
+          </p:cNvPr>
+          <p:cNvSpPr>
+            <a:spLocks noGrp="1" noRot="1" noChangeAspect="1" noMove="1" noResize="1" noEditPoints="1" noAdjustHandles="1" noChangeArrowheads="1" noChangeShapeType="1" noTextEdit="1"/>
+          </p:cNvSpPr>
+          <p:nvPr>
+            <p:extLst>
+              <p:ext uri="{386F3935-93C4-4BCD-93E2-E3B085C9AB24}">
+                <p16:designElem xmlns:p16="http://schemas.microsoft.com/office/powerpoint/2015/main" val="1"/>
+              </p:ext>
+            </p:extLst>
+          </p:nvPr>
+        </p:nvSpPr>
+        <p:spPr>
+          <a:xfrm flipH="1">
+            <a:off x="6736139" y="0"/>
+            <a:ext cx="5455860" cy="6858000"/>
+          </a:xfrm>
+          <a:custGeom>
+            <a:avLst/>
+            <a:gdLst>
+              <a:gd name="connsiteX0" fmla="*/ 3832837 w 5455860"/>
+              <a:gd name="connsiteY0" fmla="*/ 0 h 6858000"/>
+              <a:gd name="connsiteX1" fmla="*/ 2739604 w 5455860"/>
+              <a:gd name="connsiteY1" fmla="*/ 0 h 6858000"/>
+              <a:gd name="connsiteX2" fmla="*/ 1959438 w 5455860"/>
+              <a:gd name="connsiteY2" fmla="*/ 0 h 6858000"/>
+              <a:gd name="connsiteX3" fmla="*/ 1895061 w 5455860"/>
+              <a:gd name="connsiteY3" fmla="*/ 0 h 6858000"/>
+              <a:gd name="connsiteX4" fmla="*/ 249909 w 5455860"/>
+              <a:gd name="connsiteY4" fmla="*/ 0 h 6858000"/>
+              <a:gd name="connsiteX5" fmla="*/ 0 w 5455860"/>
+              <a:gd name="connsiteY5" fmla="*/ 0 h 6858000"/>
+              <a:gd name="connsiteX6" fmla="*/ 0 w 5455860"/>
+              <a:gd name="connsiteY6" fmla="*/ 6858000 h 6858000"/>
+              <a:gd name="connsiteX7" fmla="*/ 249909 w 5455860"/>
+              <a:gd name="connsiteY7" fmla="*/ 6858000 h 6858000"/>
+              <a:gd name="connsiteX8" fmla="*/ 1895061 w 5455860"/>
+              <a:gd name="connsiteY8" fmla="*/ 6858000 h 6858000"/>
+              <a:gd name="connsiteX9" fmla="*/ 1959438 w 5455860"/>
+              <a:gd name="connsiteY9" fmla="*/ 6858000 h 6858000"/>
+              <a:gd name="connsiteX10" fmla="*/ 2739604 w 5455860"/>
+              <a:gd name="connsiteY10" fmla="*/ 6858000 h 6858000"/>
+              <a:gd name="connsiteX11" fmla="*/ 2953106 w 5455860"/>
+              <a:gd name="connsiteY11" fmla="*/ 6858000 h 6858000"/>
+              <a:gd name="connsiteX12" fmla="*/ 3064862 w 5455860"/>
+              <a:gd name="connsiteY12" fmla="*/ 6780599 h 6858000"/>
+              <a:gd name="connsiteX13" fmla="*/ 3581510 w 5455860"/>
+              <a:gd name="connsiteY13" fmla="*/ 6374814 h 6858000"/>
+              <a:gd name="connsiteX14" fmla="*/ 5455860 w 5455860"/>
+              <a:gd name="connsiteY14" fmla="*/ 3621656 h 6858000"/>
+              <a:gd name="connsiteX15" fmla="*/ 3854961 w 5455860"/>
+              <a:gd name="connsiteY15" fmla="*/ 14997 h 6858000"/>
+            </a:gdLst>
+            <a:ahLst/>
+            <a:cxnLst>
+              <a:cxn ang="0">
+                <a:pos x="connsiteX0" y="connsiteY0"/>
+              </a:cxn>
+              <a:cxn ang="0">
+                <a:pos x="connsiteX1" y="connsiteY1"/>
+              </a:cxn>
+              <a:cxn ang="0">
+                <a:pos x="connsiteX2" y="connsiteY2"/>
+              </a:cxn>
+              <a:cxn ang="0">
+                <a:pos x="connsiteX3" y="connsiteY3"/>
+              </a:cxn>
+              <a:cxn ang="0">
+                <a:pos x="connsiteX4" y="connsiteY4"/>
+              </a:cxn>
+              <a:cxn ang="0">
+                <a:pos x="connsiteX5" y="connsiteY5"/>
+              </a:cxn>
+              <a:cxn ang="0">
+                <a:pos x="connsiteX6" y="connsiteY6"/>
+              </a:cxn>
+              <a:cxn ang="0">
+                <a:pos x="connsiteX7" y="connsiteY7"/>
+              </a:cxn>
+              <a:cxn ang="0">
+                <a:pos x="connsiteX8" y="connsiteY8"/>
+              </a:cxn>
+              <a:cxn ang="0">
+                <a:pos x="connsiteX9" y="connsiteY9"/>
+              </a:cxn>
+              <a:cxn ang="0">
+                <a:pos x="connsiteX10" y="connsiteY10"/>
+              </a:cxn>
+              <a:cxn ang="0">
+                <a:pos x="connsiteX11" y="connsiteY11"/>
+              </a:cxn>
+              <a:cxn ang="0">
+                <a:pos x="connsiteX12" y="connsiteY12"/>
+              </a:cxn>
+              <a:cxn ang="0">
+                <a:pos x="connsiteX13" y="connsiteY13"/>
+              </a:cxn>
+              <a:cxn ang="0">
+                <a:pos x="connsiteX14" y="connsiteY14"/>
+              </a:cxn>
+              <a:cxn ang="0">
+                <a:pos x="connsiteX15" y="connsiteY15"/>
+              </a:cxn>
+            </a:cxnLst>
+            <a:rect l="l" t="t" r="r" b="b"/>
+            <a:pathLst>
+              <a:path w="5455860" h="6858000">
+                <a:moveTo>
+                  <a:pt x="3832837" y="0"/>
+                </a:moveTo>
+                <a:lnTo>
+                  <a:pt x="2739604" y="0"/>
+                </a:lnTo>
+                <a:lnTo>
+                  <a:pt x="1959438" y="0"/>
+                </a:lnTo>
+                <a:lnTo>
+                  <a:pt x="1895061" y="0"/>
+                </a:lnTo>
+                <a:lnTo>
+                  <a:pt x="249909" y="0"/>
+                </a:lnTo>
+                <a:lnTo>
+                  <a:pt x="0" y="0"/>
+                </a:lnTo>
+                <a:lnTo>
+                  <a:pt x="0" y="6858000"/>
+                </a:lnTo>
+                <a:lnTo>
+                  <a:pt x="249909" y="6858000"/>
+                </a:lnTo>
+                <a:lnTo>
+                  <a:pt x="1895061" y="6858000"/>
+                </a:lnTo>
+                <a:lnTo>
+                  <a:pt x="1959438" y="6858000"/>
+                </a:lnTo>
+                <a:lnTo>
+                  <a:pt x="2739604" y="6858000"/>
+                </a:lnTo>
+                <a:lnTo>
+                  <a:pt x="2953106" y="6858000"/>
+                </a:lnTo>
+                <a:lnTo>
+                  <a:pt x="3064862" y="6780599"/>
+                </a:lnTo>
+                <a:cubicBezTo>
+                  <a:pt x="3238680" y="6653108"/>
+                  <a:pt x="3409307" y="6515397"/>
+                  <a:pt x="3581510" y="6374814"/>
+                </a:cubicBezTo>
+                <a:cubicBezTo>
+                  <a:pt x="4527135" y="5602839"/>
+                  <a:pt x="5455860" y="4969131"/>
+                  <a:pt x="5455860" y="3621656"/>
+                </a:cubicBezTo>
+                <a:cubicBezTo>
+                  <a:pt x="5455860" y="2093192"/>
+                  <a:pt x="4882124" y="754641"/>
+                  <a:pt x="3854961" y="14997"/>
+                </a:cubicBezTo>
+                <a:close/>
+              </a:path>
+            </a:pathLst>
+          </a:custGeom>
+          <a:solidFill>
+            <a:schemeClr val="bg1">
+              <a:alpha val="60000"/>
+            </a:schemeClr>
+          </a:solidFill>
+          <a:ln>
+            <a:noFill/>
+          </a:ln>
+        </p:spPr>
+        <p:style>
+          <a:lnRef idx="2">
+            <a:schemeClr val="accent1">
+              <a:shade val="50000"/>
+            </a:schemeClr>
+          </a:lnRef>
+          <a:fillRef idx="1">
+            <a:schemeClr val="accent1"/>
+          </a:fillRef>
+          <a:effectRef idx="0">
+            <a:schemeClr val="accent1"/>
+          </a:effectRef>
+          <a:fontRef idx="minor">
+            <a:schemeClr val="lt1"/>
+          </a:fontRef>
+        </p:style>
+        <p:txBody>
+          <a:bodyPr wrap="square" rtlCol="0" anchor="ctr">
+            <a:noAutofit/>
+          </a:bodyPr>
+          <a:lstStyle/>
+          <a:p>
+            <a:pPr algn="ctr"/>
+            <a:endParaRPr lang="en-US"/>
+          </a:p>
+        </p:txBody>
+      </p:sp>
+      <p:sp>
+        <p:nvSpPr>
+          <p:cNvPr id="64" name="Freeform: Shape 63">
+            <a:extLst>
+              <a:ext uri="{FF2B5EF4-FFF2-40B4-BE49-F238E27FC236}">
+                <a16:creationId xmlns:a16="http://schemas.microsoft.com/office/drawing/2014/main" id="{829A1E2C-5AC8-40FC-99E9-832069D39792}"/>
+              </a:ext>
+              <a:ext uri="{C183D7F6-B498-43B3-948B-1728B52AA6E4}">
+                <adec:decorative xmlns:adec="http://schemas.microsoft.com/office/drawing/2017/decorative" val="1"/>
+              </a:ext>
+            </a:extLst>
+          </p:cNvPr>
+          <p:cNvSpPr>
+            <a:spLocks noGrp="1" noRot="1" noChangeAspect="1" noMove="1" noResize="1" noEditPoints="1" noAdjustHandles="1" noChangeArrowheads="1" noChangeShapeType="1" noTextEdit="1"/>
+          </p:cNvSpPr>
+          <p:nvPr>
+            <p:extLst>
+              <p:ext uri="{386F3935-93C4-4BCD-93E2-E3B085C9AB24}">
+                <p16:designElem xmlns:p16="http://schemas.microsoft.com/office/powerpoint/2015/main" val="1"/>
+              </p:ext>
+            </p:extLst>
+          </p:nvPr>
+        </p:nvSpPr>
+        <p:spPr>
+          <a:xfrm flipH="1">
+            <a:off x="6255864" y="0"/>
+            <a:ext cx="2529723" cy="6858000"/>
+          </a:xfrm>
+          <a:custGeom>
+            <a:avLst/>
+            <a:gdLst>
+              <a:gd name="connsiteX0" fmla="*/ 1258269 w 2529723"/>
+              <a:gd name="connsiteY0" fmla="*/ 0 h 6858000"/>
+              <a:gd name="connsiteX1" fmla="*/ 1275627 w 2529723"/>
+              <a:gd name="connsiteY1" fmla="*/ 0 h 6858000"/>
+              <a:gd name="connsiteX2" fmla="*/ 1302560 w 2529723"/>
+              <a:gd name="connsiteY2" fmla="*/ 24338 h 6858000"/>
+              <a:gd name="connsiteX3" fmla="*/ 2522825 w 2529723"/>
+              <a:gd name="connsiteY3" fmla="*/ 3678515 h 6858000"/>
+              <a:gd name="connsiteX4" fmla="*/ 557500 w 2529723"/>
+              <a:gd name="connsiteY4" fmla="*/ 6451411 h 6858000"/>
+              <a:gd name="connsiteX5" fmla="*/ 32482 w 2529723"/>
+              <a:gd name="connsiteY5" fmla="*/ 6849373 h 6858000"/>
+              <a:gd name="connsiteX6" fmla="*/ 19531 w 2529723"/>
+              <a:gd name="connsiteY6" fmla="*/ 6858000 h 6858000"/>
+              <a:gd name="connsiteX7" fmla="*/ 0 w 2529723"/>
+              <a:gd name="connsiteY7" fmla="*/ 6858000 h 6858000"/>
+              <a:gd name="connsiteX8" fmla="*/ 14202 w 2529723"/>
+              <a:gd name="connsiteY8" fmla="*/ 6848540 h 6858000"/>
+              <a:gd name="connsiteX9" fmla="*/ 539221 w 2529723"/>
+              <a:gd name="connsiteY9" fmla="*/ 6450578 h 6858000"/>
+              <a:gd name="connsiteX10" fmla="*/ 2504546 w 2529723"/>
+              <a:gd name="connsiteY10" fmla="*/ 3677682 h 6858000"/>
+              <a:gd name="connsiteX11" fmla="*/ 1284280 w 2529723"/>
+              <a:gd name="connsiteY11" fmla="*/ 23504 h 6858000"/>
+            </a:gdLst>
+            <a:ahLst/>
+            <a:cxnLst>
+              <a:cxn ang="0">
+                <a:pos x="connsiteX0" y="connsiteY0"/>
+              </a:cxn>
+              <a:cxn ang="0">
+                <a:pos x="connsiteX1" y="connsiteY1"/>
+              </a:cxn>
+              <a:cxn ang="0">
+                <a:pos x="connsiteX2" y="connsiteY2"/>
+              </a:cxn>
+              <a:cxn ang="0">
+                <a:pos x="connsiteX3" y="connsiteY3"/>
+              </a:cxn>
+              <a:cxn ang="0">
+                <a:pos x="connsiteX4" y="connsiteY4"/>
+              </a:cxn>
+              <a:cxn ang="0">
+                <a:pos x="connsiteX5" y="connsiteY5"/>
+              </a:cxn>
+              <a:cxn ang="0">
+                <a:pos x="connsiteX6" y="connsiteY6"/>
+              </a:cxn>
+              <a:cxn ang="0">
+                <a:pos x="connsiteX7" y="connsiteY7"/>
+              </a:cxn>
+              <a:cxn ang="0">
+                <a:pos x="connsiteX8" y="connsiteY8"/>
+              </a:cxn>
+              <a:cxn ang="0">
+                <a:pos x="connsiteX9" y="connsiteY9"/>
+              </a:cxn>
+              <a:cxn ang="0">
+                <a:pos x="connsiteX10" y="connsiteY10"/>
+              </a:cxn>
+              <a:cxn ang="0">
+                <a:pos x="connsiteX11" y="connsiteY11"/>
+              </a:cxn>
+            </a:cxnLst>
+            <a:rect l="l" t="t" r="r" b="b"/>
+            <a:pathLst>
+              <a:path w="2529723" h="6858000">
+                <a:moveTo>
+                  <a:pt x="1258269" y="0"/>
+                </a:moveTo>
+                <a:lnTo>
+                  <a:pt x="1275627" y="0"/>
+                </a:lnTo>
+                <a:lnTo>
+                  <a:pt x="1302560" y="24338"/>
+                </a:lnTo>
+                <a:cubicBezTo>
+                  <a:pt x="2156831" y="855667"/>
+                  <a:pt x="2590622" y="2191755"/>
+                  <a:pt x="2522825" y="3678515"/>
+                </a:cubicBezTo>
+                <a:cubicBezTo>
+                  <a:pt x="2459072" y="5076606"/>
+                  <a:pt x="1519830" y="5692656"/>
+                  <a:pt x="557500" y="6451411"/>
+                </a:cubicBezTo>
+                <a:cubicBezTo>
+                  <a:pt x="382255" y="6589587"/>
+                  <a:pt x="208689" y="6724853"/>
+                  <a:pt x="32482" y="6849373"/>
+                </a:cubicBezTo>
+                <a:lnTo>
+                  <a:pt x="19531" y="6858000"/>
+                </a:lnTo>
+                <a:lnTo>
+                  <a:pt x="0" y="6858000"/>
+                </a:lnTo>
+                <a:lnTo>
+                  <a:pt x="14202" y="6848540"/>
+                </a:lnTo>
+                <a:cubicBezTo>
+                  <a:pt x="190409" y="6724020"/>
+                  <a:pt x="363976" y="6588754"/>
+                  <a:pt x="539221" y="6450578"/>
+                </a:cubicBezTo>
+                <a:cubicBezTo>
+                  <a:pt x="1501550" y="5691822"/>
+                  <a:pt x="2440792" y="5075773"/>
+                  <a:pt x="2504546" y="3677682"/>
+                </a:cubicBezTo>
+                <a:cubicBezTo>
+                  <a:pt x="2572343" y="2190921"/>
+                  <a:pt x="2138551" y="854834"/>
+                  <a:pt x="1284280" y="23504"/>
+                </a:cubicBezTo>
+                <a:close/>
+              </a:path>
+            </a:pathLst>
+          </a:custGeom>
+          <a:solidFill>
+            <a:srgbClr val="FFFFFF"/>
+          </a:solidFill>
+          <a:ln>
+            <a:noFill/>
+          </a:ln>
+        </p:spPr>
+        <p:style>
+          <a:lnRef idx="2">
+            <a:schemeClr val="accent1">
+              <a:shade val="50000"/>
+            </a:schemeClr>
+          </a:lnRef>
+          <a:fillRef idx="1">
+            <a:schemeClr val="accent1"/>
+          </a:fillRef>
+          <a:effectRef idx="0">
+            <a:schemeClr val="accent1"/>
+          </a:effectRef>
+          <a:fontRef idx="minor">
+            <a:schemeClr val="lt1"/>
+          </a:fontRef>
+        </p:style>
+        <p:txBody>
+          <a:bodyPr wrap="square" rtlCol="0" anchor="ctr">
+            <a:noAutofit/>
+          </a:bodyPr>
+          <a:lstStyle/>
+          <a:p>
+            <a:pPr marL="0" marR="0" lvl="0" indent="0" algn="ctr" defTabSz="457200" rtl="0" eaLnBrk="1" fontAlgn="auto" latinLnBrk="0" hangingPunct="1">
+              <a:lnSpc>
+                <a:spcPct val="100000"/>
+              </a:lnSpc>
+              <a:spcBef>
+                <a:spcPts val="0"/>
+              </a:spcBef>
+              <a:spcAft>
+                <a:spcPts val="0"/>
+              </a:spcAft>
+              <a:buClrTx/>
+              <a:buSzTx/>
+              <a:buFontTx/>
+              <a:buNone/>
+              <a:tabLst/>
+              <a:defRPr/>
+            </a:pPr>
+            <a:endParaRPr kumimoji="0" lang="en-US" sz="1800" b="0" i="0" u="none" strike="noStrike" kern="1200" cap="none" spc="0" normalizeH="0" baseline="0" noProof="0">
+              <a:ln>
+                <a:noFill/>
+              </a:ln>
+              <a:solidFill>
+                <a:prstClr val="white"/>
+              </a:solidFill>
+              <a:effectLst/>
+              <a:uLnTx/>
+              <a:uFillTx/>
+              <a:latin typeface="Meiryo"/>
+              <a:ea typeface="+mn-ea"/>
+              <a:cs typeface="+mn-cs"/>
+            </a:endParaRPr>
+          </a:p>
+        </p:txBody>
+      </p:sp>
+      <p:sp>
+        <p:nvSpPr>
+          <p:cNvPr id="66" name="Freeform: Shape 65">
+            <a:extLst>
+              <a:ext uri="{FF2B5EF4-FFF2-40B4-BE49-F238E27FC236}">
+                <a16:creationId xmlns:a16="http://schemas.microsoft.com/office/drawing/2014/main" id="{55C54A75-E44A-4147-B9D0-FF46CFD31612}"/>
+              </a:ext>
+              <a:ext uri="{C183D7F6-B498-43B3-948B-1728B52AA6E4}">
+                <adec:decorative xmlns:adec="http://schemas.microsoft.com/office/drawing/2017/decorative" val="1"/>
+              </a:ext>
+            </a:extLst>
+          </p:cNvPr>
+          <p:cNvSpPr>
+            <a:spLocks noGrp="1" noRot="1" noChangeAspect="1" noMove="1" noResize="1" noEditPoints="1" noAdjustHandles="1" noChangeArrowheads="1" noChangeShapeType="1" noTextEdit="1"/>
+          </p:cNvSpPr>
+          <p:nvPr>
+            <p:extLst>
+              <p:ext uri="{386F3935-93C4-4BCD-93E2-E3B085C9AB24}">
+                <p16:designElem xmlns:p16="http://schemas.microsoft.com/office/powerpoint/2015/main" val="1"/>
+              </p:ext>
+            </p:extLst>
+          </p:nvPr>
+        </p:nvSpPr>
+        <p:spPr>
+          <a:xfrm flipH="1">
+            <a:off x="6469160" y="0"/>
+            <a:ext cx="2536434" cy="6858000"/>
+          </a:xfrm>
+          <a:custGeom>
+            <a:avLst/>
+            <a:gdLst>
+              <a:gd name="connsiteX0" fmla="*/ 879731 w 2536434"/>
+              <a:gd name="connsiteY0" fmla="*/ 0 h 6858000"/>
+              <a:gd name="connsiteX1" fmla="*/ 913411 w 2536434"/>
+              <a:gd name="connsiteY1" fmla="*/ 0 h 6858000"/>
+              <a:gd name="connsiteX2" fmla="*/ 935535 w 2536434"/>
+              <a:gd name="connsiteY2" fmla="*/ 14997 h 6858000"/>
+              <a:gd name="connsiteX3" fmla="*/ 2536434 w 2536434"/>
+              <a:gd name="connsiteY3" fmla="*/ 3621656 h 6858000"/>
+              <a:gd name="connsiteX4" fmla="*/ 662084 w 2536434"/>
+              <a:gd name="connsiteY4" fmla="*/ 6374814 h 6858000"/>
+              <a:gd name="connsiteX5" fmla="*/ 145436 w 2536434"/>
+              <a:gd name="connsiteY5" fmla="*/ 6780599 h 6858000"/>
+              <a:gd name="connsiteX6" fmla="*/ 33680 w 2536434"/>
+              <a:gd name="connsiteY6" fmla="*/ 6858000 h 6858000"/>
+              <a:gd name="connsiteX7" fmla="*/ 0 w 2536434"/>
+              <a:gd name="connsiteY7" fmla="*/ 6858000 h 6858000"/>
+              <a:gd name="connsiteX8" fmla="*/ 111756 w 2536434"/>
+              <a:gd name="connsiteY8" fmla="*/ 6780599 h 6858000"/>
+              <a:gd name="connsiteX9" fmla="*/ 628404 w 2536434"/>
+              <a:gd name="connsiteY9" fmla="*/ 6374814 h 6858000"/>
+              <a:gd name="connsiteX10" fmla="*/ 2502754 w 2536434"/>
+              <a:gd name="connsiteY10" fmla="*/ 3621656 h 6858000"/>
+              <a:gd name="connsiteX11" fmla="*/ 901855 w 2536434"/>
+              <a:gd name="connsiteY11" fmla="*/ 14997 h 6858000"/>
+            </a:gdLst>
+            <a:ahLst/>
+            <a:cxnLst>
+              <a:cxn ang="0">
+                <a:pos x="connsiteX0" y="connsiteY0"/>
+              </a:cxn>
+              <a:cxn ang="0">
+                <a:pos x="connsiteX1" y="connsiteY1"/>
+              </a:cxn>
+              <a:cxn ang="0">
+                <a:pos x="connsiteX2" y="connsiteY2"/>
+              </a:cxn>
+              <a:cxn ang="0">
+                <a:pos x="connsiteX3" y="connsiteY3"/>
+              </a:cxn>
+              <a:cxn ang="0">
+                <a:pos x="connsiteX4" y="connsiteY4"/>
+              </a:cxn>
+              <a:cxn ang="0">
+                <a:pos x="connsiteX5" y="connsiteY5"/>
+              </a:cxn>
+              <a:cxn ang="0">
+                <a:pos x="connsiteX6" y="connsiteY6"/>
+              </a:cxn>
+              <a:cxn ang="0">
+                <a:pos x="connsiteX7" y="connsiteY7"/>
+              </a:cxn>
+              <a:cxn ang="0">
+                <a:pos x="connsiteX8" y="connsiteY8"/>
+              </a:cxn>
+              <a:cxn ang="0">
+                <a:pos x="connsiteX9" y="connsiteY9"/>
+              </a:cxn>
+              <a:cxn ang="0">
+                <a:pos x="connsiteX10" y="connsiteY10"/>
+              </a:cxn>
+              <a:cxn ang="0">
+                <a:pos x="connsiteX11" y="connsiteY11"/>
+              </a:cxn>
+            </a:cxnLst>
+            <a:rect l="l" t="t" r="r" b="b"/>
+            <a:pathLst>
+              <a:path w="2536434" h="6858000">
+                <a:moveTo>
+                  <a:pt x="879731" y="0"/>
+                </a:moveTo>
+                <a:lnTo>
+                  <a:pt x="913411" y="0"/>
+                </a:lnTo>
+                <a:lnTo>
+                  <a:pt x="935535" y="14997"/>
+                </a:lnTo>
+                <a:cubicBezTo>
+                  <a:pt x="1962698" y="754641"/>
+                  <a:pt x="2536434" y="2093192"/>
+                  <a:pt x="2536434" y="3621656"/>
+                </a:cubicBezTo>
+                <a:cubicBezTo>
+                  <a:pt x="2536434" y="4969131"/>
+                  <a:pt x="1607709" y="5602839"/>
+                  <a:pt x="662084" y="6374814"/>
+                </a:cubicBezTo>
+                <a:cubicBezTo>
+                  <a:pt x="489881" y="6515397"/>
+                  <a:pt x="319254" y="6653108"/>
+                  <a:pt x="145436" y="6780599"/>
+                </a:cubicBezTo>
+                <a:lnTo>
+                  <a:pt x="33680" y="6858000"/>
+                </a:lnTo>
+                <a:lnTo>
+                  <a:pt x="0" y="6858000"/>
+                </a:lnTo>
+                <a:lnTo>
+                  <a:pt x="111756" y="6780599"/>
+                </a:lnTo>
+                <a:cubicBezTo>
+                  <a:pt x="285574" y="6653108"/>
+                  <a:pt x="456201" y="6515397"/>
+                  <a:pt x="628404" y="6374814"/>
+                </a:cubicBezTo>
+                <a:cubicBezTo>
+                  <a:pt x="1574029" y="5602839"/>
+                  <a:pt x="2502754" y="4969131"/>
+                  <a:pt x="2502754" y="3621656"/>
+                </a:cubicBezTo>
+                <a:cubicBezTo>
+                  <a:pt x="2502754" y="2093192"/>
+                  <a:pt x="1929018" y="754641"/>
+                  <a:pt x="901855" y="14997"/>
+                </a:cubicBezTo>
+                <a:close/>
+              </a:path>
+            </a:pathLst>
+          </a:custGeom>
+          <a:solidFill>
+            <a:srgbClr val="FFFFFF"/>
+          </a:solidFill>
+          <a:ln>
+            <a:noFill/>
+          </a:ln>
+        </p:spPr>
+        <p:style>
+          <a:lnRef idx="2">
+            <a:schemeClr val="accent1">
+              <a:shade val="50000"/>
+            </a:schemeClr>
+          </a:lnRef>
+          <a:fillRef idx="1">
+            <a:schemeClr val="accent1"/>
+          </a:fillRef>
+          <a:effectRef idx="0">
+            <a:schemeClr val="accent1"/>
+          </a:effectRef>
+          <a:fontRef idx="minor">
+            <a:schemeClr val="lt1"/>
+          </a:fontRef>
+        </p:style>
+        <p:txBody>
+          <a:bodyPr wrap="square" rtlCol="0" anchor="ctr">
+            <a:noAutofit/>
+          </a:bodyPr>
+          <a:lstStyle/>
+          <a:p>
+            <a:pPr marL="0" marR="0" lvl="0" indent="0" algn="ctr" defTabSz="914400" rtl="0" eaLnBrk="1" fontAlgn="auto" latinLnBrk="0" hangingPunct="1">
+              <a:lnSpc>
+                <a:spcPct val="100000"/>
+              </a:lnSpc>
+              <a:spcBef>
+                <a:spcPts val="0"/>
+              </a:spcBef>
+              <a:spcAft>
+                <a:spcPts val="0"/>
+              </a:spcAft>
+              <a:buClrTx/>
+              <a:buSzTx/>
+              <a:buFontTx/>
+              <a:buNone/>
+              <a:tabLst/>
+              <a:defRPr/>
+            </a:pPr>
+            <a:endParaRPr kumimoji="0" lang="en-US" sz="1800" b="0" i="0" u="none" strike="noStrike" kern="1200" cap="none" spc="0" normalizeH="0" baseline="0" noProof="0">
+              <a:ln>
+                <a:noFill/>
+              </a:ln>
+              <a:solidFill>
+                <a:prstClr val="white"/>
+              </a:solidFill>
+              <a:effectLst/>
+              <a:uLnTx/>
+              <a:uFillTx/>
+              <a:latin typeface="Meiryo"/>
+              <a:ea typeface="+mn-ea"/>
+              <a:cs typeface="+mn-cs"/>
+            </a:endParaRPr>
+          </a:p>
+        </p:txBody>
+      </p:sp>
+      <p:sp>
+        <p:nvSpPr>
+          <p:cNvPr id="57" name="Content Placeholder 56">
+            <a:extLst>
+              <a:ext uri="{FF2B5EF4-FFF2-40B4-BE49-F238E27FC236}">
+                <a16:creationId xmlns:a16="http://schemas.microsoft.com/office/drawing/2014/main" id="{00A413DD-AC61-7D8C-277F-F5369B6EC1B8}"/>
+              </a:ext>
+            </a:extLst>
+          </p:cNvPr>
+          <p:cNvSpPr>
+            <a:spLocks noGrp="1"/>
+          </p:cNvSpPr>
+          <p:nvPr>
+            <p:ph idx="1"/>
+          </p:nvPr>
+        </p:nvSpPr>
+        <p:spPr>
+          <a:xfrm>
+            <a:off x="7684369" y="3220279"/>
+            <a:ext cx="3996098" cy="2385392"/>
+          </a:xfrm>
+        </p:spPr>
+        <p:txBody>
+          <a:bodyPr vert="horz" lIns="109728" tIns="109728" rIns="109728" bIns="91440" rtlCol="0" anchor="t">
+            <a:normAutofit lnSpcReduction="10000"/>
+          </a:bodyPr>
+          <a:lstStyle/>
+          <a:p>
+            <a:r>
+              <a:rPr lang="en-US">
+                <a:ea typeface="Meiryo"/>
+              </a:rPr>
+              <a:t>The options for the questions are also modified based on the user's dietary preference. Non-vegan has four options; vegan has two options. </a:t>
+            </a:r>
+            <a:endParaRPr lang="en-US"/>
+          </a:p>
+        </p:txBody>
+      </p:sp>
+      <p:pic>
+        <p:nvPicPr>
+          <p:cNvPr id="3" name="Picture 2" descr="A white background with black text&#10;&#10;Description automatically generated">
+            <a:extLst>
+              <a:ext uri="{FF2B5EF4-FFF2-40B4-BE49-F238E27FC236}">
+                <a16:creationId xmlns:a16="http://schemas.microsoft.com/office/drawing/2014/main" id="{BCDC71CC-2CA7-1BBC-BE8C-A44461515AFE}"/>
+              </a:ext>
+            </a:extLst>
+          </p:cNvPr>
+          <p:cNvPicPr>
+            <a:picLocks noChangeAspect="1"/>
+          </p:cNvPicPr>
+          <p:nvPr/>
+        </p:nvPicPr>
+        <p:blipFill>
+          <a:blip r:embed="rId2"/>
+          <a:stretch>
+            <a:fillRect/>
+          </a:stretch>
+        </p:blipFill>
+        <p:spPr>
+          <a:xfrm>
+            <a:off x="235742" y="4106590"/>
+            <a:ext cx="6015857" cy="1962171"/>
+          </a:xfrm>
+          <a:prstGeom prst="rect">
+            <a:avLst/>
+          </a:prstGeom>
+        </p:spPr>
+      </p:pic>
+      <p:pic>
+        <p:nvPicPr>
+          <p:cNvPr id="6" name="Picture 5" descr="A screenshot of a computer&#10;&#10;Description automatically generated">
+            <a:extLst>
+              <a:ext uri="{FF2B5EF4-FFF2-40B4-BE49-F238E27FC236}">
+                <a16:creationId xmlns:a16="http://schemas.microsoft.com/office/drawing/2014/main" id="{9572CE47-0684-5211-3B67-4303D070D750}"/>
+              </a:ext>
+            </a:extLst>
+          </p:cNvPr>
+          <p:cNvPicPr>
+            <a:picLocks noChangeAspect="1"/>
+          </p:cNvPicPr>
+          <p:nvPr/>
+        </p:nvPicPr>
+        <p:blipFill>
+          <a:blip r:embed="rId3"/>
+          <a:stretch>
+            <a:fillRect/>
+          </a:stretch>
+        </p:blipFill>
+        <p:spPr>
+          <a:xfrm>
+            <a:off x="162757" y="1098736"/>
+            <a:ext cx="6142653" cy="2514183"/>
+          </a:xfrm>
+          <a:prstGeom prst="rect">
+            <a:avLst/>
+          </a:prstGeom>
+        </p:spPr>
+      </p:pic>
+    </p:spTree>
+    <p:extLst>
+      <p:ext uri="{BB962C8B-B14F-4D97-AF65-F5344CB8AC3E}">
+        <p14:creationId xmlns:p14="http://schemas.microsoft.com/office/powerpoint/2010/main" val="4070352945"/>
+      </p:ext>
+    </p:extLst>
+  </p:cSld>
+  <p:clrMapOvr>
+    <a:masterClrMapping/>
+  </p:clrMapOvr>
+</p:sld>
+</file>
+
+<file path=ppt/slides/slide11.xml><?xml version="1.0" encoding="utf-8"?>
+<p:sld xmlns:a="http://schemas.openxmlformats.org/drawingml/2006/main" xmlns:r="http://schemas.openxmlformats.org/officeDocument/2006/relationships" xmlns:p="http://schemas.openxmlformats.org/presentationml/2006/main">
+  <p:cSld>
+    <p:bg>
+      <p:bgPr>
+        <a:solidFill>
+          <a:schemeClr val="bg2"/>
+        </a:solidFill>
+        <a:effectLst/>
+      </p:bgPr>
+    </p:bg>
+    <p:spTree>
+      <p:nvGrpSpPr>
+        <p:cNvPr id="1" name=""/>
+        <p:cNvGrpSpPr/>
+        <p:nvPr/>
+      </p:nvGrpSpPr>
+      <p:grpSpPr>
+        <a:xfrm>
+          <a:off x="0" y="0"/>
+          <a:ext cx="0" cy="0"/>
+          <a:chOff x="0" y="0"/>
+          <a:chExt cx="0" cy="0"/>
+        </a:xfrm>
+      </p:grpSpPr>
+      <p:sp useBgFill="1">
+        <p:nvSpPr>
+          <p:cNvPr id="60" name="Rectangle 59">
+            <a:extLst>
+              <a:ext uri="{FF2B5EF4-FFF2-40B4-BE49-F238E27FC236}">
+                <a16:creationId xmlns:a16="http://schemas.microsoft.com/office/drawing/2014/main" id="{8181FC64-B306-4821-98E2-780662EFC486}"/>
+              </a:ext>
+              <a:ext uri="{C183D7F6-B498-43B3-948B-1728B52AA6E4}">
+                <adec:decorative xmlns:adec="http://schemas.microsoft.com/office/drawing/2017/decorative" val="1"/>
+              </a:ext>
+            </a:extLst>
+          </p:cNvPr>
+          <p:cNvSpPr>
+            <a:spLocks noGrp="1" noRot="1" noChangeAspect="1" noMove="1" noResize="1" noEditPoints="1" noAdjustHandles="1" noChangeArrowheads="1" noChangeShapeType="1" noTextEdit="1"/>
+          </p:cNvSpPr>
+          <p:nvPr>
+            <p:extLst>
+              <p:ext uri="{386F3935-93C4-4BCD-93E2-E3B085C9AB24}">
+                <p16:designElem xmlns:p16="http://schemas.microsoft.com/office/powerpoint/2015/main" val="1"/>
+              </p:ext>
+            </p:extLst>
+          </p:nvPr>
+        </p:nvSpPr>
+        <p:spPr>
+          <a:xfrm>
+            <a:off x="305" y="0"/>
+            <a:ext cx="12191695" cy="6858000"/>
+          </a:xfrm>
+          <a:prstGeom prst="rect">
+            <a:avLst/>
+          </a:prstGeom>
+          <a:ln>
+            <a:noFill/>
+          </a:ln>
+        </p:spPr>
+        <p:style>
+          <a:lnRef idx="2">
+            <a:schemeClr val="accent1">
+              <a:shade val="50000"/>
+            </a:schemeClr>
+          </a:lnRef>
+          <a:fillRef idx="1">
+            <a:schemeClr val="accent1"/>
+          </a:fillRef>
+          <a:effectRef idx="0">
+            <a:schemeClr val="accent1"/>
+          </a:effectRef>
+          <a:fontRef idx="minor">
+            <a:schemeClr val="lt1"/>
+          </a:fontRef>
+        </p:style>
+        <p:txBody>
+          <a:bodyPr rtlCol="0" anchor="ctr"/>
+          <a:lstStyle/>
+          <a:p>
+            <a:pPr marL="0" marR="0" lvl="0" indent="0" algn="ctr" defTabSz="457200" rtl="0" eaLnBrk="1" fontAlgn="auto" latinLnBrk="0" hangingPunct="1">
+              <a:lnSpc>
+                <a:spcPct val="100000"/>
+              </a:lnSpc>
+              <a:spcBef>
+                <a:spcPts val="0"/>
+              </a:spcBef>
+              <a:spcAft>
+                <a:spcPts val="0"/>
+              </a:spcAft>
+              <a:buClrTx/>
+              <a:buSzTx/>
+              <a:buFontTx/>
+              <a:buNone/>
+              <a:tabLst/>
+              <a:defRPr/>
+            </a:pPr>
+            <a:endParaRPr kumimoji="0" lang="en-US" sz="1800" b="0" i="0" u="none" strike="noStrike" kern="1200" cap="none" spc="0" normalizeH="0" baseline="0" noProof="0">
+              <a:ln>
+                <a:noFill/>
+              </a:ln>
+              <a:solidFill>
+                <a:prstClr val="white"/>
+              </a:solidFill>
+              <a:effectLst/>
+              <a:uLnTx/>
+              <a:uFillTx/>
+              <a:latin typeface="Meiryo"/>
+              <a:ea typeface="+mn-ea"/>
+              <a:cs typeface="+mn-cs"/>
+            </a:endParaRPr>
+          </a:p>
+        </p:txBody>
+      </p:sp>
+      <p:sp>
+        <p:nvSpPr>
+          <p:cNvPr id="62" name="Freeform: Shape 61">
+            <a:extLst>
+              <a:ext uri="{FF2B5EF4-FFF2-40B4-BE49-F238E27FC236}">
+                <a16:creationId xmlns:a16="http://schemas.microsoft.com/office/drawing/2014/main" id="{BC0385E9-02B2-4941-889A-EAD43F5BB0A3}"/>
+              </a:ext>
+              <a:ext uri="{C183D7F6-B498-43B3-948B-1728B52AA6E4}">
+                <adec:decorative xmlns:adec="http://schemas.microsoft.com/office/drawing/2017/decorative" val="1"/>
+              </a:ext>
+            </a:extLst>
+          </p:cNvPr>
+          <p:cNvSpPr>
+            <a:spLocks noGrp="1" noRot="1" noChangeAspect="1" noMove="1" noResize="1" noEditPoints="1" noAdjustHandles="1" noChangeArrowheads="1" noChangeShapeType="1" noTextEdit="1"/>
+          </p:cNvSpPr>
+          <p:nvPr>
+            <p:extLst>
+              <p:ext uri="{386F3935-93C4-4BCD-93E2-E3B085C9AB24}">
+                <p16:designElem xmlns:p16="http://schemas.microsoft.com/office/powerpoint/2015/main" val="1"/>
+              </p:ext>
+            </p:extLst>
+          </p:nvPr>
+        </p:nvSpPr>
+        <p:spPr>
+          <a:xfrm flipH="1">
+            <a:off x="6736139" y="0"/>
+            <a:ext cx="5455860" cy="6858000"/>
+          </a:xfrm>
+          <a:custGeom>
+            <a:avLst/>
+            <a:gdLst>
+              <a:gd name="connsiteX0" fmla="*/ 3832837 w 5455860"/>
+              <a:gd name="connsiteY0" fmla="*/ 0 h 6858000"/>
+              <a:gd name="connsiteX1" fmla="*/ 2739604 w 5455860"/>
+              <a:gd name="connsiteY1" fmla="*/ 0 h 6858000"/>
+              <a:gd name="connsiteX2" fmla="*/ 1959438 w 5455860"/>
+              <a:gd name="connsiteY2" fmla="*/ 0 h 6858000"/>
+              <a:gd name="connsiteX3" fmla="*/ 1895061 w 5455860"/>
+              <a:gd name="connsiteY3" fmla="*/ 0 h 6858000"/>
+              <a:gd name="connsiteX4" fmla="*/ 249909 w 5455860"/>
+              <a:gd name="connsiteY4" fmla="*/ 0 h 6858000"/>
+              <a:gd name="connsiteX5" fmla="*/ 0 w 5455860"/>
+              <a:gd name="connsiteY5" fmla="*/ 0 h 6858000"/>
+              <a:gd name="connsiteX6" fmla="*/ 0 w 5455860"/>
+              <a:gd name="connsiteY6" fmla="*/ 6858000 h 6858000"/>
+              <a:gd name="connsiteX7" fmla="*/ 249909 w 5455860"/>
+              <a:gd name="connsiteY7" fmla="*/ 6858000 h 6858000"/>
+              <a:gd name="connsiteX8" fmla="*/ 1895061 w 5455860"/>
+              <a:gd name="connsiteY8" fmla="*/ 6858000 h 6858000"/>
+              <a:gd name="connsiteX9" fmla="*/ 1959438 w 5455860"/>
+              <a:gd name="connsiteY9" fmla="*/ 6858000 h 6858000"/>
+              <a:gd name="connsiteX10" fmla="*/ 2739604 w 5455860"/>
+              <a:gd name="connsiteY10" fmla="*/ 6858000 h 6858000"/>
+              <a:gd name="connsiteX11" fmla="*/ 2953106 w 5455860"/>
+              <a:gd name="connsiteY11" fmla="*/ 6858000 h 6858000"/>
+              <a:gd name="connsiteX12" fmla="*/ 3064862 w 5455860"/>
+              <a:gd name="connsiteY12" fmla="*/ 6780599 h 6858000"/>
+              <a:gd name="connsiteX13" fmla="*/ 3581510 w 5455860"/>
+              <a:gd name="connsiteY13" fmla="*/ 6374814 h 6858000"/>
+              <a:gd name="connsiteX14" fmla="*/ 5455860 w 5455860"/>
+              <a:gd name="connsiteY14" fmla="*/ 3621656 h 6858000"/>
+              <a:gd name="connsiteX15" fmla="*/ 3854961 w 5455860"/>
+              <a:gd name="connsiteY15" fmla="*/ 14997 h 6858000"/>
+            </a:gdLst>
+            <a:ahLst/>
+            <a:cxnLst>
+              <a:cxn ang="0">
+                <a:pos x="connsiteX0" y="connsiteY0"/>
+              </a:cxn>
+              <a:cxn ang="0">
+                <a:pos x="connsiteX1" y="connsiteY1"/>
+              </a:cxn>
+              <a:cxn ang="0">
+                <a:pos x="connsiteX2" y="connsiteY2"/>
+              </a:cxn>
+              <a:cxn ang="0">
+                <a:pos x="connsiteX3" y="connsiteY3"/>
+              </a:cxn>
+              <a:cxn ang="0">
+                <a:pos x="connsiteX4" y="connsiteY4"/>
+              </a:cxn>
+              <a:cxn ang="0">
+                <a:pos x="connsiteX5" y="connsiteY5"/>
+              </a:cxn>
+              <a:cxn ang="0">
+                <a:pos x="connsiteX6" y="connsiteY6"/>
+              </a:cxn>
+              <a:cxn ang="0">
+                <a:pos x="connsiteX7" y="connsiteY7"/>
+              </a:cxn>
+              <a:cxn ang="0">
+                <a:pos x="connsiteX8" y="connsiteY8"/>
+              </a:cxn>
+              <a:cxn ang="0">
+                <a:pos x="connsiteX9" y="connsiteY9"/>
+              </a:cxn>
+              <a:cxn ang="0">
+                <a:pos x="connsiteX10" y="connsiteY10"/>
+              </a:cxn>
+              <a:cxn ang="0">
+                <a:pos x="connsiteX11" y="connsiteY11"/>
+              </a:cxn>
+              <a:cxn ang="0">
+                <a:pos x="connsiteX12" y="connsiteY12"/>
+              </a:cxn>
+              <a:cxn ang="0">
+                <a:pos x="connsiteX13" y="connsiteY13"/>
+              </a:cxn>
+              <a:cxn ang="0">
+                <a:pos x="connsiteX14" y="connsiteY14"/>
+              </a:cxn>
+              <a:cxn ang="0">
+                <a:pos x="connsiteX15" y="connsiteY15"/>
+              </a:cxn>
+            </a:cxnLst>
+            <a:rect l="l" t="t" r="r" b="b"/>
+            <a:pathLst>
+              <a:path w="5455860" h="6858000">
+                <a:moveTo>
+                  <a:pt x="3832837" y="0"/>
+                </a:moveTo>
+                <a:lnTo>
+                  <a:pt x="2739604" y="0"/>
+                </a:lnTo>
+                <a:lnTo>
+                  <a:pt x="1959438" y="0"/>
+                </a:lnTo>
+                <a:lnTo>
+                  <a:pt x="1895061" y="0"/>
+                </a:lnTo>
+                <a:lnTo>
+                  <a:pt x="249909" y="0"/>
+                </a:lnTo>
+                <a:lnTo>
+                  <a:pt x="0" y="0"/>
+                </a:lnTo>
+                <a:lnTo>
+                  <a:pt x="0" y="6858000"/>
+                </a:lnTo>
+                <a:lnTo>
+                  <a:pt x="249909" y="6858000"/>
+                </a:lnTo>
+                <a:lnTo>
+                  <a:pt x="1895061" y="6858000"/>
+                </a:lnTo>
+                <a:lnTo>
+                  <a:pt x="1959438" y="6858000"/>
+                </a:lnTo>
+                <a:lnTo>
+                  <a:pt x="2739604" y="6858000"/>
+                </a:lnTo>
+                <a:lnTo>
+                  <a:pt x="2953106" y="6858000"/>
+                </a:lnTo>
+                <a:lnTo>
+                  <a:pt x="3064862" y="6780599"/>
+                </a:lnTo>
+                <a:cubicBezTo>
+                  <a:pt x="3238680" y="6653108"/>
+                  <a:pt x="3409307" y="6515397"/>
+                  <a:pt x="3581510" y="6374814"/>
+                </a:cubicBezTo>
+                <a:cubicBezTo>
+                  <a:pt x="4527135" y="5602839"/>
+                  <a:pt x="5455860" y="4969131"/>
+                  <a:pt x="5455860" y="3621656"/>
+                </a:cubicBezTo>
+                <a:cubicBezTo>
+                  <a:pt x="5455860" y="2093192"/>
+                  <a:pt x="4882124" y="754641"/>
+                  <a:pt x="3854961" y="14997"/>
+                </a:cubicBezTo>
+                <a:close/>
+              </a:path>
+            </a:pathLst>
+          </a:custGeom>
+          <a:solidFill>
+            <a:schemeClr val="bg1">
+              <a:alpha val="60000"/>
+            </a:schemeClr>
+          </a:solidFill>
+          <a:ln>
+            <a:noFill/>
+          </a:ln>
+        </p:spPr>
+        <p:style>
+          <a:lnRef idx="2">
+            <a:schemeClr val="accent1">
+              <a:shade val="50000"/>
+            </a:schemeClr>
+          </a:lnRef>
+          <a:fillRef idx="1">
+            <a:schemeClr val="accent1"/>
+          </a:fillRef>
+          <a:effectRef idx="0">
+            <a:schemeClr val="accent1"/>
+          </a:effectRef>
+          <a:fontRef idx="minor">
+            <a:schemeClr val="lt1"/>
+          </a:fontRef>
+        </p:style>
+        <p:txBody>
+          <a:bodyPr wrap="square" rtlCol="0" anchor="ctr">
+            <a:noAutofit/>
+          </a:bodyPr>
+          <a:lstStyle/>
+          <a:p>
+            <a:pPr algn="ctr"/>
+            <a:endParaRPr lang="en-US"/>
+          </a:p>
+        </p:txBody>
+      </p:sp>
+      <p:sp>
+        <p:nvSpPr>
+          <p:cNvPr id="64" name="Freeform: Shape 63">
+            <a:extLst>
+              <a:ext uri="{FF2B5EF4-FFF2-40B4-BE49-F238E27FC236}">
+                <a16:creationId xmlns:a16="http://schemas.microsoft.com/office/drawing/2014/main" id="{829A1E2C-5AC8-40FC-99E9-832069D39792}"/>
+              </a:ext>
+              <a:ext uri="{C183D7F6-B498-43B3-948B-1728B52AA6E4}">
+                <adec:decorative xmlns:adec="http://schemas.microsoft.com/office/drawing/2017/decorative" val="1"/>
+              </a:ext>
+            </a:extLst>
+          </p:cNvPr>
+          <p:cNvSpPr>
+            <a:spLocks noGrp="1" noRot="1" noChangeAspect="1" noMove="1" noResize="1" noEditPoints="1" noAdjustHandles="1" noChangeArrowheads="1" noChangeShapeType="1" noTextEdit="1"/>
+          </p:cNvSpPr>
+          <p:nvPr>
+            <p:extLst>
+              <p:ext uri="{386F3935-93C4-4BCD-93E2-E3B085C9AB24}">
+                <p16:designElem xmlns:p16="http://schemas.microsoft.com/office/powerpoint/2015/main" val="1"/>
+              </p:ext>
+            </p:extLst>
+          </p:nvPr>
+        </p:nvSpPr>
+        <p:spPr>
+          <a:xfrm flipH="1">
+            <a:off x="6255864" y="0"/>
+            <a:ext cx="2529723" cy="6858000"/>
+          </a:xfrm>
+          <a:custGeom>
+            <a:avLst/>
+            <a:gdLst>
+              <a:gd name="connsiteX0" fmla="*/ 1258269 w 2529723"/>
+              <a:gd name="connsiteY0" fmla="*/ 0 h 6858000"/>
+              <a:gd name="connsiteX1" fmla="*/ 1275627 w 2529723"/>
+              <a:gd name="connsiteY1" fmla="*/ 0 h 6858000"/>
+              <a:gd name="connsiteX2" fmla="*/ 1302560 w 2529723"/>
+              <a:gd name="connsiteY2" fmla="*/ 24338 h 6858000"/>
+              <a:gd name="connsiteX3" fmla="*/ 2522825 w 2529723"/>
+              <a:gd name="connsiteY3" fmla="*/ 3678515 h 6858000"/>
+              <a:gd name="connsiteX4" fmla="*/ 557500 w 2529723"/>
+              <a:gd name="connsiteY4" fmla="*/ 6451411 h 6858000"/>
+              <a:gd name="connsiteX5" fmla="*/ 32482 w 2529723"/>
+              <a:gd name="connsiteY5" fmla="*/ 6849373 h 6858000"/>
+              <a:gd name="connsiteX6" fmla="*/ 19531 w 2529723"/>
+              <a:gd name="connsiteY6" fmla="*/ 6858000 h 6858000"/>
+              <a:gd name="connsiteX7" fmla="*/ 0 w 2529723"/>
+              <a:gd name="connsiteY7" fmla="*/ 6858000 h 6858000"/>
+              <a:gd name="connsiteX8" fmla="*/ 14202 w 2529723"/>
+              <a:gd name="connsiteY8" fmla="*/ 6848540 h 6858000"/>
+              <a:gd name="connsiteX9" fmla="*/ 539221 w 2529723"/>
+              <a:gd name="connsiteY9" fmla="*/ 6450578 h 6858000"/>
+              <a:gd name="connsiteX10" fmla="*/ 2504546 w 2529723"/>
+              <a:gd name="connsiteY10" fmla="*/ 3677682 h 6858000"/>
+              <a:gd name="connsiteX11" fmla="*/ 1284280 w 2529723"/>
+              <a:gd name="connsiteY11" fmla="*/ 23504 h 6858000"/>
+            </a:gdLst>
+            <a:ahLst/>
+            <a:cxnLst>
+              <a:cxn ang="0">
+                <a:pos x="connsiteX0" y="connsiteY0"/>
+              </a:cxn>
+              <a:cxn ang="0">
+                <a:pos x="connsiteX1" y="connsiteY1"/>
+              </a:cxn>
+              <a:cxn ang="0">
+                <a:pos x="connsiteX2" y="connsiteY2"/>
+              </a:cxn>
+              <a:cxn ang="0">
+                <a:pos x="connsiteX3" y="connsiteY3"/>
+              </a:cxn>
+              <a:cxn ang="0">
+                <a:pos x="connsiteX4" y="connsiteY4"/>
+              </a:cxn>
+              <a:cxn ang="0">
+                <a:pos x="connsiteX5" y="connsiteY5"/>
+              </a:cxn>
+              <a:cxn ang="0">
+                <a:pos x="connsiteX6" y="connsiteY6"/>
+              </a:cxn>
+              <a:cxn ang="0">
+                <a:pos x="connsiteX7" y="connsiteY7"/>
+              </a:cxn>
+              <a:cxn ang="0">
+                <a:pos x="connsiteX8" y="connsiteY8"/>
+              </a:cxn>
+              <a:cxn ang="0">
+                <a:pos x="connsiteX9" y="connsiteY9"/>
+              </a:cxn>
+              <a:cxn ang="0">
+                <a:pos x="connsiteX10" y="connsiteY10"/>
+              </a:cxn>
+              <a:cxn ang="0">
+                <a:pos x="connsiteX11" y="connsiteY11"/>
+              </a:cxn>
+            </a:cxnLst>
+            <a:rect l="l" t="t" r="r" b="b"/>
+            <a:pathLst>
+              <a:path w="2529723" h="6858000">
+                <a:moveTo>
+                  <a:pt x="1258269" y="0"/>
+                </a:moveTo>
+                <a:lnTo>
+                  <a:pt x="1275627" y="0"/>
+                </a:lnTo>
+                <a:lnTo>
+                  <a:pt x="1302560" y="24338"/>
+                </a:lnTo>
+                <a:cubicBezTo>
+                  <a:pt x="2156831" y="855667"/>
+                  <a:pt x="2590622" y="2191755"/>
+                  <a:pt x="2522825" y="3678515"/>
+                </a:cubicBezTo>
+                <a:cubicBezTo>
+                  <a:pt x="2459072" y="5076606"/>
+                  <a:pt x="1519830" y="5692656"/>
+                  <a:pt x="557500" y="6451411"/>
+                </a:cubicBezTo>
+                <a:cubicBezTo>
+                  <a:pt x="382255" y="6589587"/>
+                  <a:pt x="208689" y="6724853"/>
+                  <a:pt x="32482" y="6849373"/>
+                </a:cubicBezTo>
+                <a:lnTo>
+                  <a:pt x="19531" y="6858000"/>
+                </a:lnTo>
+                <a:lnTo>
+                  <a:pt x="0" y="6858000"/>
+                </a:lnTo>
+                <a:lnTo>
+                  <a:pt x="14202" y="6848540"/>
+                </a:lnTo>
+                <a:cubicBezTo>
+                  <a:pt x="190409" y="6724020"/>
+                  <a:pt x="363976" y="6588754"/>
+                  <a:pt x="539221" y="6450578"/>
+                </a:cubicBezTo>
+                <a:cubicBezTo>
+                  <a:pt x="1501550" y="5691822"/>
+                  <a:pt x="2440792" y="5075773"/>
+                  <a:pt x="2504546" y="3677682"/>
+                </a:cubicBezTo>
+                <a:cubicBezTo>
+                  <a:pt x="2572343" y="2190921"/>
+                  <a:pt x="2138551" y="854834"/>
+                  <a:pt x="1284280" y="23504"/>
+                </a:cubicBezTo>
+                <a:close/>
+              </a:path>
+            </a:pathLst>
+          </a:custGeom>
+          <a:solidFill>
+            <a:srgbClr val="FFFFFF"/>
+          </a:solidFill>
+          <a:ln>
+            <a:noFill/>
+          </a:ln>
+        </p:spPr>
+        <p:style>
+          <a:lnRef idx="2">
+            <a:schemeClr val="accent1">
+              <a:shade val="50000"/>
+            </a:schemeClr>
+          </a:lnRef>
+          <a:fillRef idx="1">
+            <a:schemeClr val="accent1"/>
+          </a:fillRef>
+          <a:effectRef idx="0">
+            <a:schemeClr val="accent1"/>
+          </a:effectRef>
+          <a:fontRef idx="minor">
+            <a:schemeClr val="lt1"/>
+          </a:fontRef>
+        </p:style>
+        <p:txBody>
+          <a:bodyPr wrap="square" rtlCol="0" anchor="ctr">
+            <a:noAutofit/>
+          </a:bodyPr>
+          <a:lstStyle/>
+          <a:p>
+            <a:pPr marL="0" marR="0" lvl="0" indent="0" algn="ctr" defTabSz="457200" rtl="0" eaLnBrk="1" fontAlgn="auto" latinLnBrk="0" hangingPunct="1">
+              <a:lnSpc>
+                <a:spcPct val="100000"/>
+              </a:lnSpc>
+              <a:spcBef>
+                <a:spcPts val="0"/>
+              </a:spcBef>
+              <a:spcAft>
+                <a:spcPts val="0"/>
+              </a:spcAft>
+              <a:buClrTx/>
+              <a:buSzTx/>
+              <a:buFontTx/>
+              <a:buNone/>
+              <a:tabLst/>
+              <a:defRPr/>
+            </a:pPr>
+            <a:endParaRPr kumimoji="0" lang="en-US" sz="1800" b="0" i="0" u="none" strike="noStrike" kern="1200" cap="none" spc="0" normalizeH="0" baseline="0" noProof="0">
+              <a:ln>
+                <a:noFill/>
+              </a:ln>
+              <a:solidFill>
+                <a:prstClr val="white"/>
+              </a:solidFill>
+              <a:effectLst/>
+              <a:uLnTx/>
+              <a:uFillTx/>
+              <a:latin typeface="Meiryo"/>
+              <a:ea typeface="+mn-ea"/>
+              <a:cs typeface="+mn-cs"/>
+            </a:endParaRPr>
+          </a:p>
+        </p:txBody>
+      </p:sp>
+      <p:sp>
+        <p:nvSpPr>
+          <p:cNvPr id="66" name="Freeform: Shape 65">
+            <a:extLst>
+              <a:ext uri="{FF2B5EF4-FFF2-40B4-BE49-F238E27FC236}">
+                <a16:creationId xmlns:a16="http://schemas.microsoft.com/office/drawing/2014/main" id="{55C54A75-E44A-4147-B9D0-FF46CFD31612}"/>
+              </a:ext>
+              <a:ext uri="{C183D7F6-B498-43B3-948B-1728B52AA6E4}">
+                <adec:decorative xmlns:adec="http://schemas.microsoft.com/office/drawing/2017/decorative" val="1"/>
+              </a:ext>
+            </a:extLst>
+          </p:cNvPr>
+          <p:cNvSpPr>
+            <a:spLocks noGrp="1" noRot="1" noChangeAspect="1" noMove="1" noResize="1" noEditPoints="1" noAdjustHandles="1" noChangeArrowheads="1" noChangeShapeType="1" noTextEdit="1"/>
+          </p:cNvSpPr>
+          <p:nvPr>
+            <p:extLst>
+              <p:ext uri="{386F3935-93C4-4BCD-93E2-E3B085C9AB24}">
+                <p16:designElem xmlns:p16="http://schemas.microsoft.com/office/powerpoint/2015/main" val="1"/>
+              </p:ext>
+            </p:extLst>
+          </p:nvPr>
+        </p:nvSpPr>
+        <p:spPr>
+          <a:xfrm flipH="1">
+            <a:off x="6469160" y="0"/>
+            <a:ext cx="2536434" cy="6858000"/>
+          </a:xfrm>
+          <a:custGeom>
+            <a:avLst/>
+            <a:gdLst>
+              <a:gd name="connsiteX0" fmla="*/ 879731 w 2536434"/>
+              <a:gd name="connsiteY0" fmla="*/ 0 h 6858000"/>
+              <a:gd name="connsiteX1" fmla="*/ 913411 w 2536434"/>
+              <a:gd name="connsiteY1" fmla="*/ 0 h 6858000"/>
+              <a:gd name="connsiteX2" fmla="*/ 935535 w 2536434"/>
+              <a:gd name="connsiteY2" fmla="*/ 14997 h 6858000"/>
+              <a:gd name="connsiteX3" fmla="*/ 2536434 w 2536434"/>
+              <a:gd name="connsiteY3" fmla="*/ 3621656 h 6858000"/>
+              <a:gd name="connsiteX4" fmla="*/ 662084 w 2536434"/>
+              <a:gd name="connsiteY4" fmla="*/ 6374814 h 6858000"/>
+              <a:gd name="connsiteX5" fmla="*/ 145436 w 2536434"/>
+              <a:gd name="connsiteY5" fmla="*/ 6780599 h 6858000"/>
+              <a:gd name="connsiteX6" fmla="*/ 33680 w 2536434"/>
+              <a:gd name="connsiteY6" fmla="*/ 6858000 h 6858000"/>
+              <a:gd name="connsiteX7" fmla="*/ 0 w 2536434"/>
+              <a:gd name="connsiteY7" fmla="*/ 6858000 h 6858000"/>
+              <a:gd name="connsiteX8" fmla="*/ 111756 w 2536434"/>
+              <a:gd name="connsiteY8" fmla="*/ 6780599 h 6858000"/>
+              <a:gd name="connsiteX9" fmla="*/ 628404 w 2536434"/>
+              <a:gd name="connsiteY9" fmla="*/ 6374814 h 6858000"/>
+              <a:gd name="connsiteX10" fmla="*/ 2502754 w 2536434"/>
+              <a:gd name="connsiteY10" fmla="*/ 3621656 h 6858000"/>
+              <a:gd name="connsiteX11" fmla="*/ 901855 w 2536434"/>
+              <a:gd name="connsiteY11" fmla="*/ 14997 h 6858000"/>
+            </a:gdLst>
+            <a:ahLst/>
+            <a:cxnLst>
+              <a:cxn ang="0">
+                <a:pos x="connsiteX0" y="connsiteY0"/>
+              </a:cxn>
+              <a:cxn ang="0">
+                <a:pos x="connsiteX1" y="connsiteY1"/>
+              </a:cxn>
+              <a:cxn ang="0">
+                <a:pos x="connsiteX2" y="connsiteY2"/>
+              </a:cxn>
+              <a:cxn ang="0">
+                <a:pos x="connsiteX3" y="connsiteY3"/>
+              </a:cxn>
+              <a:cxn ang="0">
+                <a:pos x="connsiteX4" y="connsiteY4"/>
+              </a:cxn>
+              <a:cxn ang="0">
+                <a:pos x="connsiteX5" y="connsiteY5"/>
+              </a:cxn>
+              <a:cxn ang="0">
+                <a:pos x="connsiteX6" y="connsiteY6"/>
+              </a:cxn>
+              <a:cxn ang="0">
+                <a:pos x="connsiteX7" y="connsiteY7"/>
+              </a:cxn>
+              <a:cxn ang="0">
+                <a:pos x="connsiteX8" y="connsiteY8"/>
+              </a:cxn>
+              <a:cxn ang="0">
+                <a:pos x="connsiteX9" y="connsiteY9"/>
+              </a:cxn>
+              <a:cxn ang="0">
+                <a:pos x="connsiteX10" y="connsiteY10"/>
+              </a:cxn>
+              <a:cxn ang="0">
+                <a:pos x="connsiteX11" y="connsiteY11"/>
+              </a:cxn>
+            </a:cxnLst>
+            <a:rect l="l" t="t" r="r" b="b"/>
+            <a:pathLst>
+              <a:path w="2536434" h="6858000">
+                <a:moveTo>
+                  <a:pt x="879731" y="0"/>
+                </a:moveTo>
+                <a:lnTo>
+                  <a:pt x="913411" y="0"/>
+                </a:lnTo>
+                <a:lnTo>
+                  <a:pt x="935535" y="14997"/>
+                </a:lnTo>
+                <a:cubicBezTo>
+                  <a:pt x="1962698" y="754641"/>
+                  <a:pt x="2536434" y="2093192"/>
+                  <a:pt x="2536434" y="3621656"/>
+                </a:cubicBezTo>
+                <a:cubicBezTo>
+                  <a:pt x="2536434" y="4969131"/>
+                  <a:pt x="1607709" y="5602839"/>
+                  <a:pt x="662084" y="6374814"/>
+                </a:cubicBezTo>
+                <a:cubicBezTo>
+                  <a:pt x="489881" y="6515397"/>
+                  <a:pt x="319254" y="6653108"/>
+                  <a:pt x="145436" y="6780599"/>
+                </a:cubicBezTo>
+                <a:lnTo>
+                  <a:pt x="33680" y="6858000"/>
+                </a:lnTo>
+                <a:lnTo>
+                  <a:pt x="0" y="6858000"/>
+                </a:lnTo>
+                <a:lnTo>
+                  <a:pt x="111756" y="6780599"/>
+                </a:lnTo>
+                <a:cubicBezTo>
+                  <a:pt x="285574" y="6653108"/>
+                  <a:pt x="456201" y="6515397"/>
+                  <a:pt x="628404" y="6374814"/>
+                </a:cubicBezTo>
+                <a:cubicBezTo>
+                  <a:pt x="1574029" y="5602839"/>
+                  <a:pt x="2502754" y="4969131"/>
+                  <a:pt x="2502754" y="3621656"/>
+                </a:cubicBezTo>
+                <a:cubicBezTo>
+                  <a:pt x="2502754" y="2093192"/>
+                  <a:pt x="1929018" y="754641"/>
+                  <a:pt x="901855" y="14997"/>
+                </a:cubicBezTo>
+                <a:close/>
+              </a:path>
+            </a:pathLst>
+          </a:custGeom>
+          <a:solidFill>
+            <a:srgbClr val="FFFFFF"/>
+          </a:solidFill>
+          <a:ln>
+            <a:noFill/>
+          </a:ln>
+        </p:spPr>
+        <p:style>
+          <a:lnRef idx="2">
+            <a:schemeClr val="accent1">
+              <a:shade val="50000"/>
+            </a:schemeClr>
+          </a:lnRef>
+          <a:fillRef idx="1">
+            <a:schemeClr val="accent1"/>
+          </a:fillRef>
+          <a:effectRef idx="0">
+            <a:schemeClr val="accent1"/>
+          </a:effectRef>
+          <a:fontRef idx="minor">
+            <a:schemeClr val="lt1"/>
+          </a:fontRef>
+        </p:style>
+        <p:txBody>
+          <a:bodyPr wrap="square" rtlCol="0" anchor="ctr">
+            <a:noAutofit/>
+          </a:bodyPr>
+          <a:lstStyle/>
+          <a:p>
+            <a:pPr marL="0" marR="0" lvl="0" indent="0" algn="ctr" defTabSz="914400" rtl="0" eaLnBrk="1" fontAlgn="auto" latinLnBrk="0" hangingPunct="1">
+              <a:lnSpc>
+                <a:spcPct val="100000"/>
+              </a:lnSpc>
+              <a:spcBef>
+                <a:spcPts val="0"/>
+              </a:spcBef>
+              <a:spcAft>
+                <a:spcPts val="0"/>
+              </a:spcAft>
+              <a:buClrTx/>
+              <a:buSzTx/>
+              <a:buFontTx/>
+              <a:buNone/>
+              <a:tabLst/>
+              <a:defRPr/>
+            </a:pPr>
+            <a:endParaRPr kumimoji="0" lang="en-US" sz="1800" b="0" i="0" u="none" strike="noStrike" kern="1200" cap="none" spc="0" normalizeH="0" baseline="0" noProof="0">
+              <a:ln>
+                <a:noFill/>
+              </a:ln>
+              <a:solidFill>
+                <a:prstClr val="white"/>
+              </a:solidFill>
+              <a:effectLst/>
+              <a:uLnTx/>
+              <a:uFillTx/>
+              <a:latin typeface="Meiryo"/>
+              <a:ea typeface="+mn-ea"/>
+              <a:cs typeface="+mn-cs"/>
+            </a:endParaRPr>
+          </a:p>
+        </p:txBody>
+      </p:sp>
+      <p:sp>
+        <p:nvSpPr>
+          <p:cNvPr id="57" name="Content Placeholder 56">
+            <a:extLst>
+              <a:ext uri="{FF2B5EF4-FFF2-40B4-BE49-F238E27FC236}">
+                <a16:creationId xmlns:a16="http://schemas.microsoft.com/office/drawing/2014/main" id="{00A413DD-AC61-7D8C-277F-F5369B6EC1B8}"/>
+              </a:ext>
+            </a:extLst>
+          </p:cNvPr>
+          <p:cNvSpPr>
+            <a:spLocks noGrp="1"/>
+          </p:cNvSpPr>
+          <p:nvPr>
+            <p:ph idx="1"/>
+          </p:nvPr>
+        </p:nvSpPr>
+        <p:spPr>
+          <a:xfrm>
+            <a:off x="7684369" y="3220279"/>
+            <a:ext cx="3996098" cy="2385392"/>
+          </a:xfrm>
+        </p:spPr>
+        <p:txBody>
+          <a:bodyPr vert="horz" lIns="109728" tIns="109728" rIns="109728" bIns="91440" rtlCol="0" anchor="t">
+            <a:normAutofit/>
+          </a:bodyPr>
+          <a:lstStyle/>
+          <a:p>
+            <a:r>
+              <a:rPr lang="en-US">
+                <a:ea typeface="Meiryo"/>
+              </a:rPr>
+              <a:t>A snapshot of the program along with the results generated. </a:t>
+            </a:r>
+          </a:p>
+        </p:txBody>
+      </p:sp>
+      <p:pic>
+        <p:nvPicPr>
+          <p:cNvPr id="2" name="Picture 1" descr="A screenshot of a computer&#10;&#10;Description automatically generated">
+            <a:extLst>
+              <a:ext uri="{FF2B5EF4-FFF2-40B4-BE49-F238E27FC236}">
+                <a16:creationId xmlns:a16="http://schemas.microsoft.com/office/drawing/2014/main" id="{96673473-7EA1-74EA-74F0-940BE08072A0}"/>
+              </a:ext>
+            </a:extLst>
+          </p:cNvPr>
+          <p:cNvPicPr>
+            <a:picLocks noChangeAspect="1"/>
+          </p:cNvPicPr>
+          <p:nvPr/>
+        </p:nvPicPr>
+        <p:blipFill>
+          <a:blip r:embed="rId2"/>
+          <a:stretch>
+            <a:fillRect/>
+          </a:stretch>
+        </p:blipFill>
+        <p:spPr>
+          <a:xfrm>
+            <a:off x="-3110" y="279509"/>
+            <a:ext cx="6351037" cy="6127922"/>
+          </a:xfrm>
+          <a:prstGeom prst="rect">
+            <a:avLst/>
+          </a:prstGeom>
+        </p:spPr>
+      </p:pic>
+    </p:spTree>
+    <p:extLst>
+      <p:ext uri="{BB962C8B-B14F-4D97-AF65-F5344CB8AC3E}">
+        <p14:creationId xmlns:p14="http://schemas.microsoft.com/office/powerpoint/2010/main" val="1683128179"/>
+      </p:ext>
+    </p:extLst>
+  </p:cSld>
+  <p:clrMapOvr>
+    <a:masterClrMapping/>
+  </p:clrMapOvr>
+</p:sld>
+</file>
+
+<file path=ppt/slides/slide12.xml><?xml version="1.0" encoding="utf-8"?>
+<p:sld xmlns:a="http://schemas.openxmlformats.org/drawingml/2006/main" xmlns:r="http://schemas.openxmlformats.org/officeDocument/2006/relationships" xmlns:p="http://schemas.openxmlformats.org/presentationml/2006/main">
+  <p:cSld>
+    <p:bg>
+      <p:bgPr>
+        <a:solidFill>
+          <a:schemeClr val="bg2"/>
+        </a:solidFill>
+        <a:effectLst/>
+      </p:bgPr>
+    </p:bg>
+    <p:spTree>
+      <p:nvGrpSpPr>
+        <p:cNvPr id="1" name=""/>
+        <p:cNvGrpSpPr/>
+        <p:nvPr/>
+      </p:nvGrpSpPr>
+      <p:grpSpPr>
+        <a:xfrm>
+          <a:off x="0" y="0"/>
+          <a:ext cx="0" cy="0"/>
+          <a:chOff x="0" y="0"/>
+          <a:chExt cx="0" cy="0"/>
+        </a:xfrm>
+      </p:grpSpPr>
+      <p:sp useBgFill="1">
+        <p:nvSpPr>
+          <p:cNvPr id="15" name="Rectangle 14">
+            <a:extLst>
+              <a:ext uri="{FF2B5EF4-FFF2-40B4-BE49-F238E27FC236}">
+                <a16:creationId xmlns:a16="http://schemas.microsoft.com/office/drawing/2014/main" id="{AC14302F-E955-47D0-A56B-D1D1A6953B51}"/>
+              </a:ext>
+              <a:ext uri="{C183D7F6-B498-43B3-948B-1728B52AA6E4}">
+                <adec:decorative xmlns:adec="http://schemas.microsoft.com/office/drawing/2017/decorative" val="1"/>
+              </a:ext>
+            </a:extLst>
+          </p:cNvPr>
+          <p:cNvSpPr>
+            <a:spLocks noGrp="1" noRot="1" noChangeAspect="1" noMove="1" noResize="1" noEditPoints="1" noAdjustHandles="1" noChangeArrowheads="1" noChangeShapeType="1" noTextEdit="1"/>
+          </p:cNvSpPr>
+          <p:nvPr>
+            <p:extLst>
+              <p:ext uri="{386F3935-93C4-4BCD-93E2-E3B085C9AB24}">
+                <p16:designElem xmlns:p16="http://schemas.microsoft.com/office/powerpoint/2015/main" val="1"/>
+              </p:ext>
+            </p:extLst>
+          </p:nvPr>
+        </p:nvSpPr>
+        <p:spPr>
+          <a:xfrm>
+            <a:off x="153" y="0"/>
+            <a:ext cx="12191695" cy="6858000"/>
+          </a:xfrm>
+          <a:prstGeom prst="rect">
+            <a:avLst/>
+          </a:prstGeom>
+          <a:ln>
+            <a:noFill/>
+          </a:ln>
+        </p:spPr>
+        <p:style>
+          <a:lnRef idx="2">
+            <a:schemeClr val="accent1">
+              <a:shade val="50000"/>
+            </a:schemeClr>
+          </a:lnRef>
+          <a:fillRef idx="1">
+            <a:schemeClr val="accent1"/>
+          </a:fillRef>
+          <a:effectRef idx="0">
+            <a:schemeClr val="accent1"/>
+          </a:effectRef>
+          <a:fontRef idx="minor">
+            <a:schemeClr val="lt1"/>
+          </a:fontRef>
+        </p:style>
+        <p:txBody>
+          <a:bodyPr rtlCol="0" anchor="ctr"/>
+          <a:lstStyle/>
+          <a:p>
+            <a:pPr marL="0" marR="0" lvl="0" indent="0" algn="ctr" defTabSz="457200" rtl="0" eaLnBrk="1" fontAlgn="auto" latinLnBrk="0" hangingPunct="1">
+              <a:lnSpc>
+                <a:spcPct val="100000"/>
+              </a:lnSpc>
+              <a:spcBef>
+                <a:spcPts val="0"/>
+              </a:spcBef>
+              <a:spcAft>
+                <a:spcPts val="0"/>
+              </a:spcAft>
+              <a:buClrTx/>
+              <a:buSzTx/>
+              <a:buFontTx/>
+              <a:buNone/>
+              <a:tabLst/>
+              <a:defRPr/>
+            </a:pPr>
+            <a:endParaRPr kumimoji="0" lang="en-US" sz="1800" b="0" i="0" u="none" strike="noStrike" kern="1200" cap="none" spc="0" normalizeH="0" baseline="0" noProof="0">
+              <a:ln>
+                <a:noFill/>
+              </a:ln>
+              <a:solidFill>
+                <a:prstClr val="white"/>
+              </a:solidFill>
+              <a:effectLst/>
+              <a:uLnTx/>
+              <a:uFillTx/>
+              <a:latin typeface="Meiryo"/>
+              <a:ea typeface="+mn-ea"/>
+              <a:cs typeface="+mn-cs"/>
+            </a:endParaRPr>
+          </a:p>
+        </p:txBody>
+      </p:sp>
+      <p:grpSp>
+        <p:nvGrpSpPr>
+          <p:cNvPr id="17" name="Group 16">
+            <a:extLst>
+              <a:ext uri="{FF2B5EF4-FFF2-40B4-BE49-F238E27FC236}">
+                <a16:creationId xmlns:a16="http://schemas.microsoft.com/office/drawing/2014/main" id="{F0DA1A54-9FBE-4DAE-B253-1715AA029202}"/>
+              </a:ext>
+              <a:ext uri="{C183D7F6-B498-43B3-948B-1728B52AA6E4}">
+                <adec:decorative xmlns:adec="http://schemas.microsoft.com/office/drawing/2017/decorative" val="1"/>
+              </a:ext>
+            </a:extLst>
+          </p:cNvPr>
+          <p:cNvGrpSpPr>
+            <a:grpSpLocks noGrp="1" noUngrp="1" noRot="1" noChangeAspect="1" noMove="1" noResize="1"/>
+          </p:cNvGrpSpPr>
+          <p:nvPr>
+            <p:extLst>
+              <p:ext uri="{386F3935-93C4-4BCD-93E2-E3B085C9AB24}">
+                <p16:designElem xmlns:p16="http://schemas.microsoft.com/office/powerpoint/2015/main" val="1"/>
+              </p:ext>
+            </p:extLst>
+          </p:nvPr>
+        </p:nvGrpSpPr>
+        <p:grpSpPr>
+          <a:xfrm>
+            <a:off x="763325" y="584218"/>
+            <a:ext cx="5693134" cy="5480198"/>
+            <a:chOff x="787179" y="834887"/>
+            <a:chExt cx="5308821" cy="5110259"/>
+          </a:xfrm>
+        </p:grpSpPr>
+        <p:sp>
+          <p:nvSpPr>
+            <p:cNvPr id="18" name="Freeform: Shape 17">
+              <a:extLst>
+                <a:ext uri="{FF2B5EF4-FFF2-40B4-BE49-F238E27FC236}">
+                  <a16:creationId xmlns:a16="http://schemas.microsoft.com/office/drawing/2014/main" id="{0A36CE68-CB3C-4699-9422-3073853CB669}"/>
+                </a:ext>
+                <a:ext uri="{C183D7F6-B498-43B3-948B-1728B52AA6E4}">
+                  <adec:decorative xmlns:adec="http://schemas.microsoft.com/office/drawing/2017/decorative" val="1"/>
+                </a:ext>
+              </a:extLst>
+            </p:cNvPr>
+            <p:cNvSpPr/>
+            <p:nvPr>
+              <p:extLst>
+                <p:ext uri="{386F3935-93C4-4BCD-93E2-E3B085C9AB24}">
+                  <p16:designElem xmlns:p16="http://schemas.microsoft.com/office/powerpoint/2015/main" val="1"/>
+                </p:ext>
+              </p:extLst>
+            </p:nvPr>
+          </p:nvSpPr>
+          <p:spPr>
+            <a:xfrm>
+              <a:off x="890546" y="1057523"/>
+              <a:ext cx="5009716" cy="4746929"/>
+            </a:xfrm>
+            <a:custGeom>
+              <a:avLst/>
+              <a:gdLst>
+                <a:gd name="connsiteX0" fmla="*/ 2180840 w 3810827"/>
+                <a:gd name="connsiteY0" fmla="*/ 0 h 3634591"/>
+                <a:gd name="connsiteX1" fmla="*/ 2866380 w 3810827"/>
+                <a:gd name="connsiteY1" fmla="*/ 145165 h 3634591"/>
+                <a:gd name="connsiteX2" fmla="*/ 3366366 w 3810827"/>
+                <a:gd name="connsiteY2" fmla="*/ 536835 h 3634591"/>
+                <a:gd name="connsiteX3" fmla="*/ 3810827 w 3810827"/>
+                <a:gd name="connsiteY3" fmla="*/ 1924156 h 3634591"/>
+                <a:gd name="connsiteX4" fmla="*/ 3612844 w 3810827"/>
+                <a:gd name="connsiteY4" fmla="*/ 2493111 h 3634591"/>
+                <a:gd name="connsiteX5" fmla="*/ 3026664 w 3810827"/>
+                <a:gd name="connsiteY5" fmla="*/ 3022891 h 3634591"/>
+                <a:gd name="connsiteX6" fmla="*/ 2897783 w 3810827"/>
+                <a:gd name="connsiteY6" fmla="*/ 3124233 h 3634591"/>
+                <a:gd name="connsiteX7" fmla="*/ 1838765 w 3810827"/>
+                <a:gd name="connsiteY7" fmla="*/ 3634591 h 3634591"/>
+                <a:gd name="connsiteX8" fmla="*/ 443724 w 3810827"/>
+                <a:gd name="connsiteY8" fmla="*/ 2805020 h 3634591"/>
+                <a:gd name="connsiteX9" fmla="*/ 295053 w 3810827"/>
+                <a:gd name="connsiteY9" fmla="*/ 2592792 h 3634591"/>
+                <a:gd name="connsiteX10" fmla="*/ 0 w 3810827"/>
+                <a:gd name="connsiteY10" fmla="*/ 1924156 h 3634591"/>
+                <a:gd name="connsiteX11" fmla="*/ 178275 w 3810827"/>
+                <a:gd name="connsiteY11" fmla="*/ 1204061 h 3634591"/>
+                <a:gd name="connsiteX12" fmla="*/ 669921 w 3810827"/>
+                <a:gd name="connsiteY12" fmla="*/ 585306 h 3634591"/>
+                <a:gd name="connsiteX13" fmla="*/ 1380730 w 3810827"/>
+                <a:gd name="connsiteY13" fmla="*/ 156203 h 3634591"/>
+                <a:gd name="connsiteX14" fmla="*/ 2180840 w 3810827"/>
+                <a:gd name="connsiteY14" fmla="*/ 0 h 3634591"/>
+              </a:gdLst>
+              <a:ahLst/>
+              <a:cxnLst>
+                <a:cxn ang="0">
+                  <a:pos x="connsiteX0" y="connsiteY0"/>
+                </a:cxn>
+                <a:cxn ang="0">
+                  <a:pos x="connsiteX1" y="connsiteY1"/>
+                </a:cxn>
+                <a:cxn ang="0">
+                  <a:pos x="connsiteX2" y="connsiteY2"/>
+                </a:cxn>
+                <a:cxn ang="0">
+                  <a:pos x="connsiteX3" y="connsiteY3"/>
+                </a:cxn>
+                <a:cxn ang="0">
+                  <a:pos x="connsiteX4" y="connsiteY4"/>
+                </a:cxn>
+                <a:cxn ang="0">
+                  <a:pos x="connsiteX5" y="connsiteY5"/>
+                </a:cxn>
+                <a:cxn ang="0">
+                  <a:pos x="connsiteX6" y="connsiteY6"/>
+                </a:cxn>
+                <a:cxn ang="0">
+                  <a:pos x="connsiteX7" y="connsiteY7"/>
+                </a:cxn>
+                <a:cxn ang="0">
+                  <a:pos x="connsiteX8" y="connsiteY8"/>
+                </a:cxn>
+                <a:cxn ang="0">
+                  <a:pos x="connsiteX9" y="connsiteY9"/>
+                </a:cxn>
+                <a:cxn ang="0">
+                  <a:pos x="connsiteX10" y="connsiteY10"/>
+                </a:cxn>
+                <a:cxn ang="0">
+                  <a:pos x="connsiteX11" y="connsiteY11"/>
+                </a:cxn>
+                <a:cxn ang="0">
+                  <a:pos x="connsiteX12" y="connsiteY12"/>
+                </a:cxn>
+                <a:cxn ang="0">
+                  <a:pos x="connsiteX13" y="connsiteY13"/>
+                </a:cxn>
+                <a:cxn ang="0">
+                  <a:pos x="connsiteX14" y="connsiteY14"/>
+                </a:cxn>
+              </a:cxnLst>
+              <a:rect l="l" t="t" r="r" b="b"/>
+              <a:pathLst>
+                <a:path w="3810827" h="3634591">
+                  <a:moveTo>
+                    <a:pt x="2180840" y="0"/>
+                  </a:moveTo>
+                  <a:cubicBezTo>
+                    <a:pt x="2431406" y="0"/>
+                    <a:pt x="2662018" y="48886"/>
+                    <a:pt x="2866380" y="145165"/>
+                  </a:cubicBezTo>
+                  <a:cubicBezTo>
+                    <a:pt x="3057903" y="235467"/>
+                    <a:pt x="3226119" y="367269"/>
+                    <a:pt x="3366366" y="536835"/>
+                  </a:cubicBezTo>
+                  <a:cubicBezTo>
+                    <a:pt x="3652997" y="883519"/>
+                    <a:pt x="3810827" y="1376199"/>
+                    <a:pt x="3810827" y="1924156"/>
+                  </a:cubicBezTo>
+                  <a:cubicBezTo>
+                    <a:pt x="3810827" y="2142775"/>
+                    <a:pt x="3749739" y="2318234"/>
+                    <a:pt x="3612844" y="2493111"/>
+                  </a:cubicBezTo>
+                  <a:cubicBezTo>
+                    <a:pt x="3469652" y="2676041"/>
+                    <a:pt x="3254495" y="2844528"/>
+                    <a:pt x="3026664" y="3022891"/>
+                  </a:cubicBezTo>
+                  <a:cubicBezTo>
+                    <a:pt x="2984630" y="3055759"/>
+                    <a:pt x="2941206" y="3089789"/>
+                    <a:pt x="2897783" y="3124233"/>
+                  </a:cubicBezTo>
+                  <a:cubicBezTo>
+                    <a:pt x="2509094" y="3432490"/>
+                    <a:pt x="2225408" y="3634591"/>
+                    <a:pt x="1838765" y="3634591"/>
+                  </a:cubicBezTo>
+                  <a:cubicBezTo>
+                    <a:pt x="1249640" y="3634591"/>
+                    <a:pt x="832413" y="3386508"/>
+                    <a:pt x="443724" y="2805020"/>
+                  </a:cubicBezTo>
+                  <a:cubicBezTo>
+                    <a:pt x="392859" y="2728910"/>
+                    <a:pt x="343138" y="2659690"/>
+                    <a:pt x="295053" y="2592792"/>
+                  </a:cubicBezTo>
+                  <a:cubicBezTo>
+                    <a:pt x="95761" y="2315411"/>
+                    <a:pt x="0" y="2171160"/>
+                    <a:pt x="0" y="1924156"/>
+                  </a:cubicBezTo>
+                  <a:cubicBezTo>
+                    <a:pt x="0" y="1678896"/>
+                    <a:pt x="60024" y="1436622"/>
+                    <a:pt x="178275" y="1204061"/>
+                  </a:cubicBezTo>
+                  <a:cubicBezTo>
+                    <a:pt x="293990" y="976561"/>
+                    <a:pt x="459425" y="768319"/>
+                    <a:pt x="669921" y="585306"/>
+                  </a:cubicBezTo>
+                  <a:cubicBezTo>
+                    <a:pt x="876818" y="405365"/>
+                    <a:pt x="1122558" y="256964"/>
+                    <a:pt x="1380730" y="156203"/>
+                  </a:cubicBezTo>
+                  <a:cubicBezTo>
+                    <a:pt x="1645852" y="52539"/>
+                    <a:pt x="1915145" y="0"/>
+                    <a:pt x="2180840" y="0"/>
+                  </a:cubicBezTo>
+                  <a:close/>
+                </a:path>
+              </a:pathLst>
+            </a:custGeom>
+            <a:solidFill>
+              <a:srgbClr val="FFFFFF">
+                <a:alpha val="60000"/>
+              </a:srgbClr>
+            </a:solidFill>
+            <a:ln w="15875">
+              <a:noFill/>
+            </a:ln>
+          </p:spPr>
+          <p:style>
+            <a:lnRef idx="2">
+              <a:schemeClr val="accent1">
+                <a:shade val="50000"/>
+              </a:schemeClr>
+            </a:lnRef>
+            <a:fillRef idx="1">
+              <a:schemeClr val="accent1"/>
+            </a:fillRef>
+            <a:effectRef idx="0">
+              <a:schemeClr val="accent1"/>
+            </a:effectRef>
+            <a:fontRef idx="minor">
+              <a:schemeClr val="lt1"/>
+            </a:fontRef>
+          </p:style>
+          <p:txBody>
+            <a:bodyPr wrap="square" rtlCol="0" anchor="ctr">
+              <a:noAutofit/>
+            </a:bodyPr>
+            <a:lstStyle/>
+            <a:p>
+              <a:pPr algn="ctr"/>
+              <a:endParaRPr lang="en-US"/>
+            </a:p>
+          </p:txBody>
+        </p:sp>
+        <p:sp>
+          <p:nvSpPr>
+            <p:cNvPr id="19" name="Freeform: Shape 18">
+              <a:extLst>
+                <a:ext uri="{FF2B5EF4-FFF2-40B4-BE49-F238E27FC236}">
+                  <a16:creationId xmlns:a16="http://schemas.microsoft.com/office/drawing/2014/main" id="{F356DA69-4637-40FE-A14B-5213BBB585D9}"/>
+                </a:ext>
+                <a:ext uri="{C183D7F6-B498-43B3-948B-1728B52AA6E4}">
+                  <adec:decorative xmlns:adec="http://schemas.microsoft.com/office/drawing/2017/decorative" val="1"/>
+                </a:ext>
+              </a:extLst>
+            </p:cNvPr>
+            <p:cNvSpPr/>
+            <p:nvPr>
+              <p:extLst>
+                <p:ext uri="{386F3935-93C4-4BCD-93E2-E3B085C9AB24}">
+                  <p16:designElem xmlns:p16="http://schemas.microsoft.com/office/powerpoint/2015/main" val="1"/>
+                </p:ext>
+              </p:extLst>
+            </p:nvPr>
+          </p:nvSpPr>
+          <p:spPr>
+            <a:xfrm>
+              <a:off x="787179" y="834887"/>
+              <a:ext cx="5308821" cy="5110259"/>
+            </a:xfrm>
+            <a:custGeom>
+              <a:avLst/>
+              <a:gdLst>
+                <a:gd name="connsiteX0" fmla="*/ 2180840 w 3810827"/>
+                <a:gd name="connsiteY0" fmla="*/ 0 h 3634591"/>
+                <a:gd name="connsiteX1" fmla="*/ 2866380 w 3810827"/>
+                <a:gd name="connsiteY1" fmla="*/ 145165 h 3634591"/>
+                <a:gd name="connsiteX2" fmla="*/ 3366366 w 3810827"/>
+                <a:gd name="connsiteY2" fmla="*/ 536835 h 3634591"/>
+                <a:gd name="connsiteX3" fmla="*/ 3810827 w 3810827"/>
+                <a:gd name="connsiteY3" fmla="*/ 1924156 h 3634591"/>
+                <a:gd name="connsiteX4" fmla="*/ 3612844 w 3810827"/>
+                <a:gd name="connsiteY4" fmla="*/ 2493111 h 3634591"/>
+                <a:gd name="connsiteX5" fmla="*/ 3026664 w 3810827"/>
+                <a:gd name="connsiteY5" fmla="*/ 3022891 h 3634591"/>
+                <a:gd name="connsiteX6" fmla="*/ 2897783 w 3810827"/>
+                <a:gd name="connsiteY6" fmla="*/ 3124233 h 3634591"/>
+                <a:gd name="connsiteX7" fmla="*/ 1838765 w 3810827"/>
+                <a:gd name="connsiteY7" fmla="*/ 3634591 h 3634591"/>
+                <a:gd name="connsiteX8" fmla="*/ 443724 w 3810827"/>
+                <a:gd name="connsiteY8" fmla="*/ 2805020 h 3634591"/>
+                <a:gd name="connsiteX9" fmla="*/ 295053 w 3810827"/>
+                <a:gd name="connsiteY9" fmla="*/ 2592792 h 3634591"/>
+                <a:gd name="connsiteX10" fmla="*/ 0 w 3810827"/>
+                <a:gd name="connsiteY10" fmla="*/ 1924156 h 3634591"/>
+                <a:gd name="connsiteX11" fmla="*/ 178275 w 3810827"/>
+                <a:gd name="connsiteY11" fmla="*/ 1204061 h 3634591"/>
+                <a:gd name="connsiteX12" fmla="*/ 669921 w 3810827"/>
+                <a:gd name="connsiteY12" fmla="*/ 585306 h 3634591"/>
+                <a:gd name="connsiteX13" fmla="*/ 1380730 w 3810827"/>
+                <a:gd name="connsiteY13" fmla="*/ 156203 h 3634591"/>
+                <a:gd name="connsiteX14" fmla="*/ 2180840 w 3810827"/>
+                <a:gd name="connsiteY14" fmla="*/ 0 h 3634591"/>
+              </a:gdLst>
+              <a:ahLst/>
+              <a:cxnLst>
+                <a:cxn ang="0">
+                  <a:pos x="connsiteX0" y="connsiteY0"/>
+                </a:cxn>
+                <a:cxn ang="0">
+                  <a:pos x="connsiteX1" y="connsiteY1"/>
+                </a:cxn>
+                <a:cxn ang="0">
+                  <a:pos x="connsiteX2" y="connsiteY2"/>
+                </a:cxn>
+                <a:cxn ang="0">
+                  <a:pos x="connsiteX3" y="connsiteY3"/>
+                </a:cxn>
+                <a:cxn ang="0">
+                  <a:pos x="connsiteX4" y="connsiteY4"/>
+                </a:cxn>
+                <a:cxn ang="0">
+                  <a:pos x="connsiteX5" y="connsiteY5"/>
+                </a:cxn>
+                <a:cxn ang="0">
+                  <a:pos x="connsiteX6" y="connsiteY6"/>
+                </a:cxn>
+                <a:cxn ang="0">
+                  <a:pos x="connsiteX7" y="connsiteY7"/>
+                </a:cxn>
+                <a:cxn ang="0">
+                  <a:pos x="connsiteX8" y="connsiteY8"/>
+                </a:cxn>
+                <a:cxn ang="0">
+                  <a:pos x="connsiteX9" y="connsiteY9"/>
+                </a:cxn>
+                <a:cxn ang="0">
+                  <a:pos x="connsiteX10" y="connsiteY10"/>
+                </a:cxn>
+                <a:cxn ang="0">
+                  <a:pos x="connsiteX11" y="connsiteY11"/>
+                </a:cxn>
+                <a:cxn ang="0">
+                  <a:pos x="connsiteX12" y="connsiteY12"/>
+                </a:cxn>
+                <a:cxn ang="0">
+                  <a:pos x="connsiteX13" y="connsiteY13"/>
+                </a:cxn>
+                <a:cxn ang="0">
+                  <a:pos x="connsiteX14" y="connsiteY14"/>
+                </a:cxn>
+              </a:cxnLst>
+              <a:rect l="l" t="t" r="r" b="b"/>
+              <a:pathLst>
+                <a:path w="3810827" h="3634591">
+                  <a:moveTo>
+                    <a:pt x="2180840" y="0"/>
+                  </a:moveTo>
+                  <a:cubicBezTo>
+                    <a:pt x="2431406" y="0"/>
+                    <a:pt x="2662018" y="48886"/>
+                    <a:pt x="2866380" y="145165"/>
+                  </a:cubicBezTo>
+                  <a:cubicBezTo>
+                    <a:pt x="3057903" y="235467"/>
+                    <a:pt x="3226119" y="367269"/>
+                    <a:pt x="3366366" y="536835"/>
+                  </a:cubicBezTo>
+                  <a:cubicBezTo>
+                    <a:pt x="3652997" y="883519"/>
+                    <a:pt x="3810827" y="1376199"/>
+                    <a:pt x="3810827" y="1924156"/>
+                  </a:cubicBezTo>
+                  <a:cubicBezTo>
+                    <a:pt x="3810827" y="2142775"/>
+                    <a:pt x="3749739" y="2318234"/>
+                    <a:pt x="3612844" y="2493111"/>
+                  </a:cubicBezTo>
+                  <a:cubicBezTo>
+                    <a:pt x="3469652" y="2676041"/>
+                    <a:pt x="3254495" y="2844528"/>
+                    <a:pt x="3026664" y="3022891"/>
+                  </a:cubicBezTo>
+                  <a:cubicBezTo>
+                    <a:pt x="2984630" y="3055759"/>
+                    <a:pt x="2941206" y="3089789"/>
+                    <a:pt x="2897783" y="3124233"/>
+                  </a:cubicBezTo>
+                  <a:cubicBezTo>
+                    <a:pt x="2509094" y="3432490"/>
+                    <a:pt x="2225408" y="3634591"/>
+                    <a:pt x="1838765" y="3634591"/>
+                  </a:cubicBezTo>
+                  <a:cubicBezTo>
+                    <a:pt x="1249640" y="3634591"/>
+                    <a:pt x="832413" y="3386508"/>
+                    <a:pt x="443724" y="2805020"/>
+                  </a:cubicBezTo>
+                  <a:cubicBezTo>
+                    <a:pt x="392859" y="2728910"/>
+                    <a:pt x="343138" y="2659690"/>
+                    <a:pt x="295053" y="2592792"/>
+                  </a:cubicBezTo>
+                  <a:cubicBezTo>
+                    <a:pt x="95761" y="2315411"/>
+                    <a:pt x="0" y="2171160"/>
+                    <a:pt x="0" y="1924156"/>
+                  </a:cubicBezTo>
+                  <a:cubicBezTo>
+                    <a:pt x="0" y="1678896"/>
+                    <a:pt x="60024" y="1436622"/>
+                    <a:pt x="178275" y="1204061"/>
+                  </a:cubicBezTo>
+                  <a:cubicBezTo>
+                    <a:pt x="293990" y="976561"/>
+                    <a:pt x="459425" y="768319"/>
+                    <a:pt x="669921" y="585306"/>
+                  </a:cubicBezTo>
+                  <a:cubicBezTo>
+                    <a:pt x="876818" y="405365"/>
+                    <a:pt x="1122558" y="256964"/>
+                    <a:pt x="1380730" y="156203"/>
+                  </a:cubicBezTo>
+                  <a:cubicBezTo>
+                    <a:pt x="1645852" y="52539"/>
+                    <a:pt x="1915145" y="0"/>
+                    <a:pt x="2180840" y="0"/>
+                  </a:cubicBezTo>
+                  <a:close/>
+                </a:path>
+              </a:pathLst>
+            </a:custGeom>
+            <a:noFill/>
+            <a:ln w="19050">
+              <a:solidFill>
+                <a:srgbClr val="FFFFFF"/>
+              </a:solidFill>
+            </a:ln>
+          </p:spPr>
+          <p:style>
+            <a:lnRef idx="2">
+              <a:schemeClr val="accent1">
+                <a:shade val="50000"/>
+              </a:schemeClr>
+            </a:lnRef>
+            <a:fillRef idx="1">
+              <a:schemeClr val="accent1"/>
+            </a:fillRef>
+            <a:effectRef idx="0">
+              <a:schemeClr val="accent1"/>
+            </a:effectRef>
+            <a:fontRef idx="minor">
+              <a:schemeClr val="lt1"/>
+            </a:fontRef>
+          </p:style>
+          <p:txBody>
+            <a:bodyPr wrap="square" rtlCol="0" anchor="ctr">
+              <a:noAutofit/>
+            </a:bodyPr>
+            <a:lstStyle/>
+            <a:p>
+              <a:pPr algn="ctr"/>
+              <a:endParaRPr lang="en-US"/>
+            </a:p>
+          </p:txBody>
+        </p:sp>
+        <p:sp>
+          <p:nvSpPr>
+            <p:cNvPr id="20" name="Freeform: Shape 19">
+              <a:extLst>
+                <a:ext uri="{FF2B5EF4-FFF2-40B4-BE49-F238E27FC236}">
+                  <a16:creationId xmlns:a16="http://schemas.microsoft.com/office/drawing/2014/main" id="{364D709A-6610-48B7-9F98-AFA02ECBA191}"/>
+                </a:ext>
+                <a:ext uri="{C183D7F6-B498-43B3-948B-1728B52AA6E4}">
+                  <adec:decorative xmlns:adec="http://schemas.microsoft.com/office/drawing/2017/decorative" val="1"/>
+                </a:ext>
+              </a:extLst>
+            </p:cNvPr>
+            <p:cNvSpPr/>
+            <p:nvPr>
+              <p:extLst>
+                <p:ext uri="{386F3935-93C4-4BCD-93E2-E3B085C9AB24}">
+                  <p16:designElem xmlns:p16="http://schemas.microsoft.com/office/powerpoint/2015/main" val="1"/>
+                </p:ext>
+              </p:extLst>
+            </p:nvPr>
+          </p:nvSpPr>
+          <p:spPr>
+            <a:xfrm>
+              <a:off x="1073427" y="1200647"/>
+              <a:ext cx="4675366" cy="4471706"/>
+            </a:xfrm>
+            <a:custGeom>
+              <a:avLst/>
+              <a:gdLst>
+                <a:gd name="connsiteX0" fmla="*/ 2180840 w 3810827"/>
+                <a:gd name="connsiteY0" fmla="*/ 0 h 3634591"/>
+                <a:gd name="connsiteX1" fmla="*/ 2866380 w 3810827"/>
+                <a:gd name="connsiteY1" fmla="*/ 145165 h 3634591"/>
+                <a:gd name="connsiteX2" fmla="*/ 3366366 w 3810827"/>
+                <a:gd name="connsiteY2" fmla="*/ 536835 h 3634591"/>
+                <a:gd name="connsiteX3" fmla="*/ 3810827 w 3810827"/>
+                <a:gd name="connsiteY3" fmla="*/ 1924156 h 3634591"/>
+                <a:gd name="connsiteX4" fmla="*/ 3612844 w 3810827"/>
+                <a:gd name="connsiteY4" fmla="*/ 2493111 h 3634591"/>
+                <a:gd name="connsiteX5" fmla="*/ 3026664 w 3810827"/>
+                <a:gd name="connsiteY5" fmla="*/ 3022891 h 3634591"/>
+                <a:gd name="connsiteX6" fmla="*/ 2897783 w 3810827"/>
+                <a:gd name="connsiteY6" fmla="*/ 3124233 h 3634591"/>
+                <a:gd name="connsiteX7" fmla="*/ 1838765 w 3810827"/>
+                <a:gd name="connsiteY7" fmla="*/ 3634591 h 3634591"/>
+                <a:gd name="connsiteX8" fmla="*/ 443724 w 3810827"/>
+                <a:gd name="connsiteY8" fmla="*/ 2805020 h 3634591"/>
+                <a:gd name="connsiteX9" fmla="*/ 295053 w 3810827"/>
+                <a:gd name="connsiteY9" fmla="*/ 2592792 h 3634591"/>
+                <a:gd name="connsiteX10" fmla="*/ 0 w 3810827"/>
+                <a:gd name="connsiteY10" fmla="*/ 1924156 h 3634591"/>
+                <a:gd name="connsiteX11" fmla="*/ 178275 w 3810827"/>
+                <a:gd name="connsiteY11" fmla="*/ 1204061 h 3634591"/>
+                <a:gd name="connsiteX12" fmla="*/ 669921 w 3810827"/>
+                <a:gd name="connsiteY12" fmla="*/ 585306 h 3634591"/>
+                <a:gd name="connsiteX13" fmla="*/ 1380730 w 3810827"/>
+                <a:gd name="connsiteY13" fmla="*/ 156203 h 3634591"/>
+                <a:gd name="connsiteX14" fmla="*/ 2180840 w 3810827"/>
+                <a:gd name="connsiteY14" fmla="*/ 0 h 3634591"/>
+              </a:gdLst>
+              <a:ahLst/>
+              <a:cxnLst>
+                <a:cxn ang="0">
+                  <a:pos x="connsiteX0" y="connsiteY0"/>
+                </a:cxn>
+                <a:cxn ang="0">
+                  <a:pos x="connsiteX1" y="connsiteY1"/>
+                </a:cxn>
+                <a:cxn ang="0">
+                  <a:pos x="connsiteX2" y="connsiteY2"/>
+                </a:cxn>
+                <a:cxn ang="0">
+                  <a:pos x="connsiteX3" y="connsiteY3"/>
+                </a:cxn>
+                <a:cxn ang="0">
+                  <a:pos x="connsiteX4" y="connsiteY4"/>
+                </a:cxn>
+                <a:cxn ang="0">
+                  <a:pos x="connsiteX5" y="connsiteY5"/>
+                </a:cxn>
+                <a:cxn ang="0">
+                  <a:pos x="connsiteX6" y="connsiteY6"/>
+                </a:cxn>
+                <a:cxn ang="0">
+                  <a:pos x="connsiteX7" y="connsiteY7"/>
+                </a:cxn>
+                <a:cxn ang="0">
+                  <a:pos x="connsiteX8" y="connsiteY8"/>
+                </a:cxn>
+                <a:cxn ang="0">
+                  <a:pos x="connsiteX9" y="connsiteY9"/>
+                </a:cxn>
+                <a:cxn ang="0">
+                  <a:pos x="connsiteX10" y="connsiteY10"/>
+                </a:cxn>
+                <a:cxn ang="0">
+                  <a:pos x="connsiteX11" y="connsiteY11"/>
+                </a:cxn>
+                <a:cxn ang="0">
+                  <a:pos x="connsiteX12" y="connsiteY12"/>
+                </a:cxn>
+                <a:cxn ang="0">
+                  <a:pos x="connsiteX13" y="connsiteY13"/>
+                </a:cxn>
+                <a:cxn ang="0">
+                  <a:pos x="connsiteX14" y="connsiteY14"/>
+                </a:cxn>
+              </a:cxnLst>
+              <a:rect l="l" t="t" r="r" b="b"/>
+              <a:pathLst>
+                <a:path w="3810827" h="3634591">
+                  <a:moveTo>
+                    <a:pt x="2180840" y="0"/>
+                  </a:moveTo>
+                  <a:cubicBezTo>
+                    <a:pt x="2431406" y="0"/>
+                    <a:pt x="2662018" y="48886"/>
+                    <a:pt x="2866380" y="145165"/>
+                  </a:cubicBezTo>
+                  <a:cubicBezTo>
+                    <a:pt x="3057903" y="235467"/>
+                    <a:pt x="3226119" y="367269"/>
+                    <a:pt x="3366366" y="536835"/>
+                  </a:cubicBezTo>
+                  <a:cubicBezTo>
+                    <a:pt x="3652997" y="883519"/>
+                    <a:pt x="3810827" y="1376199"/>
+                    <a:pt x="3810827" y="1924156"/>
+                  </a:cubicBezTo>
+                  <a:cubicBezTo>
+                    <a:pt x="3810827" y="2142775"/>
+                    <a:pt x="3749739" y="2318234"/>
+                    <a:pt x="3612844" y="2493111"/>
+                  </a:cubicBezTo>
+                  <a:cubicBezTo>
+                    <a:pt x="3469652" y="2676041"/>
+                    <a:pt x="3254495" y="2844528"/>
+                    <a:pt x="3026664" y="3022891"/>
+                  </a:cubicBezTo>
+                  <a:cubicBezTo>
+                    <a:pt x="2984630" y="3055759"/>
+                    <a:pt x="2941206" y="3089789"/>
+                    <a:pt x="2897783" y="3124233"/>
+                  </a:cubicBezTo>
+                  <a:cubicBezTo>
+                    <a:pt x="2509094" y="3432490"/>
+                    <a:pt x="2225408" y="3634591"/>
+                    <a:pt x="1838765" y="3634591"/>
+                  </a:cubicBezTo>
+                  <a:cubicBezTo>
+                    <a:pt x="1249640" y="3634591"/>
+                    <a:pt x="832413" y="3386508"/>
+                    <a:pt x="443724" y="2805020"/>
+                  </a:cubicBezTo>
+                  <a:cubicBezTo>
+                    <a:pt x="392859" y="2728910"/>
+                    <a:pt x="343138" y="2659690"/>
+                    <a:pt x="295053" y="2592792"/>
+                  </a:cubicBezTo>
+                  <a:cubicBezTo>
+                    <a:pt x="95761" y="2315411"/>
+                    <a:pt x="0" y="2171160"/>
+                    <a:pt x="0" y="1924156"/>
+                  </a:cubicBezTo>
+                  <a:cubicBezTo>
+                    <a:pt x="0" y="1678896"/>
+                    <a:pt x="60024" y="1436622"/>
+                    <a:pt x="178275" y="1204061"/>
+                  </a:cubicBezTo>
+                  <a:cubicBezTo>
+                    <a:pt x="293990" y="976561"/>
+                    <a:pt x="459425" y="768319"/>
+                    <a:pt x="669921" y="585306"/>
+                  </a:cubicBezTo>
+                  <a:cubicBezTo>
+                    <a:pt x="876818" y="405365"/>
+                    <a:pt x="1122558" y="256964"/>
+                    <a:pt x="1380730" y="156203"/>
+                  </a:cubicBezTo>
+                  <a:cubicBezTo>
+                    <a:pt x="1645852" y="52539"/>
+                    <a:pt x="1915145" y="0"/>
+                    <a:pt x="2180840" y="0"/>
+                  </a:cubicBezTo>
+                  <a:close/>
+                </a:path>
+              </a:pathLst>
+            </a:custGeom>
+            <a:solidFill>
+              <a:schemeClr val="bg1">
+                <a:alpha val="60000"/>
+              </a:schemeClr>
+            </a:solidFill>
+            <a:ln>
+              <a:noFill/>
+            </a:ln>
+          </p:spPr>
+          <p:style>
+            <a:lnRef idx="2">
+              <a:schemeClr val="accent1">
+                <a:shade val="50000"/>
+              </a:schemeClr>
+            </a:lnRef>
+            <a:fillRef idx="1">
+              <a:schemeClr val="accent1"/>
+            </a:fillRef>
+            <a:effectRef idx="0">
+              <a:schemeClr val="accent1"/>
+            </a:effectRef>
+            <a:fontRef idx="minor">
+              <a:schemeClr val="lt1"/>
+            </a:fontRef>
+          </p:style>
+          <p:txBody>
+            <a:bodyPr wrap="square" rtlCol="0" anchor="ctr">
+              <a:noAutofit/>
+            </a:bodyPr>
+            <a:lstStyle/>
+            <a:p>
+              <a:pPr algn="ctr"/>
+              <a:endParaRPr lang="en-US"/>
+            </a:p>
+          </p:txBody>
+        </p:sp>
+      </p:grpSp>
+      <p:sp>
+        <p:nvSpPr>
+          <p:cNvPr id="2" name="Title 1">
+            <a:extLst>
+              <a:ext uri="{FF2B5EF4-FFF2-40B4-BE49-F238E27FC236}">
+                <a16:creationId xmlns:a16="http://schemas.microsoft.com/office/drawing/2014/main" id="{137EC04B-B87B-2CAA-280A-6A624A3469AA}"/>
+              </a:ext>
+            </a:extLst>
+          </p:cNvPr>
+          <p:cNvSpPr>
+            <a:spLocks noGrp="1"/>
+          </p:cNvSpPr>
+          <p:nvPr>
+            <p:ph type="title"/>
+          </p:nvPr>
+        </p:nvSpPr>
+        <p:spPr>
+          <a:xfrm>
+            <a:off x="711804" y="1711464"/>
+            <a:ext cx="5793851" cy="2625114"/>
+          </a:xfrm>
+        </p:spPr>
+        <p:txBody>
+          <a:bodyPr anchor="b">
+            <a:normAutofit/>
+          </a:bodyPr>
+          <a:lstStyle/>
+          <a:p>
+            <a:pPr algn="ctr"/>
+            <a:r>
+              <a:rPr lang="en-US" sz="5400">
+                <a:ea typeface="Meiryo"/>
+              </a:rPr>
+              <a:t>Thank You </a:t>
+            </a:r>
+          </a:p>
+        </p:txBody>
+      </p:sp>
+    </p:spTree>
+    <p:extLst>
+      <p:ext uri="{BB962C8B-B14F-4D97-AF65-F5344CB8AC3E}">
+        <p14:creationId xmlns:p14="http://schemas.microsoft.com/office/powerpoint/2010/main" val="3177225416"/>
       </p:ext>
     </p:extLst>
   </p:cSld>
@@ -7507,7 +10186,7 @@
           <a:lstStyle/>
           <a:p>
             <a:r>
-              <a:rPr lang="en-US" dirty="0"/>
+              <a:rPr lang="en-US"/>
               <a:t>COMP 170 – Final Project Presentation</a:t>
             </a:r>
           </a:p>
@@ -7531,21 +10210,24 @@
         </p:nvSpPr>
         <p:spPr/>
         <p:txBody>
-          <a:bodyPr>
+          <a:bodyPr vert="horz" lIns="109728" tIns="109728" rIns="109728" bIns="91440" rtlCol="0" anchor="t">
             <a:normAutofit/>
           </a:bodyPr>
           <a:lstStyle/>
           <a:p>
             <a:r>
-              <a:rPr lang="en-US" sz="2400" dirty="0"/>
+              <a:rPr lang="en-US" sz="2400"/>
               <a:t>Team Name: Team 3</a:t>
             </a:r>
           </a:p>
           <a:p>
             <a:r>
-              <a:rPr lang="en-US" sz="2400" dirty="0"/>
+              <a:rPr lang="en-US" sz="2400"/>
               <a:t>Team Members:</a:t>
             </a:r>
+            <a:endParaRPr lang="en-US" sz="2400">
+              <a:ea typeface="Meiryo"/>
+            </a:endParaRPr>
           </a:p>
           <a:p>
             <a:pPr marL="285750" indent="-285750">
@@ -7553,17 +10235,20 @@
               <a:buChar char="•"/>
             </a:pPr>
             <a:r>
-              <a:rPr lang="en-US" sz="2400" dirty="0"/>
+              <a:rPr lang="en-US" sz="2400"/>
               <a:t>Alberta </a:t>
             </a:r>
             <a:r>
-              <a:rPr lang="en-US" sz="2400" dirty="0" err="1"/>
+              <a:rPr lang="en-US" sz="2400" err="1"/>
               <a:t>Ayitey</a:t>
             </a:r>
             <a:r>
-              <a:rPr lang="en-US" sz="2400" dirty="0"/>
-              <a:t>-</a:t>
+              <a:rPr lang="en-US" sz="2400"/>
+              <a:t>- Database Collection </a:t>
             </a:r>
+            <a:endParaRPr lang="en-US" sz="2400">
+              <a:ea typeface="Meiryo"/>
+            </a:endParaRPr>
           </a:p>
           <a:p>
             <a:pPr marL="285750" indent="-285750">
@@ -7571,9 +10256,12 @@
               <a:buChar char="•"/>
             </a:pPr>
             <a:r>
-              <a:rPr lang="en-US" sz="2400" dirty="0"/>
-              <a:t>Jeremiah Lateef-</a:t>
+              <a:rPr lang="en-US" sz="2400"/>
+              <a:t>Jeremiah Lateef- Program Structure</a:t>
             </a:r>
+            <a:endParaRPr lang="en-US" sz="2400">
+              <a:ea typeface="Meiryo"/>
+            </a:endParaRPr>
           </a:p>
           <a:p>
             <a:pPr marL="285750" indent="-285750">
@@ -7581,9 +10269,12 @@
               <a:buChar char="•"/>
             </a:pPr>
             <a:r>
-              <a:rPr lang="en-US" sz="2400" dirty="0"/>
-              <a:t>Shwetha Vaidyanathan-</a:t>
+              <a:rPr lang="en-US" sz="2400"/>
+              <a:t>Shwetha Vaidyanathan- Content/Design</a:t>
             </a:r>
+            <a:endParaRPr lang="en-US" sz="2400">
+              <a:ea typeface="Meiryo"/>
+            </a:endParaRPr>
           </a:p>
         </p:txBody>
       </p:sp>
@@ -7597,6 +10288,11 @@
   <p:clrMapOvr>
     <a:masterClrMapping/>
   </p:clrMapOvr>
+  <p:extLst>
+    <p:ext uri="{6950BFC3-D8DA-4A85-94F7-54DA5524770B}">
+      <p188:commentRel xmlns:p188="http://schemas.microsoft.com/office/powerpoint/2018/8/main" r:id="rId2"/>
+    </p:ext>
+  </p:extLst>
 </p:sld>
 </file>
 
@@ -7639,10 +10335,10 @@
           <a:lstStyle/>
           <a:p>
             <a:r>
-              <a:rPr lang="en-IN" dirty="0"/>
+              <a:rPr lang="en-IN"/>
               <a:t>Final Project Overall Idea</a:t>
             </a:r>
-            <a:endParaRPr lang="en-US" dirty="0"/>
+            <a:endParaRPr lang="en-US"/>
           </a:p>
         </p:txBody>
       </p:sp>
@@ -7664,7 +10360,7 @@
         </p:nvSpPr>
         <p:spPr/>
         <p:txBody>
-          <a:bodyPr>
+          <a:bodyPr vert="horz" lIns="109728" tIns="109728" rIns="109728" bIns="91440" rtlCol="0" anchor="t">
             <a:normAutofit lnSpcReduction="10000"/>
           </a:bodyPr>
           <a:lstStyle/>
@@ -7674,7 +10370,7 @@
               <a:buChar char="§"/>
             </a:pPr>
             <a:r>
-              <a:rPr lang="en-IN" dirty="0"/>
+              <a:rPr lang="en-IN"/>
               <a:t>Name of the Project: Multicultural Menu</a:t>
             </a:r>
           </a:p>
@@ -7684,16 +10380,19 @@
               <a:buChar char="§"/>
             </a:pPr>
             <a:r>
-              <a:rPr lang="en-IN" dirty="0"/>
+              <a:rPr lang="en-IN"/>
               <a:t>How the Project works:</a:t>
             </a:r>
+            <a:endParaRPr lang="en-IN">
+              <a:ea typeface="Meiryo"/>
+            </a:endParaRPr>
           </a:p>
           <a:p>
             <a:r>
-              <a:rPr lang="en-IN" dirty="0"/>
-              <a:t>This project aims to present a personalized menu with dishes from Asia, Africa, Caribbean and Europe. The user will interact with the program by answering questions to understand their choice of region, dietary preference, and allergies if any. The program will then provide an itemized list of menu items. The program was made to celebrate the diversity of food across the world, and provide knowledge on various dishes. </a:t>
+              <a:rPr lang="en-IN"/>
+              <a:t>This project aims to present a personalized menu with dishes from Asia, Africa, the Caribbean, and Europe. The user will interact with the program by answering questions to understand their choice of region, dietary preference, and allergies, if any. The program will then provide an itemized list of menu items. The program was made to celebrate the diversity of food across the world and provide knowledge on various dishes. </a:t>
             </a:r>
-            <a:endParaRPr lang="en-US" dirty="0"/>
+            <a:endParaRPr lang="en-US"/>
           </a:p>
         </p:txBody>
       </p:sp>
@@ -7749,10 +10448,10 @@
           <a:lstStyle/>
           <a:p>
             <a:r>
-              <a:rPr lang="en-US" sz="3200" dirty="0"/>
+              <a:rPr lang="en-US" sz="3200"/>
               <a:t>Overall Organization</a:t>
             </a:r>
-            <a:endParaRPr lang="en-US" dirty="0"/>
+            <a:endParaRPr lang="en-US"/>
           </a:p>
         </p:txBody>
       </p:sp>
@@ -7774,45 +10473,65 @@
         </p:nvSpPr>
         <p:spPr/>
         <p:txBody>
-          <a:bodyPr>
-            <a:normAutofit fontScale="85000" lnSpcReduction="10000"/>
+          <a:bodyPr vert="horz" lIns="109728" tIns="109728" rIns="109728" bIns="91440" rtlCol="0" anchor="t">
+            <a:normAutofit fontScale="85000" lnSpcReduction="20000"/>
           </a:bodyPr>
           <a:lstStyle/>
           <a:p>
             <a:r>
-              <a:rPr lang="en-US" dirty="0"/>
+              <a:rPr lang="en-US" b="1"/>
               <a:t>Class/program structure-</a:t>
             </a:r>
+            <a:endParaRPr lang="en-US" b="1">
+              <a:ea typeface="Meiryo"/>
+            </a:endParaRPr>
           </a:p>
           <a:p>
             <a:r>
-              <a:rPr lang="en-US" dirty="0"/>
+              <a:rPr lang="en-US"/>
               <a:t>There is one main java file, along with other text files and a JSON File.</a:t>
             </a:r>
           </a:p>
           <a:p>
             <a:r>
-              <a:rPr lang="en-US" dirty="0"/>
+              <a:rPr lang="en-US" b="1"/>
               <a:t>What do they do-</a:t>
             </a:r>
+            <a:endParaRPr lang="en-US" b="1">
+              <a:ea typeface="Meiryo"/>
+            </a:endParaRPr>
           </a:p>
           <a:p>
             <a:r>
-              <a:rPr lang="en-US" dirty="0"/>
+              <a:rPr lang="en-US"/>
               <a:t>The JSON File has the arrays of all the menu items grouped based on the region, dietary preference, and allergies. The main java file will extract the content from this file. There are five methods in the main program.</a:t>
             </a:r>
           </a:p>
           <a:p>
             <a:r>
-              <a:rPr lang="en-US" dirty="0"/>
+              <a:rPr lang="en-US" b="1"/>
               <a:t>Any Project text files and how they’re used-</a:t>
             </a:r>
+            <a:endParaRPr lang="en-US" b="1">
+              <a:ea typeface="Meiryo"/>
+            </a:endParaRPr>
           </a:p>
           <a:p>
             <a:r>
-              <a:rPr lang="en-US" dirty="0"/>
-              <a:t>There are five text files which contain content for the various questions, and statements. </a:t>
+              <a:rPr lang="en-US"/>
+              <a:t>There are four text files which contain content for the various questions, and statements. We created a </a:t>
             </a:r>
+            <a:r>
+              <a:rPr lang="en-US" err="1"/>
+              <a:t>Github</a:t>
+            </a:r>
+            <a:r>
+              <a:rPr lang="en-US"/>
+              <a:t> repository, and hosted all our files there, this made editing and working on the file much easier. </a:t>
+            </a:r>
+            <a:endParaRPr lang="en-US">
+              <a:ea typeface="Meiryo"/>
+            </a:endParaRPr>
           </a:p>
         </p:txBody>
       </p:sp>
@@ -7868,10 +10587,10 @@
           <a:lstStyle/>
           <a:p>
             <a:r>
-              <a:rPr lang="en-US" sz="3200" dirty="0"/>
+              <a:rPr lang="en-US" sz="3200"/>
               <a:t>Project Testing</a:t>
             </a:r>
-            <a:endParaRPr lang="en-US" dirty="0"/>
+            <a:endParaRPr lang="en-US"/>
           </a:p>
         </p:txBody>
       </p:sp>
@@ -7893,45 +10612,57 @@
         </p:nvSpPr>
         <p:spPr/>
         <p:txBody>
-          <a:bodyPr>
-            <a:normAutofit lnSpcReduction="10000"/>
+          <a:bodyPr vert="horz" lIns="109728" tIns="109728" rIns="109728" bIns="91440" rtlCol="0" anchor="t">
+            <a:normAutofit fontScale="85000" lnSpcReduction="10000"/>
           </a:bodyPr>
           <a:lstStyle/>
           <a:p>
             <a:r>
-              <a:rPr lang="en-US" dirty="0"/>
+              <a:rPr lang="en-US" b="1"/>
               <a:t>How did you test your Project?</a:t>
             </a:r>
+            <a:endParaRPr lang="en-US" b="1">
+              <a:ea typeface="Meiryo"/>
+            </a:endParaRPr>
           </a:p>
           <a:p>
             <a:r>
-              <a:rPr lang="en-US" dirty="0"/>
+              <a:rPr lang="en-US"/>
               <a:t>We tested the project by ourselves, and then got feedback from family and friends, to gauge if the various questions resonated with them. </a:t>
             </a:r>
           </a:p>
           <a:p>
             <a:r>
-              <a:rPr lang="en-US" dirty="0"/>
+              <a:rPr lang="en-US" b="1"/>
               <a:t>What kinds of tests did you run?</a:t>
             </a:r>
+            <a:endParaRPr lang="en-US" b="1">
+              <a:ea typeface="Meiryo"/>
+            </a:endParaRPr>
           </a:p>
           <a:p>
             <a:r>
-              <a:rPr lang="en-US" dirty="0"/>
-              <a:t>The very first test we ran after writing out the methods was to prepare for the contingencies when the user </a:t>
+              <a:rPr lang="en-US"/>
+              <a:t>The very first test we ran after writing out the methods was to prepare for the contingencies if the user does not provide a response. The second test we did was to ensure that the user only picks among the predefined values.</a:t>
             </a:r>
+            <a:endParaRPr lang="en-US">
+              <a:ea typeface="Meiryo"/>
+            </a:endParaRPr>
           </a:p>
           <a:p>
             <a:r>
-              <a:rPr lang="en-US" dirty="0"/>
+              <a:rPr lang="en-US" b="1"/>
               <a:t>Who was responsible for what aspects of Project testing?</a:t>
             </a:r>
-          </a:p>
-          <a:p>
-            <a:endParaRPr lang="en-US" dirty="0"/>
-          </a:p>
-          <a:p>
-            <a:endParaRPr lang="en-US" dirty="0"/>
+            <a:endParaRPr lang="en-US" b="1">
+              <a:ea typeface="Meiryo"/>
+            </a:endParaRPr>
+          </a:p>
+          <a:p>
+            <a:endParaRPr lang="en-US"/>
+          </a:p>
+          <a:p>
+            <a:endParaRPr lang="en-US"/>
           </a:p>
         </p:txBody>
       </p:sp>
@@ -7945,6 +10676,11 @@
   <p:clrMapOvr>
     <a:masterClrMapping/>
   </p:clrMapOvr>
+  <p:extLst>
+    <p:ext uri="{6950BFC3-D8DA-4A85-94F7-54DA5524770B}">
+      <p188:commentRel xmlns:p188="http://schemas.microsoft.com/office/powerpoint/2018/8/main" r:id="rId2"/>
+    </p:ext>
+  </p:extLst>
 </p:sld>
 </file>
 
@@ -7987,10 +10723,10 @@
           <a:lstStyle/>
           <a:p>
             <a:r>
-              <a:rPr lang="en-US" sz="3200" dirty="0"/>
+              <a:rPr lang="en-US" sz="3200"/>
               <a:t>Learning Beyond Class</a:t>
             </a:r>
-            <a:endParaRPr lang="en-US" dirty="0"/>
+            <a:endParaRPr lang="en-US"/>
           </a:p>
         </p:txBody>
       </p:sp>
@@ -8012,18 +10748,63 @@
         </p:nvSpPr>
         <p:spPr/>
         <p:txBody>
-          <a:bodyPr/>
+          <a:bodyPr vert="horz" lIns="109728" tIns="109728" rIns="109728" bIns="91440" rtlCol="0" anchor="t">
+            <a:normAutofit fontScale="85000" lnSpcReduction="10000"/>
+          </a:bodyPr>
           <a:lstStyle/>
           <a:p>
+            <a:pPr marL="285750" indent="-285750">
+              <a:buFont typeface="Arial" panose="020B0503020204020204" pitchFamily="34" charset="0"/>
+              <a:buChar char="•"/>
+            </a:pPr>
             <a:r>
-              <a:rPr lang="en-US" dirty="0"/>
-              <a:t>We learnt to use JSON, especially in terms of adding the data there, and extracting it to the main Java program. </a:t>
+              <a:rPr lang="en-US"/>
+              <a:t>We learnt to use JSON, especially in terms of adding the data there, and extracting it to the main Java program. We used </a:t>
             </a:r>
             <a:r>
-              <a:rPr lang="en-US"/>
-              <a:t>We used </a:t>
+              <a:rPr lang="en-US">
+                <a:ea typeface="+mn-lt"/>
+                <a:cs typeface="+mn-lt"/>
+              </a:rPr>
+              <a:t>JSON-simple library  to decode all the data from the JSON Array. </a:t>
             </a:r>
-            <a:endParaRPr lang="en-US" dirty="0"/>
+            <a:endParaRPr lang="en-US">
+              <a:ea typeface="Meiryo"/>
+            </a:endParaRPr>
+          </a:p>
+          <a:p>
+            <a:pPr marL="285750" indent="-285750">
+              <a:buFont typeface="Arial" panose="020B0503020204020204" pitchFamily="34" charset="0"/>
+              <a:buChar char="•"/>
+            </a:pPr>
+            <a:r>
+              <a:rPr lang="en-US">
+                <a:ea typeface="+mn-lt"/>
+                <a:cs typeface="+mn-lt"/>
+              </a:rPr>
+              <a:t>This was very difficult to work out, when Dr. Yacobellis sent us a link which gave Jeremiah the means to complete the code by linking it to the array. We also became better at understanding and collecting data from various resources. Since our project has a strong inter-cultural element, we were able to learn more about each other's cultures and cuisines.</a:t>
+            </a:r>
+          </a:p>
+          <a:p>
+            <a:pPr marL="285750" indent="-285750">
+              <a:buFont typeface="Arial" panose="020B0503020204020204" pitchFamily="34" charset="0"/>
+              <a:buChar char="•"/>
+            </a:pPr>
+            <a:r>
+              <a:rPr lang="en-US">
+                <a:ea typeface="Meiryo"/>
+              </a:rPr>
+              <a:t>We also learnt how to use the ternary operator in place of an if/else statement. </a:t>
+            </a:r>
+          </a:p>
+          <a:p>
+            <a:pPr marL="285750" indent="-285750">
+              <a:buFont typeface="Arial" panose="020B0503020204020204" pitchFamily="34" charset="0"/>
+              <a:buChar char="•"/>
+            </a:pPr>
+            <a:endParaRPr lang="en-US">
+              <a:ea typeface="Meiryo"/>
+            </a:endParaRPr>
           </a:p>
         </p:txBody>
       </p:sp>
@@ -8081,10 +10862,10 @@
           <a:lstStyle/>
           <a:p>
             <a:r>
-              <a:rPr lang="en-US" sz="3200" dirty="0"/>
+              <a:rPr lang="en-US" sz="3200"/>
               <a:t>Biggest Challenges</a:t>
             </a:r>
-            <a:endParaRPr lang="en-US" dirty="0"/>
+            <a:endParaRPr lang="en-US"/>
           </a:p>
         </p:txBody>
       </p:sp>
@@ -8106,10 +10887,55 @@
         </p:nvSpPr>
         <p:spPr/>
         <p:txBody>
-          <a:bodyPr/>
+          <a:bodyPr vert="horz" lIns="109728" tIns="109728" rIns="109728" bIns="91440" rtlCol="0" anchor="t">
+            <a:normAutofit/>
+          </a:bodyPr>
           <a:lstStyle/>
           <a:p>
-            <a:endParaRPr lang="en-US" dirty="0"/>
+            <a:pPr marL="285750" indent="-285750">
+              <a:buFont typeface="Arial" panose="020B0503020204020204" pitchFamily="34" charset="0"/>
+              <a:buChar char="•"/>
+            </a:pPr>
+            <a:r>
+              <a:rPr lang="en-US" sz="1200">
+                <a:ea typeface="Meiryo"/>
+              </a:rPr>
+              <a:t>The first challenge was choosing the database we could use to store our files. We focused on access and readability. We eventually decided to use JSON because Jeremiah had a prior experience in JavaScript and how to structure a JSON database.</a:t>
+            </a:r>
+          </a:p>
+          <a:p>
+            <a:pPr marL="285750" indent="-285750">
+              <a:buFont typeface="Arial" panose="020B0503020204020204" pitchFamily="34" charset="0"/>
+              <a:buChar char="•"/>
+            </a:pPr>
+            <a:r>
+              <a:rPr lang="en-US" sz="1200">
+                <a:ea typeface="Meiryo"/>
+              </a:rPr>
+              <a:t>The</a:t>
+            </a:r>
+            <a:r>
+              <a:rPr lang="en-US" sz="1200">
+                <a:ea typeface="+mn-lt"/>
+                <a:cs typeface="+mn-lt"/>
+              </a:rPr>
+              <a:t> biggest challenge was decoding and extracting the data from the JSON array. We tried to use Stream API at first because that was the first option, we saw on YouTube, but it was too complicated to learn within a short time. After inquiring from Prof. Yacobellis, the JSON-simple library was recommended to us. We tried it out and after several attempts, we were able to decode the menus from the file.</a:t>
+            </a:r>
+            <a:endParaRPr lang="en-US" sz="1200">
+              <a:ea typeface="Meiryo"/>
+            </a:endParaRPr>
+          </a:p>
+          <a:p>
+            <a:pPr marL="285750" indent="-285750">
+              <a:buFont typeface="Arial" panose="020B0503020204020204" pitchFamily="34" charset="0"/>
+              <a:buChar char="•"/>
+            </a:pPr>
+            <a:r>
+              <a:rPr lang="en-US" sz="1200">
+                <a:ea typeface="Meiryo"/>
+              </a:rPr>
+              <a:t>When we started gathering data, we had to learn to collate, and format the data respecting the culture it has emerged from. As recipes can be changed based on preference, we decided to stick to the traditional mode of the recipe. </a:t>
+            </a:r>
           </a:p>
         </p:txBody>
       </p:sp>
@@ -8123,6 +10949,11 @@
   <p:clrMapOvr>
     <a:masterClrMapping/>
   </p:clrMapOvr>
+  <p:extLst>
+    <p:ext uri="{6950BFC3-D8DA-4A85-94F7-54DA5524770B}">
+      <p188:commentRel xmlns:p188="http://schemas.microsoft.com/office/powerpoint/2018/8/main" r:id="rId2"/>
+    </p:ext>
+  </p:extLst>
 </p:sld>
 </file>
 
@@ -8165,7 +10996,7 @@
           <a:lstStyle/>
           <a:p>
             <a:r>
-              <a:rPr lang="en-US" dirty="0"/>
+              <a:rPr lang="en-US"/>
               <a:t>Project Demo</a:t>
             </a:r>
           </a:p>
@@ -8189,10 +11020,85 @@
         </p:nvSpPr>
         <p:spPr/>
         <p:txBody>
-          <a:bodyPr/>
+          <a:bodyPr vert="horz" lIns="109728" tIns="109728" rIns="109728" bIns="91440" rtlCol="0" anchor="t">
+            <a:normAutofit/>
+          </a:bodyPr>
           <a:lstStyle/>
           <a:p>
+            <a:pPr marL="285750" indent="-285750">
+              <a:buFont typeface="Arial" panose="020B0503020204020204" pitchFamily="34" charset="0"/>
+              <a:buChar char="•"/>
+            </a:pPr>
+            <a:endParaRPr lang="en-US" sz="1200">
+              <a:solidFill>
+                <a:srgbClr val="374151"/>
+              </a:solidFill>
+              <a:ea typeface="+mn-lt"/>
+              <a:cs typeface="+mn-lt"/>
+            </a:endParaRPr>
+          </a:p>
+          <a:p>
+            <a:r>
+              <a:rPr lang="en-US">
+                <a:ea typeface="Meiryo"/>
+              </a:rPr>
+              <a:t>Multicultural Menu allows users to explore various dishes from Europe, Asia, Africa, and Caribbean. Users will be able to get a personalized list of dishes. The project has the following functionalities-</a:t>
+            </a:r>
+          </a:p>
+          <a:p>
+            <a:pPr marL="285750" indent="-285750">
+              <a:buFont typeface="Arial" panose="020B0503020204020204" pitchFamily="34" charset="0"/>
+              <a:buChar char="•"/>
+            </a:pPr>
+            <a:r>
+              <a:rPr lang="en-US">
+                <a:ea typeface="Meiryo"/>
+              </a:rPr>
+              <a:t>Menu Exploration</a:t>
+            </a:r>
             <a:endParaRPr lang="en-US"/>
+          </a:p>
+          <a:p>
+            <a:pPr marL="285750" indent="-285750">
+              <a:buFont typeface="Arial" panose="020B0503020204020204" pitchFamily="34" charset="0"/>
+              <a:buChar char="•"/>
+            </a:pPr>
+            <a:r>
+              <a:rPr lang="en-US">
+                <a:ea typeface="Meiryo"/>
+              </a:rPr>
+              <a:t>Information on the dishes</a:t>
+            </a:r>
+          </a:p>
+          <a:p>
+            <a:pPr marL="285750" indent="-285750">
+              <a:buFont typeface="Arial" panose="020B0503020204020204" pitchFamily="34" charset="0"/>
+              <a:buChar char="•"/>
+            </a:pPr>
+            <a:endParaRPr lang="en-US">
+              <a:ea typeface="Meiryo"/>
+            </a:endParaRPr>
+          </a:p>
+          <a:p>
+            <a:pPr marL="285750" indent="-285750">
+              <a:buFont typeface="Arial" panose="020B0503020204020204" pitchFamily="34" charset="0"/>
+              <a:buChar char="•"/>
+            </a:pPr>
+            <a:endParaRPr lang="en-US">
+              <a:solidFill>
+                <a:srgbClr val="404040"/>
+              </a:solidFill>
+              <a:ea typeface="Meiryo"/>
+            </a:endParaRPr>
+          </a:p>
+          <a:p>
+            <a:pPr marL="285750" indent="-285750">
+              <a:buFont typeface="Arial" panose="020B0503020204020204" pitchFamily="34" charset="0"/>
+              <a:buChar char="•"/>
+            </a:pPr>
+            <a:endParaRPr lang="en-US">
+              <a:ea typeface="Meiryo"/>
+            </a:endParaRPr>
           </a:p>
         </p:txBody>
       </p:sp>
@@ -8200,6 +11106,869 @@
     <p:extLst>
       <p:ext uri="{BB962C8B-B14F-4D97-AF65-F5344CB8AC3E}">
         <p14:creationId xmlns:p14="http://schemas.microsoft.com/office/powerpoint/2010/main" val="1354100101"/>
+      </p:ext>
+    </p:extLst>
+  </p:cSld>
+  <p:clrMapOvr>
+    <a:masterClrMapping/>
+  </p:clrMapOvr>
+</p:sld>
+</file>
+
+<file path=ppt/slides/slide9.xml><?xml version="1.0" encoding="utf-8"?>
+<p:sld xmlns:a="http://schemas.openxmlformats.org/drawingml/2006/main" xmlns:r="http://schemas.openxmlformats.org/officeDocument/2006/relationships" xmlns:p="http://schemas.openxmlformats.org/presentationml/2006/main">
+  <p:cSld>
+    <p:bg>
+      <p:bgPr>
+        <a:solidFill>
+          <a:schemeClr val="bg2"/>
+        </a:solidFill>
+        <a:effectLst/>
+      </p:bgPr>
+    </p:bg>
+    <p:spTree>
+      <p:nvGrpSpPr>
+        <p:cNvPr id="1" name=""/>
+        <p:cNvGrpSpPr/>
+        <p:nvPr/>
+      </p:nvGrpSpPr>
+      <p:grpSpPr>
+        <a:xfrm>
+          <a:off x="0" y="0"/>
+          <a:ext cx="0" cy="0"/>
+          <a:chOff x="0" y="0"/>
+          <a:chExt cx="0" cy="0"/>
+        </a:xfrm>
+      </p:grpSpPr>
+      <p:sp useBgFill="1">
+        <p:nvSpPr>
+          <p:cNvPr id="60" name="Rectangle 59">
+            <a:extLst>
+              <a:ext uri="{FF2B5EF4-FFF2-40B4-BE49-F238E27FC236}">
+                <a16:creationId xmlns:a16="http://schemas.microsoft.com/office/drawing/2014/main" id="{8181FC64-B306-4821-98E2-780662EFC486}"/>
+              </a:ext>
+              <a:ext uri="{C183D7F6-B498-43B3-948B-1728B52AA6E4}">
+                <adec:decorative xmlns:adec="http://schemas.microsoft.com/office/drawing/2017/decorative" val="1"/>
+              </a:ext>
+            </a:extLst>
+          </p:cNvPr>
+          <p:cNvSpPr>
+            <a:spLocks noGrp="1" noRot="1" noChangeAspect="1" noMove="1" noResize="1" noEditPoints="1" noAdjustHandles="1" noChangeArrowheads="1" noChangeShapeType="1" noTextEdit="1"/>
+          </p:cNvSpPr>
+          <p:nvPr>
+            <p:extLst>
+              <p:ext uri="{386F3935-93C4-4BCD-93E2-E3B085C9AB24}">
+                <p16:designElem xmlns:p16="http://schemas.microsoft.com/office/powerpoint/2015/main" val="1"/>
+              </p:ext>
+            </p:extLst>
+          </p:nvPr>
+        </p:nvSpPr>
+        <p:spPr>
+          <a:xfrm>
+            <a:off x="305" y="0"/>
+            <a:ext cx="12191695" cy="6858000"/>
+          </a:xfrm>
+          <a:prstGeom prst="rect">
+            <a:avLst/>
+          </a:prstGeom>
+          <a:ln>
+            <a:noFill/>
+          </a:ln>
+        </p:spPr>
+        <p:style>
+          <a:lnRef idx="2">
+            <a:schemeClr val="accent1">
+              <a:shade val="50000"/>
+            </a:schemeClr>
+          </a:lnRef>
+          <a:fillRef idx="1">
+            <a:schemeClr val="accent1"/>
+          </a:fillRef>
+          <a:effectRef idx="0">
+            <a:schemeClr val="accent1"/>
+          </a:effectRef>
+          <a:fontRef idx="minor">
+            <a:schemeClr val="lt1"/>
+          </a:fontRef>
+        </p:style>
+        <p:txBody>
+          <a:bodyPr rtlCol="0" anchor="ctr"/>
+          <a:lstStyle/>
+          <a:p>
+            <a:pPr marL="0" marR="0" lvl="0" indent="0" algn="ctr" defTabSz="457200" rtl="0" eaLnBrk="1" fontAlgn="auto" latinLnBrk="0" hangingPunct="1">
+              <a:lnSpc>
+                <a:spcPct val="100000"/>
+              </a:lnSpc>
+              <a:spcBef>
+                <a:spcPts val="0"/>
+              </a:spcBef>
+              <a:spcAft>
+                <a:spcPts val="0"/>
+              </a:spcAft>
+              <a:buClrTx/>
+              <a:buSzTx/>
+              <a:buFontTx/>
+              <a:buNone/>
+              <a:tabLst/>
+              <a:defRPr/>
+            </a:pPr>
+            <a:endParaRPr kumimoji="0" lang="en-US" sz="1800" b="0" i="0" u="none" strike="noStrike" kern="1200" cap="none" spc="0" normalizeH="0" baseline="0" noProof="0">
+              <a:ln>
+                <a:noFill/>
+              </a:ln>
+              <a:solidFill>
+                <a:prstClr val="white"/>
+              </a:solidFill>
+              <a:effectLst/>
+              <a:uLnTx/>
+              <a:uFillTx/>
+              <a:latin typeface="Meiryo"/>
+              <a:ea typeface="+mn-ea"/>
+              <a:cs typeface="+mn-cs"/>
+            </a:endParaRPr>
+          </a:p>
+        </p:txBody>
+      </p:sp>
+      <p:sp>
+        <p:nvSpPr>
+          <p:cNvPr id="62" name="Freeform: Shape 61">
+            <a:extLst>
+              <a:ext uri="{FF2B5EF4-FFF2-40B4-BE49-F238E27FC236}">
+                <a16:creationId xmlns:a16="http://schemas.microsoft.com/office/drawing/2014/main" id="{BC0385E9-02B2-4941-889A-EAD43F5BB0A3}"/>
+              </a:ext>
+              <a:ext uri="{C183D7F6-B498-43B3-948B-1728B52AA6E4}">
+                <adec:decorative xmlns:adec="http://schemas.microsoft.com/office/drawing/2017/decorative" val="1"/>
+              </a:ext>
+            </a:extLst>
+          </p:cNvPr>
+          <p:cNvSpPr>
+            <a:spLocks noGrp="1" noRot="1" noChangeAspect="1" noMove="1" noResize="1" noEditPoints="1" noAdjustHandles="1" noChangeArrowheads="1" noChangeShapeType="1" noTextEdit="1"/>
+          </p:cNvSpPr>
+          <p:nvPr>
+            <p:extLst>
+              <p:ext uri="{386F3935-93C4-4BCD-93E2-E3B085C9AB24}">
+                <p16:designElem xmlns:p16="http://schemas.microsoft.com/office/powerpoint/2015/main" val="1"/>
+              </p:ext>
+            </p:extLst>
+          </p:nvPr>
+        </p:nvSpPr>
+        <p:spPr>
+          <a:xfrm flipH="1">
+            <a:off x="6736139" y="0"/>
+            <a:ext cx="5455860" cy="6858000"/>
+          </a:xfrm>
+          <a:custGeom>
+            <a:avLst/>
+            <a:gdLst>
+              <a:gd name="connsiteX0" fmla="*/ 3832837 w 5455860"/>
+              <a:gd name="connsiteY0" fmla="*/ 0 h 6858000"/>
+              <a:gd name="connsiteX1" fmla="*/ 2739604 w 5455860"/>
+              <a:gd name="connsiteY1" fmla="*/ 0 h 6858000"/>
+              <a:gd name="connsiteX2" fmla="*/ 1959438 w 5455860"/>
+              <a:gd name="connsiteY2" fmla="*/ 0 h 6858000"/>
+              <a:gd name="connsiteX3" fmla="*/ 1895061 w 5455860"/>
+              <a:gd name="connsiteY3" fmla="*/ 0 h 6858000"/>
+              <a:gd name="connsiteX4" fmla="*/ 249909 w 5455860"/>
+              <a:gd name="connsiteY4" fmla="*/ 0 h 6858000"/>
+              <a:gd name="connsiteX5" fmla="*/ 0 w 5455860"/>
+              <a:gd name="connsiteY5" fmla="*/ 0 h 6858000"/>
+              <a:gd name="connsiteX6" fmla="*/ 0 w 5455860"/>
+              <a:gd name="connsiteY6" fmla="*/ 6858000 h 6858000"/>
+              <a:gd name="connsiteX7" fmla="*/ 249909 w 5455860"/>
+              <a:gd name="connsiteY7" fmla="*/ 6858000 h 6858000"/>
+              <a:gd name="connsiteX8" fmla="*/ 1895061 w 5455860"/>
+              <a:gd name="connsiteY8" fmla="*/ 6858000 h 6858000"/>
+              <a:gd name="connsiteX9" fmla="*/ 1959438 w 5455860"/>
+              <a:gd name="connsiteY9" fmla="*/ 6858000 h 6858000"/>
+              <a:gd name="connsiteX10" fmla="*/ 2739604 w 5455860"/>
+              <a:gd name="connsiteY10" fmla="*/ 6858000 h 6858000"/>
+              <a:gd name="connsiteX11" fmla="*/ 2953106 w 5455860"/>
+              <a:gd name="connsiteY11" fmla="*/ 6858000 h 6858000"/>
+              <a:gd name="connsiteX12" fmla="*/ 3064862 w 5455860"/>
+              <a:gd name="connsiteY12" fmla="*/ 6780599 h 6858000"/>
+              <a:gd name="connsiteX13" fmla="*/ 3581510 w 5455860"/>
+              <a:gd name="connsiteY13" fmla="*/ 6374814 h 6858000"/>
+              <a:gd name="connsiteX14" fmla="*/ 5455860 w 5455860"/>
+              <a:gd name="connsiteY14" fmla="*/ 3621656 h 6858000"/>
+              <a:gd name="connsiteX15" fmla="*/ 3854961 w 5455860"/>
+              <a:gd name="connsiteY15" fmla="*/ 14997 h 6858000"/>
+            </a:gdLst>
+            <a:ahLst/>
+            <a:cxnLst>
+              <a:cxn ang="0">
+                <a:pos x="connsiteX0" y="connsiteY0"/>
+              </a:cxn>
+              <a:cxn ang="0">
+                <a:pos x="connsiteX1" y="connsiteY1"/>
+              </a:cxn>
+              <a:cxn ang="0">
+                <a:pos x="connsiteX2" y="connsiteY2"/>
+              </a:cxn>
+              <a:cxn ang="0">
+                <a:pos x="connsiteX3" y="connsiteY3"/>
+              </a:cxn>
+              <a:cxn ang="0">
+                <a:pos x="connsiteX4" y="connsiteY4"/>
+              </a:cxn>
+              <a:cxn ang="0">
+                <a:pos x="connsiteX5" y="connsiteY5"/>
+              </a:cxn>
+              <a:cxn ang="0">
+                <a:pos x="connsiteX6" y="connsiteY6"/>
+              </a:cxn>
+              <a:cxn ang="0">
+                <a:pos x="connsiteX7" y="connsiteY7"/>
+              </a:cxn>
+              <a:cxn ang="0">
+                <a:pos x="connsiteX8" y="connsiteY8"/>
+              </a:cxn>
+              <a:cxn ang="0">
+                <a:pos x="connsiteX9" y="connsiteY9"/>
+              </a:cxn>
+              <a:cxn ang="0">
+                <a:pos x="connsiteX10" y="connsiteY10"/>
+              </a:cxn>
+              <a:cxn ang="0">
+                <a:pos x="connsiteX11" y="connsiteY11"/>
+              </a:cxn>
+              <a:cxn ang="0">
+                <a:pos x="connsiteX12" y="connsiteY12"/>
+              </a:cxn>
+              <a:cxn ang="0">
+                <a:pos x="connsiteX13" y="connsiteY13"/>
+              </a:cxn>
+              <a:cxn ang="0">
+                <a:pos x="connsiteX14" y="connsiteY14"/>
+              </a:cxn>
+              <a:cxn ang="0">
+                <a:pos x="connsiteX15" y="connsiteY15"/>
+              </a:cxn>
+            </a:cxnLst>
+            <a:rect l="l" t="t" r="r" b="b"/>
+            <a:pathLst>
+              <a:path w="5455860" h="6858000">
+                <a:moveTo>
+                  <a:pt x="3832837" y="0"/>
+                </a:moveTo>
+                <a:lnTo>
+                  <a:pt x="2739604" y="0"/>
+                </a:lnTo>
+                <a:lnTo>
+                  <a:pt x="1959438" y="0"/>
+                </a:lnTo>
+                <a:lnTo>
+                  <a:pt x="1895061" y="0"/>
+                </a:lnTo>
+                <a:lnTo>
+                  <a:pt x="249909" y="0"/>
+                </a:lnTo>
+                <a:lnTo>
+                  <a:pt x="0" y="0"/>
+                </a:lnTo>
+                <a:lnTo>
+                  <a:pt x="0" y="6858000"/>
+                </a:lnTo>
+                <a:lnTo>
+                  <a:pt x="249909" y="6858000"/>
+                </a:lnTo>
+                <a:lnTo>
+                  <a:pt x="1895061" y="6858000"/>
+                </a:lnTo>
+                <a:lnTo>
+                  <a:pt x="1959438" y="6858000"/>
+                </a:lnTo>
+                <a:lnTo>
+                  <a:pt x="2739604" y="6858000"/>
+                </a:lnTo>
+                <a:lnTo>
+                  <a:pt x="2953106" y="6858000"/>
+                </a:lnTo>
+                <a:lnTo>
+                  <a:pt x="3064862" y="6780599"/>
+                </a:lnTo>
+                <a:cubicBezTo>
+                  <a:pt x="3238680" y="6653108"/>
+                  <a:pt x="3409307" y="6515397"/>
+                  <a:pt x="3581510" y="6374814"/>
+                </a:cubicBezTo>
+                <a:cubicBezTo>
+                  <a:pt x="4527135" y="5602839"/>
+                  <a:pt x="5455860" y="4969131"/>
+                  <a:pt x="5455860" y="3621656"/>
+                </a:cubicBezTo>
+                <a:cubicBezTo>
+                  <a:pt x="5455860" y="2093192"/>
+                  <a:pt x="4882124" y="754641"/>
+                  <a:pt x="3854961" y="14997"/>
+                </a:cubicBezTo>
+                <a:close/>
+              </a:path>
+            </a:pathLst>
+          </a:custGeom>
+          <a:solidFill>
+            <a:schemeClr val="bg1">
+              <a:alpha val="60000"/>
+            </a:schemeClr>
+          </a:solidFill>
+          <a:ln>
+            <a:noFill/>
+          </a:ln>
+        </p:spPr>
+        <p:style>
+          <a:lnRef idx="2">
+            <a:schemeClr val="accent1">
+              <a:shade val="50000"/>
+            </a:schemeClr>
+          </a:lnRef>
+          <a:fillRef idx="1">
+            <a:schemeClr val="accent1"/>
+          </a:fillRef>
+          <a:effectRef idx="0">
+            <a:schemeClr val="accent1"/>
+          </a:effectRef>
+          <a:fontRef idx="minor">
+            <a:schemeClr val="lt1"/>
+          </a:fontRef>
+        </p:style>
+        <p:txBody>
+          <a:bodyPr wrap="square" rtlCol="0" anchor="ctr">
+            <a:noAutofit/>
+          </a:bodyPr>
+          <a:lstStyle/>
+          <a:p>
+            <a:pPr algn="ctr"/>
+            <a:endParaRPr lang="en-US"/>
+          </a:p>
+        </p:txBody>
+      </p:sp>
+      <p:sp>
+        <p:nvSpPr>
+          <p:cNvPr id="64" name="Freeform: Shape 63">
+            <a:extLst>
+              <a:ext uri="{FF2B5EF4-FFF2-40B4-BE49-F238E27FC236}">
+                <a16:creationId xmlns:a16="http://schemas.microsoft.com/office/drawing/2014/main" id="{829A1E2C-5AC8-40FC-99E9-832069D39792}"/>
+              </a:ext>
+              <a:ext uri="{C183D7F6-B498-43B3-948B-1728B52AA6E4}">
+                <adec:decorative xmlns:adec="http://schemas.microsoft.com/office/drawing/2017/decorative" val="1"/>
+              </a:ext>
+            </a:extLst>
+          </p:cNvPr>
+          <p:cNvSpPr>
+            <a:spLocks noGrp="1" noRot="1" noChangeAspect="1" noMove="1" noResize="1" noEditPoints="1" noAdjustHandles="1" noChangeArrowheads="1" noChangeShapeType="1" noTextEdit="1"/>
+          </p:cNvSpPr>
+          <p:nvPr>
+            <p:extLst>
+              <p:ext uri="{386F3935-93C4-4BCD-93E2-E3B085C9AB24}">
+                <p16:designElem xmlns:p16="http://schemas.microsoft.com/office/powerpoint/2015/main" val="1"/>
+              </p:ext>
+            </p:extLst>
+          </p:nvPr>
+        </p:nvSpPr>
+        <p:spPr>
+          <a:xfrm flipH="1">
+            <a:off x="6255864" y="0"/>
+            <a:ext cx="2529723" cy="6858000"/>
+          </a:xfrm>
+          <a:custGeom>
+            <a:avLst/>
+            <a:gdLst>
+              <a:gd name="connsiteX0" fmla="*/ 1258269 w 2529723"/>
+              <a:gd name="connsiteY0" fmla="*/ 0 h 6858000"/>
+              <a:gd name="connsiteX1" fmla="*/ 1275627 w 2529723"/>
+              <a:gd name="connsiteY1" fmla="*/ 0 h 6858000"/>
+              <a:gd name="connsiteX2" fmla="*/ 1302560 w 2529723"/>
+              <a:gd name="connsiteY2" fmla="*/ 24338 h 6858000"/>
+              <a:gd name="connsiteX3" fmla="*/ 2522825 w 2529723"/>
+              <a:gd name="connsiteY3" fmla="*/ 3678515 h 6858000"/>
+              <a:gd name="connsiteX4" fmla="*/ 557500 w 2529723"/>
+              <a:gd name="connsiteY4" fmla="*/ 6451411 h 6858000"/>
+              <a:gd name="connsiteX5" fmla="*/ 32482 w 2529723"/>
+              <a:gd name="connsiteY5" fmla="*/ 6849373 h 6858000"/>
+              <a:gd name="connsiteX6" fmla="*/ 19531 w 2529723"/>
+              <a:gd name="connsiteY6" fmla="*/ 6858000 h 6858000"/>
+              <a:gd name="connsiteX7" fmla="*/ 0 w 2529723"/>
+              <a:gd name="connsiteY7" fmla="*/ 6858000 h 6858000"/>
+              <a:gd name="connsiteX8" fmla="*/ 14202 w 2529723"/>
+              <a:gd name="connsiteY8" fmla="*/ 6848540 h 6858000"/>
+              <a:gd name="connsiteX9" fmla="*/ 539221 w 2529723"/>
+              <a:gd name="connsiteY9" fmla="*/ 6450578 h 6858000"/>
+              <a:gd name="connsiteX10" fmla="*/ 2504546 w 2529723"/>
+              <a:gd name="connsiteY10" fmla="*/ 3677682 h 6858000"/>
+              <a:gd name="connsiteX11" fmla="*/ 1284280 w 2529723"/>
+              <a:gd name="connsiteY11" fmla="*/ 23504 h 6858000"/>
+            </a:gdLst>
+            <a:ahLst/>
+            <a:cxnLst>
+              <a:cxn ang="0">
+                <a:pos x="connsiteX0" y="connsiteY0"/>
+              </a:cxn>
+              <a:cxn ang="0">
+                <a:pos x="connsiteX1" y="connsiteY1"/>
+              </a:cxn>
+              <a:cxn ang="0">
+                <a:pos x="connsiteX2" y="connsiteY2"/>
+              </a:cxn>
+              <a:cxn ang="0">
+                <a:pos x="connsiteX3" y="connsiteY3"/>
+              </a:cxn>
+              <a:cxn ang="0">
+                <a:pos x="connsiteX4" y="connsiteY4"/>
+              </a:cxn>
+              <a:cxn ang="0">
+                <a:pos x="connsiteX5" y="connsiteY5"/>
+              </a:cxn>
+              <a:cxn ang="0">
+                <a:pos x="connsiteX6" y="connsiteY6"/>
+              </a:cxn>
+              <a:cxn ang="0">
+                <a:pos x="connsiteX7" y="connsiteY7"/>
+              </a:cxn>
+              <a:cxn ang="0">
+                <a:pos x="connsiteX8" y="connsiteY8"/>
+              </a:cxn>
+              <a:cxn ang="0">
+                <a:pos x="connsiteX9" y="connsiteY9"/>
+              </a:cxn>
+              <a:cxn ang="0">
+                <a:pos x="connsiteX10" y="connsiteY10"/>
+              </a:cxn>
+              <a:cxn ang="0">
+                <a:pos x="connsiteX11" y="connsiteY11"/>
+              </a:cxn>
+            </a:cxnLst>
+            <a:rect l="l" t="t" r="r" b="b"/>
+            <a:pathLst>
+              <a:path w="2529723" h="6858000">
+                <a:moveTo>
+                  <a:pt x="1258269" y="0"/>
+                </a:moveTo>
+                <a:lnTo>
+                  <a:pt x="1275627" y="0"/>
+                </a:lnTo>
+                <a:lnTo>
+                  <a:pt x="1302560" y="24338"/>
+                </a:lnTo>
+                <a:cubicBezTo>
+                  <a:pt x="2156831" y="855667"/>
+                  <a:pt x="2590622" y="2191755"/>
+                  <a:pt x="2522825" y="3678515"/>
+                </a:cubicBezTo>
+                <a:cubicBezTo>
+                  <a:pt x="2459072" y="5076606"/>
+                  <a:pt x="1519830" y="5692656"/>
+                  <a:pt x="557500" y="6451411"/>
+                </a:cubicBezTo>
+                <a:cubicBezTo>
+                  <a:pt x="382255" y="6589587"/>
+                  <a:pt x="208689" y="6724853"/>
+                  <a:pt x="32482" y="6849373"/>
+                </a:cubicBezTo>
+                <a:lnTo>
+                  <a:pt x="19531" y="6858000"/>
+                </a:lnTo>
+                <a:lnTo>
+                  <a:pt x="0" y="6858000"/>
+                </a:lnTo>
+                <a:lnTo>
+                  <a:pt x="14202" y="6848540"/>
+                </a:lnTo>
+                <a:cubicBezTo>
+                  <a:pt x="190409" y="6724020"/>
+                  <a:pt x="363976" y="6588754"/>
+                  <a:pt x="539221" y="6450578"/>
+                </a:cubicBezTo>
+                <a:cubicBezTo>
+                  <a:pt x="1501550" y="5691822"/>
+                  <a:pt x="2440792" y="5075773"/>
+                  <a:pt x="2504546" y="3677682"/>
+                </a:cubicBezTo>
+                <a:cubicBezTo>
+                  <a:pt x="2572343" y="2190921"/>
+                  <a:pt x="2138551" y="854834"/>
+                  <a:pt x="1284280" y="23504"/>
+                </a:cubicBezTo>
+                <a:close/>
+              </a:path>
+            </a:pathLst>
+          </a:custGeom>
+          <a:solidFill>
+            <a:srgbClr val="FFFFFF"/>
+          </a:solidFill>
+          <a:ln>
+            <a:noFill/>
+          </a:ln>
+        </p:spPr>
+        <p:style>
+          <a:lnRef idx="2">
+            <a:schemeClr val="accent1">
+              <a:shade val="50000"/>
+            </a:schemeClr>
+          </a:lnRef>
+          <a:fillRef idx="1">
+            <a:schemeClr val="accent1"/>
+          </a:fillRef>
+          <a:effectRef idx="0">
+            <a:schemeClr val="accent1"/>
+          </a:effectRef>
+          <a:fontRef idx="minor">
+            <a:schemeClr val="lt1"/>
+          </a:fontRef>
+        </p:style>
+        <p:txBody>
+          <a:bodyPr wrap="square" rtlCol="0" anchor="ctr">
+            <a:noAutofit/>
+          </a:bodyPr>
+          <a:lstStyle/>
+          <a:p>
+            <a:pPr marL="0" marR="0" lvl="0" indent="0" algn="ctr" defTabSz="457200" rtl="0" eaLnBrk="1" fontAlgn="auto" latinLnBrk="0" hangingPunct="1">
+              <a:lnSpc>
+                <a:spcPct val="100000"/>
+              </a:lnSpc>
+              <a:spcBef>
+                <a:spcPts val="0"/>
+              </a:spcBef>
+              <a:spcAft>
+                <a:spcPts val="0"/>
+              </a:spcAft>
+              <a:buClrTx/>
+              <a:buSzTx/>
+              <a:buFontTx/>
+              <a:buNone/>
+              <a:tabLst/>
+              <a:defRPr/>
+            </a:pPr>
+            <a:endParaRPr kumimoji="0" lang="en-US" sz="1800" b="0" i="0" u="none" strike="noStrike" kern="1200" cap="none" spc="0" normalizeH="0" baseline="0" noProof="0">
+              <a:ln>
+                <a:noFill/>
+              </a:ln>
+              <a:solidFill>
+                <a:prstClr val="white"/>
+              </a:solidFill>
+              <a:effectLst/>
+              <a:uLnTx/>
+              <a:uFillTx/>
+              <a:latin typeface="Meiryo"/>
+              <a:ea typeface="+mn-ea"/>
+              <a:cs typeface="+mn-cs"/>
+            </a:endParaRPr>
+          </a:p>
+        </p:txBody>
+      </p:sp>
+      <p:sp>
+        <p:nvSpPr>
+          <p:cNvPr id="66" name="Freeform: Shape 65">
+            <a:extLst>
+              <a:ext uri="{FF2B5EF4-FFF2-40B4-BE49-F238E27FC236}">
+                <a16:creationId xmlns:a16="http://schemas.microsoft.com/office/drawing/2014/main" id="{55C54A75-E44A-4147-B9D0-FF46CFD31612}"/>
+              </a:ext>
+              <a:ext uri="{C183D7F6-B498-43B3-948B-1728B52AA6E4}">
+                <adec:decorative xmlns:adec="http://schemas.microsoft.com/office/drawing/2017/decorative" val="1"/>
+              </a:ext>
+            </a:extLst>
+          </p:cNvPr>
+          <p:cNvSpPr>
+            <a:spLocks noGrp="1" noRot="1" noChangeAspect="1" noMove="1" noResize="1" noEditPoints="1" noAdjustHandles="1" noChangeArrowheads="1" noChangeShapeType="1" noTextEdit="1"/>
+          </p:cNvSpPr>
+          <p:nvPr>
+            <p:extLst>
+              <p:ext uri="{386F3935-93C4-4BCD-93E2-E3B085C9AB24}">
+                <p16:designElem xmlns:p16="http://schemas.microsoft.com/office/powerpoint/2015/main" val="1"/>
+              </p:ext>
+            </p:extLst>
+          </p:nvPr>
+        </p:nvSpPr>
+        <p:spPr>
+          <a:xfrm flipH="1">
+            <a:off x="6469160" y="0"/>
+            <a:ext cx="2536434" cy="6858000"/>
+          </a:xfrm>
+          <a:custGeom>
+            <a:avLst/>
+            <a:gdLst>
+              <a:gd name="connsiteX0" fmla="*/ 879731 w 2536434"/>
+              <a:gd name="connsiteY0" fmla="*/ 0 h 6858000"/>
+              <a:gd name="connsiteX1" fmla="*/ 913411 w 2536434"/>
+              <a:gd name="connsiteY1" fmla="*/ 0 h 6858000"/>
+              <a:gd name="connsiteX2" fmla="*/ 935535 w 2536434"/>
+              <a:gd name="connsiteY2" fmla="*/ 14997 h 6858000"/>
+              <a:gd name="connsiteX3" fmla="*/ 2536434 w 2536434"/>
+              <a:gd name="connsiteY3" fmla="*/ 3621656 h 6858000"/>
+              <a:gd name="connsiteX4" fmla="*/ 662084 w 2536434"/>
+              <a:gd name="connsiteY4" fmla="*/ 6374814 h 6858000"/>
+              <a:gd name="connsiteX5" fmla="*/ 145436 w 2536434"/>
+              <a:gd name="connsiteY5" fmla="*/ 6780599 h 6858000"/>
+              <a:gd name="connsiteX6" fmla="*/ 33680 w 2536434"/>
+              <a:gd name="connsiteY6" fmla="*/ 6858000 h 6858000"/>
+              <a:gd name="connsiteX7" fmla="*/ 0 w 2536434"/>
+              <a:gd name="connsiteY7" fmla="*/ 6858000 h 6858000"/>
+              <a:gd name="connsiteX8" fmla="*/ 111756 w 2536434"/>
+              <a:gd name="connsiteY8" fmla="*/ 6780599 h 6858000"/>
+              <a:gd name="connsiteX9" fmla="*/ 628404 w 2536434"/>
+              <a:gd name="connsiteY9" fmla="*/ 6374814 h 6858000"/>
+              <a:gd name="connsiteX10" fmla="*/ 2502754 w 2536434"/>
+              <a:gd name="connsiteY10" fmla="*/ 3621656 h 6858000"/>
+              <a:gd name="connsiteX11" fmla="*/ 901855 w 2536434"/>
+              <a:gd name="connsiteY11" fmla="*/ 14997 h 6858000"/>
+            </a:gdLst>
+            <a:ahLst/>
+            <a:cxnLst>
+              <a:cxn ang="0">
+                <a:pos x="connsiteX0" y="connsiteY0"/>
+              </a:cxn>
+              <a:cxn ang="0">
+                <a:pos x="connsiteX1" y="connsiteY1"/>
+              </a:cxn>
+              <a:cxn ang="0">
+                <a:pos x="connsiteX2" y="connsiteY2"/>
+              </a:cxn>
+              <a:cxn ang="0">
+                <a:pos x="connsiteX3" y="connsiteY3"/>
+              </a:cxn>
+              <a:cxn ang="0">
+                <a:pos x="connsiteX4" y="connsiteY4"/>
+              </a:cxn>
+              <a:cxn ang="0">
+                <a:pos x="connsiteX5" y="connsiteY5"/>
+              </a:cxn>
+              <a:cxn ang="0">
+                <a:pos x="connsiteX6" y="connsiteY6"/>
+              </a:cxn>
+              <a:cxn ang="0">
+                <a:pos x="connsiteX7" y="connsiteY7"/>
+              </a:cxn>
+              <a:cxn ang="0">
+                <a:pos x="connsiteX8" y="connsiteY8"/>
+              </a:cxn>
+              <a:cxn ang="0">
+                <a:pos x="connsiteX9" y="connsiteY9"/>
+              </a:cxn>
+              <a:cxn ang="0">
+                <a:pos x="connsiteX10" y="connsiteY10"/>
+              </a:cxn>
+              <a:cxn ang="0">
+                <a:pos x="connsiteX11" y="connsiteY11"/>
+              </a:cxn>
+            </a:cxnLst>
+            <a:rect l="l" t="t" r="r" b="b"/>
+            <a:pathLst>
+              <a:path w="2536434" h="6858000">
+                <a:moveTo>
+                  <a:pt x="879731" y="0"/>
+                </a:moveTo>
+                <a:lnTo>
+                  <a:pt x="913411" y="0"/>
+                </a:lnTo>
+                <a:lnTo>
+                  <a:pt x="935535" y="14997"/>
+                </a:lnTo>
+                <a:cubicBezTo>
+                  <a:pt x="1962698" y="754641"/>
+                  <a:pt x="2536434" y="2093192"/>
+                  <a:pt x="2536434" y="3621656"/>
+                </a:cubicBezTo>
+                <a:cubicBezTo>
+                  <a:pt x="2536434" y="4969131"/>
+                  <a:pt x="1607709" y="5602839"/>
+                  <a:pt x="662084" y="6374814"/>
+                </a:cubicBezTo>
+                <a:cubicBezTo>
+                  <a:pt x="489881" y="6515397"/>
+                  <a:pt x="319254" y="6653108"/>
+                  <a:pt x="145436" y="6780599"/>
+                </a:cubicBezTo>
+                <a:lnTo>
+                  <a:pt x="33680" y="6858000"/>
+                </a:lnTo>
+                <a:lnTo>
+                  <a:pt x="0" y="6858000"/>
+                </a:lnTo>
+                <a:lnTo>
+                  <a:pt x="111756" y="6780599"/>
+                </a:lnTo>
+                <a:cubicBezTo>
+                  <a:pt x="285574" y="6653108"/>
+                  <a:pt x="456201" y="6515397"/>
+                  <a:pt x="628404" y="6374814"/>
+                </a:cubicBezTo>
+                <a:cubicBezTo>
+                  <a:pt x="1574029" y="5602839"/>
+                  <a:pt x="2502754" y="4969131"/>
+                  <a:pt x="2502754" y="3621656"/>
+                </a:cubicBezTo>
+                <a:cubicBezTo>
+                  <a:pt x="2502754" y="2093192"/>
+                  <a:pt x="1929018" y="754641"/>
+                  <a:pt x="901855" y="14997"/>
+                </a:cubicBezTo>
+                <a:close/>
+              </a:path>
+            </a:pathLst>
+          </a:custGeom>
+          <a:solidFill>
+            <a:srgbClr val="FFFFFF"/>
+          </a:solidFill>
+          <a:ln>
+            <a:noFill/>
+          </a:ln>
+        </p:spPr>
+        <p:style>
+          <a:lnRef idx="2">
+            <a:schemeClr val="accent1">
+              <a:shade val="50000"/>
+            </a:schemeClr>
+          </a:lnRef>
+          <a:fillRef idx="1">
+            <a:schemeClr val="accent1"/>
+          </a:fillRef>
+          <a:effectRef idx="0">
+            <a:schemeClr val="accent1"/>
+          </a:effectRef>
+          <a:fontRef idx="minor">
+            <a:schemeClr val="lt1"/>
+          </a:fontRef>
+        </p:style>
+        <p:txBody>
+          <a:bodyPr wrap="square" rtlCol="0" anchor="ctr">
+            <a:noAutofit/>
+          </a:bodyPr>
+          <a:lstStyle/>
+          <a:p>
+            <a:pPr marL="0" marR="0" lvl="0" indent="0" algn="ctr" defTabSz="914400" rtl="0" eaLnBrk="1" fontAlgn="auto" latinLnBrk="0" hangingPunct="1">
+              <a:lnSpc>
+                <a:spcPct val="100000"/>
+              </a:lnSpc>
+              <a:spcBef>
+                <a:spcPts val="0"/>
+              </a:spcBef>
+              <a:spcAft>
+                <a:spcPts val="0"/>
+              </a:spcAft>
+              <a:buClrTx/>
+              <a:buSzTx/>
+              <a:buFontTx/>
+              <a:buNone/>
+              <a:tabLst/>
+              <a:defRPr/>
+            </a:pPr>
+            <a:endParaRPr kumimoji="0" lang="en-US" sz="1800" b="0" i="0" u="none" strike="noStrike" kern="1200" cap="none" spc="0" normalizeH="0" baseline="0" noProof="0">
+              <a:ln>
+                <a:noFill/>
+              </a:ln>
+              <a:solidFill>
+                <a:prstClr val="white"/>
+              </a:solidFill>
+              <a:effectLst/>
+              <a:uLnTx/>
+              <a:uFillTx/>
+              <a:latin typeface="Meiryo"/>
+              <a:ea typeface="+mn-ea"/>
+              <a:cs typeface="+mn-cs"/>
+            </a:endParaRPr>
+          </a:p>
+        </p:txBody>
+      </p:sp>
+      <p:pic>
+        <p:nvPicPr>
+          <p:cNvPr id="5" name="Picture 4" descr="A screenshot of a computer program&#10;&#10;Description automatically generated">
+            <a:extLst>
+              <a:ext uri="{FF2B5EF4-FFF2-40B4-BE49-F238E27FC236}">
+                <a16:creationId xmlns:a16="http://schemas.microsoft.com/office/drawing/2014/main" id="{A88310EA-73CC-3626-1E01-F456318FEB91}"/>
+              </a:ext>
+            </a:extLst>
+          </p:cNvPr>
+          <p:cNvPicPr>
+            <a:picLocks noChangeAspect="1"/>
+          </p:cNvPicPr>
+          <p:nvPr/>
+        </p:nvPicPr>
+        <p:blipFill>
+          <a:blip r:embed="rId2"/>
+          <a:stretch>
+            <a:fillRect/>
+          </a:stretch>
+        </p:blipFill>
+        <p:spPr>
+          <a:xfrm>
+            <a:off x="965199" y="1027244"/>
+            <a:ext cx="4788670" cy="2178844"/>
+          </a:xfrm>
+          <a:prstGeom prst="rect">
+            <a:avLst/>
+          </a:prstGeom>
+        </p:spPr>
+      </p:pic>
+      <p:pic>
+        <p:nvPicPr>
+          <p:cNvPr id="4" name="Content Placeholder 3" descr="A screenshot of a computer&#10;&#10;Description automatically generated">
+            <a:extLst>
+              <a:ext uri="{FF2B5EF4-FFF2-40B4-BE49-F238E27FC236}">
+                <a16:creationId xmlns:a16="http://schemas.microsoft.com/office/drawing/2014/main" id="{1E40AF32-B4AE-4538-45E6-F4E56DAE24BF}"/>
+              </a:ext>
+            </a:extLst>
+          </p:cNvPr>
+          <p:cNvPicPr>
+            <a:picLocks noChangeAspect="1"/>
+          </p:cNvPicPr>
+          <p:nvPr/>
+        </p:nvPicPr>
+        <p:blipFill>
+          <a:blip r:embed="rId3"/>
+          <a:stretch>
+            <a:fillRect/>
+          </a:stretch>
+        </p:blipFill>
+        <p:spPr>
+          <a:xfrm>
+            <a:off x="975509" y="3589865"/>
+            <a:ext cx="4749063" cy="2313073"/>
+          </a:xfrm>
+          <a:prstGeom prst="rect">
+            <a:avLst/>
+          </a:prstGeom>
+        </p:spPr>
+      </p:pic>
+      <p:sp>
+        <p:nvSpPr>
+          <p:cNvPr id="57" name="Content Placeholder 56">
+            <a:extLst>
+              <a:ext uri="{FF2B5EF4-FFF2-40B4-BE49-F238E27FC236}">
+                <a16:creationId xmlns:a16="http://schemas.microsoft.com/office/drawing/2014/main" id="{00A413DD-AC61-7D8C-277F-F5369B6EC1B8}"/>
+              </a:ext>
+            </a:extLst>
+          </p:cNvPr>
+          <p:cNvSpPr>
+            <a:spLocks noGrp="1"/>
+          </p:cNvSpPr>
+          <p:nvPr>
+            <p:ph idx="1"/>
+          </p:nvPr>
+        </p:nvSpPr>
+        <p:spPr>
+          <a:xfrm>
+            <a:off x="7684369" y="3220279"/>
+            <a:ext cx="3996098" cy="2385392"/>
+          </a:xfrm>
+        </p:spPr>
+        <p:txBody>
+          <a:bodyPr vert="horz" lIns="109728" tIns="109728" rIns="109728" bIns="91440" rtlCol="0" anchor="t">
+            <a:normAutofit lnSpcReduction="10000"/>
+          </a:bodyPr>
+          <a:lstStyle/>
+          <a:p>
+            <a:r>
+              <a:rPr lang="en-US">
+                <a:ea typeface="Meiryo"/>
+              </a:rPr>
+              <a:t>We ensured that the user provide a feedback before we proceed, and the program prompts the user until they provide a proper response.  </a:t>
+            </a:r>
+            <a:endParaRPr lang="en-US"/>
+          </a:p>
+        </p:txBody>
+      </p:sp>
+    </p:spTree>
+    <p:extLst>
+      <p:ext uri="{BB962C8B-B14F-4D97-AF65-F5344CB8AC3E}">
+        <p14:creationId xmlns:p14="http://schemas.microsoft.com/office/powerpoint/2010/main" val="3039985024"/>
       </p:ext>
     </p:extLst>
   </p:cSld>
